--- a/PPTX-Genigraphics-Poster-Template-24x36.pptx
+++ b/PPTX-Genigraphics-Poster-Template-24x36.pptx
@@ -158,6 +158,41 @@
   </mc:AlternateContent>
   <c:chart>
     <c:title>
+      <c:tx>
+        <c:rich>
+          <a:bodyPr rot="0" spcFirstLastPara="1" vertOverflow="ellipsis" vert="horz" wrap="square" anchor="ctr" anchorCtr="1"/>
+          <a:lstStyle/>
+          <a:p>
+            <a:pPr>
+              <a:defRPr sz="2128" b="1" i="0" u="none" strike="noStrike" kern="1200" baseline="0">
+                <a:solidFill>
+                  <a:schemeClr val="tx2"/>
+                </a:solidFill>
+                <a:latin typeface="+mn-lt"/>
+                <a:ea typeface="+mn-ea"/>
+                <a:cs typeface="+mn-cs"/>
+              </a:defRPr>
+            </a:pPr>
+            <a:r>
+              <a:rPr lang="en-US" dirty="0"/>
+              <a:t>F1-Score</a:t>
+            </a:r>
+            <a:r>
+              <a:rPr lang="en-US" baseline="0" dirty="0"/>
+              <a:t> vs Size of Training Data</a:t>
+            </a:r>
+            <a:endParaRPr lang="en-US" dirty="0"/>
+          </a:p>
+        </c:rich>
+      </c:tx>
+      <c:layout>
+        <c:manualLayout>
+          <c:xMode val="edge"/>
+          <c:yMode val="edge"/>
+          <c:x val="0.28392157042777261"/>
+          <c:y val="5.5747734041168605E-3"/>
+        </c:manualLayout>
+      </c:layout>
       <c:overlay val="0"/>
       <c:spPr>
         <a:noFill/>
@@ -191,8 +226,8 @@
           <c:layoutTarget val="inner"/>
           <c:xMode val="edge"/>
           <c:yMode val="edge"/>
-          <c:x val="0.14638795017719239"/>
-          <c:y val="4.2220680416047908E-2"/>
+          <c:x val="0.14638792930015515"/>
+          <c:y val="8.2335223107879302E-2"/>
           <c:w val="0.8066746213333621"/>
           <c:h val="0.82867925166084977"/>
         </c:manualLayout>
@@ -210,7 +245,7 @@
               <c:strCache>
                 <c:ptCount val="1"/>
                 <c:pt idx="0">
-                  <c:v>F1-Score</c:v>
+                  <c:v>BiLSTM</c:v>
                 </c:pt>
               </c:strCache>
             </c:strRef>
@@ -327,6 +362,128 @@
             </c:ext>
           </c:extLst>
         </c:ser>
+        <c:ser>
+          <c:idx val="1"/>
+          <c:order val="1"/>
+          <c:tx>
+            <c:strRef>
+              <c:f>Sheet1!$C$1</c:f>
+              <c:strCache>
+                <c:ptCount val="1"/>
+                <c:pt idx="0">
+                  <c:v>spaCy</c:v>
+                </c:pt>
+              </c:strCache>
+            </c:strRef>
+          </c:tx>
+          <c:spPr>
+            <a:gradFill rotWithShape="1">
+              <a:gsLst>
+                <a:gs pos="0">
+                  <a:schemeClr val="accent2">
+                    <a:satMod val="103000"/>
+                    <a:lumMod val="102000"/>
+                    <a:tint val="94000"/>
+                  </a:schemeClr>
+                </a:gs>
+                <a:gs pos="50000">
+                  <a:schemeClr val="accent2">
+                    <a:satMod val="110000"/>
+                    <a:lumMod val="100000"/>
+                    <a:shade val="100000"/>
+                  </a:schemeClr>
+                </a:gs>
+                <a:gs pos="100000">
+                  <a:schemeClr val="accent2">
+                    <a:lumMod val="99000"/>
+                    <a:satMod val="120000"/>
+                    <a:shade val="78000"/>
+                  </a:schemeClr>
+                </a:gs>
+              </a:gsLst>
+              <a:lin ang="5400000" scaled="0"/>
+            </a:gradFill>
+            <a:ln>
+              <a:noFill/>
+            </a:ln>
+            <a:effectLst/>
+          </c:spPr>
+          <c:invertIfNegative val="0"/>
+          <c:dLbls>
+            <c:delete val="1"/>
+          </c:dLbls>
+          <c:cat>
+            <c:numRef>
+              <c:f>Sheet1!$A$2:$A$9</c:f>
+              <c:numCache>
+                <c:formatCode>General</c:formatCode>
+                <c:ptCount val="8"/>
+                <c:pt idx="0">
+                  <c:v>0.1</c:v>
+                </c:pt>
+                <c:pt idx="1">
+                  <c:v>0.2</c:v>
+                </c:pt>
+                <c:pt idx="2">
+                  <c:v>0.3</c:v>
+                </c:pt>
+                <c:pt idx="3">
+                  <c:v>0.4</c:v>
+                </c:pt>
+                <c:pt idx="4">
+                  <c:v>0.5</c:v>
+                </c:pt>
+                <c:pt idx="5">
+                  <c:v>0.6</c:v>
+                </c:pt>
+                <c:pt idx="6">
+                  <c:v>0.7</c:v>
+                </c:pt>
+                <c:pt idx="7">
+                  <c:v>0.8</c:v>
+                </c:pt>
+              </c:numCache>
+            </c:numRef>
+          </c:cat>
+          <c:val>
+            <c:numRef>
+              <c:f>Sheet1!$C$2:$C$9</c:f>
+              <c:numCache>
+                <c:formatCode>General</c:formatCode>
+                <c:ptCount val="8"/>
+                <c:pt idx="0">
+                  <c:v>0.16721311475409836</c:v>
+                </c:pt>
+                <c:pt idx="1">
+                  <c:v>0.29951690821256038</c:v>
+                </c:pt>
+                <c:pt idx="2">
+                  <c:v>0.4001905669366364</c:v>
+                </c:pt>
+                <c:pt idx="3">
+                  <c:v>0.4885496183206105</c:v>
+                </c:pt>
+                <c:pt idx="4">
+                  <c:v>0.56666666666666643</c:v>
+                </c:pt>
+                <c:pt idx="5">
+                  <c:v>0.63298662704309028</c:v>
+                </c:pt>
+                <c:pt idx="6">
+                  <c:v>0.70343137254901955</c:v>
+                </c:pt>
+                <c:pt idx="7">
+                  <c:v>0.76363636363636334</c:v>
+                </c:pt>
+              </c:numCache>
+            </c:numRef>
+          </c:val>
+          <c:extLst>
+            <c:ext xmlns:c16="http://schemas.microsoft.com/office/drawing/2014/chart" uri="{C3380CC4-5D6E-409C-BE32-E72D297353CC}">
+              <c16:uniqueId val="{00000001-20AD-8E4C-8CB2-E625C60D1AA6}"/>
+            </c:ext>
+          </c:extLst>
+        </c:ser>
         <c:dLbls>
           <c:dLblPos val="inEnd"/>
           <c:showLegendKey val="0"/>
@@ -348,6 +505,68 @@
         </c:scaling>
         <c:delete val="0"/>
         <c:axPos val="b"/>
+        <c:title>
+          <c:tx>
+            <c:rich>
+              <a:bodyPr rot="0" spcFirstLastPara="1" vertOverflow="ellipsis" vert="horz" wrap="square" anchor="ctr" anchorCtr="1"/>
+              <a:lstStyle/>
+              <a:p>
+                <a:pPr>
+                  <a:defRPr sz="1197" b="1" i="0" u="none" strike="noStrike" kern="1200" baseline="0">
+                    <a:solidFill>
+                      <a:schemeClr val="tx2"/>
+                    </a:solidFill>
+                    <a:latin typeface="+mn-lt"/>
+                    <a:ea typeface="+mn-ea"/>
+                    <a:cs typeface="+mn-cs"/>
+                  </a:defRPr>
+                </a:pPr>
+                <a:r>
+                  <a:rPr lang="en-US" b="1" dirty="0"/>
+                  <a:t>Size</a:t>
+                </a:r>
+                <a:r>
+                  <a:rPr lang="en-US" b="1" baseline="0" dirty="0"/>
+                  <a:t> of Training Data</a:t>
+                </a:r>
+                <a:endParaRPr lang="en-US" b="1" dirty="0"/>
+              </a:p>
+            </c:rich>
+          </c:tx>
+          <c:layout>
+            <c:manualLayout>
+              <c:xMode val="edge"/>
+              <c:yMode val="edge"/>
+              <c:x val="0.42477576543825318"/>
+              <c:y val="0.95292813451473757"/>
+            </c:manualLayout>
+          </c:layout>
+          <c:overlay val="0"/>
+          <c:spPr>
+            <a:noFill/>
+            <a:ln>
+              <a:noFill/>
+            </a:ln>
+            <a:effectLst/>
+          </c:spPr>
+          <c:txPr>
+            <a:bodyPr rot="0" spcFirstLastPara="1" vertOverflow="ellipsis" vert="horz" wrap="square" anchor="ctr" anchorCtr="1"/>
+            <a:lstStyle/>
+            <a:p>
+              <a:pPr>
+                <a:defRPr sz="1197" b="1" i="0" u="none" strike="noStrike" kern="1200" baseline="0">
+                  <a:solidFill>
+                    <a:schemeClr val="tx2"/>
+                  </a:solidFill>
+                  <a:latin typeface="+mn-lt"/>
+                  <a:ea typeface="+mn-ea"/>
+                  <a:cs typeface="+mn-cs"/>
+                </a:defRPr>
+              </a:pPr>
+              <a:endParaRPr lang="en-US"/>
+            </a:p>
+          </c:txPr>
+        </c:title>
         <c:numFmt formatCode="General" sourceLinked="0"/>
         <c:majorTickMark val="none"/>
         <c:minorTickMark val="none"/>
@@ -410,6 +629,55 @@
             <a:effectLst/>
           </c:spPr>
         </c:majorGridlines>
+        <c:title>
+          <c:tx>
+            <c:rich>
+              <a:bodyPr rot="-5400000" spcFirstLastPara="1" vertOverflow="ellipsis" vert="horz" wrap="square" anchor="ctr" anchorCtr="1"/>
+              <a:lstStyle/>
+              <a:p>
+                <a:pPr>
+                  <a:defRPr sz="1197" b="1" i="0" u="none" strike="noStrike" kern="1200" baseline="0">
+                    <a:solidFill>
+                      <a:schemeClr val="tx2"/>
+                    </a:solidFill>
+                    <a:latin typeface="+mn-lt"/>
+                    <a:ea typeface="+mn-ea"/>
+                    <a:cs typeface="+mn-cs"/>
+                  </a:defRPr>
+                </a:pPr>
+                <a:r>
+                  <a:rPr lang="en-US" dirty="0"/>
+                  <a:t>F1-Score</a:t>
+                </a:r>
+              </a:p>
+            </c:rich>
+          </c:tx>
+          <c:overlay val="0"/>
+          <c:spPr>
+            <a:noFill/>
+            <a:ln>
+              <a:noFill/>
+            </a:ln>
+            <a:effectLst/>
+          </c:spPr>
+          <c:txPr>
+            <a:bodyPr rot="-5400000" spcFirstLastPara="1" vertOverflow="ellipsis" vert="horz" wrap="square" anchor="ctr" anchorCtr="1"/>
+            <a:lstStyle/>
+            <a:p>
+              <a:pPr>
+                <a:defRPr sz="1197" b="1" i="0" u="none" strike="noStrike" kern="1200" baseline="0">
+                  <a:solidFill>
+                    <a:schemeClr val="tx2"/>
+                  </a:solidFill>
+                  <a:latin typeface="+mn-lt"/>
+                  <a:ea typeface="+mn-ea"/>
+                  <a:cs typeface="+mn-cs"/>
+                </a:defRPr>
+              </a:pPr>
+              <a:endParaRPr lang="en-US"/>
+            </a:p>
+          </c:txPr>
+        </c:title>
         <c:numFmt formatCode="General" sourceLinked="1"/>
         <c:majorTickMark val="none"/>
         <c:minorTickMark val="none"/>
@@ -451,15 +719,15 @@
       </c:spPr>
     </c:plotArea>
     <c:legend>
-      <c:legendPos val="b"/>
+      <c:legendPos val="l"/>
       <c:layout>
         <c:manualLayout>
           <c:xMode val="edge"/>
           <c:yMode val="edge"/>
-          <c:x val="0.43747261353389699"/>
-          <c:y val="0.11042412490428224"/>
-          <c:w val="0.14763818819957278"/>
-          <c:h val="6.4892723757118576E-2"/>
+          <c:x val="0.14235971398650082"/>
+          <c:y val="0.121390032436841"/>
+          <c:w val="0.11644264364271323"/>
+          <c:h val="0.12978544751423712"/>
         </c:manualLayout>
       </c:layout>
       <c:overlay val="0"/>
@@ -471,7 +739,7 @@
         <a:effectLst/>
       </c:spPr>
       <c:txPr>
-        <a:bodyPr rot="0" spcFirstLastPara="1" vertOverflow="ellipsis" vert="horz" wrap="square" anchor="t" anchorCtr="1"/>
+        <a:bodyPr rot="0" spcFirstLastPara="1" vertOverflow="ellipsis" vert="horz" wrap="square" anchor="ctr" anchorCtr="1"/>
         <a:lstStyle/>
         <a:p>
           <a:pPr>
@@ -3918,7 +4186,19 @@
         <a:p>
           <a:r>
             <a:rPr lang="en-US" sz="1800" b="1" dirty="0"/>
-            <a:t>Aggregate</a:t>
+            <a:t>Aggregate </a:t>
+          </a:r>
+        </a:p>
+        <a:p>
+          <a:r>
+            <a:rPr lang="en-US" sz="1800" b="1" dirty="0"/>
+            <a:t>+</a:t>
+          </a:r>
+        </a:p>
+        <a:p>
+          <a:r>
+            <a:rPr lang="en-US" sz="1800" b="1" dirty="0"/>
+            <a:t> Identify positive dishes</a:t>
           </a:r>
           <a:endParaRPr lang="en-US" sz="2600" b="1" dirty="0"/>
         </a:p>
@@ -4585,7 +4865,7 @@
   <dgm:whole/>
   <dgm:extLst>
     <a:ext uri="http://schemas.microsoft.com/office/drawing/2008/diagram">
-      <dsp:dataModelExt xmlns:dsp="http://schemas.microsoft.com/office/drawing/2008/diagram" relId="rId30" minVer="http://schemas.openxmlformats.org/drawingml/2006/diagram"/>
+      <dsp:dataModelExt xmlns:dsp="http://schemas.microsoft.com/office/drawing/2008/diagram" relId="rId25" minVer="http://schemas.openxmlformats.org/drawingml/2006/diagram"/>
     </a:ext>
   </dgm:extLst>
 </dgm:dataModel>
@@ -6404,7 +6684,43 @@
           </a:pPr>
           <a:r>
             <a:rPr lang="en-US" sz="1800" b="1" kern="1200" dirty="0"/>
-            <a:t>Aggregate</a:t>
+            <a:t>Aggregate </a:t>
+          </a:r>
+        </a:p>
+        <a:p>
+          <a:pPr marL="0" lvl="0" indent="0" algn="ctr" defTabSz="800100">
+            <a:lnSpc>
+              <a:spcPct val="90000"/>
+            </a:lnSpc>
+            <a:spcBef>
+              <a:spcPct val="0"/>
+            </a:spcBef>
+            <a:spcAft>
+              <a:spcPct val="35000"/>
+            </a:spcAft>
+            <a:buNone/>
+          </a:pPr>
+          <a:r>
+            <a:rPr lang="en-US" sz="1800" b="1" kern="1200" dirty="0"/>
+            <a:t>+</a:t>
+          </a:r>
+        </a:p>
+        <a:p>
+          <a:pPr marL="0" lvl="0" indent="0" algn="ctr" defTabSz="800100">
+            <a:lnSpc>
+              <a:spcPct val="90000"/>
+            </a:lnSpc>
+            <a:spcBef>
+              <a:spcPct val="0"/>
+            </a:spcBef>
+            <a:spcAft>
+              <a:spcPct val="35000"/>
+            </a:spcAft>
+            <a:buNone/>
+          </a:pPr>
+          <a:r>
+            <a:rPr lang="en-US" sz="1800" b="1" kern="1200" dirty="0"/>
+            <a:t> Identify positive dishes</a:t>
           </a:r>
           <a:endParaRPr lang="en-US" sz="2600" b="1" kern="1200" dirty="0"/>
         </a:p>
@@ -6733,8 +7049,8 @@
       </dsp:nvSpPr>
       <dsp:spPr>
         <a:xfrm>
-          <a:off x="2831857" y="1802967"/>
-          <a:ext cx="1300623" cy="412044"/>
+          <a:off x="2499896" y="1290168"/>
+          <a:ext cx="930909" cy="294916"/>
         </a:xfrm>
         <a:custGeom>
           <a:avLst/>
@@ -6748,13 +7064,13 @@
                 <a:pt x="0" y="0"/>
               </a:moveTo>
               <a:lnTo>
-                <a:pt x="0" y="190566"/>
+                <a:pt x="0" y="136396"/>
               </a:lnTo>
               <a:lnTo>
-                <a:pt x="1300623" y="190566"/>
+                <a:pt x="930909" y="136396"/>
               </a:lnTo>
               <a:lnTo>
-                <a:pt x="1300623" y="412044"/>
+                <a:pt x="930909" y="294916"/>
               </a:lnTo>
             </a:path>
           </a:pathLst>
@@ -6795,8 +7111,8 @@
       </dsp:nvSpPr>
       <dsp:spPr>
         <a:xfrm>
-          <a:off x="1210441" y="1802967"/>
-          <a:ext cx="1621415" cy="412044"/>
+          <a:off x="1339383" y="1290168"/>
+          <a:ext cx="1160513" cy="294916"/>
         </a:xfrm>
         <a:custGeom>
           <a:avLst/>
@@ -6807,16 +7123,16 @@
           <a:pathLst>
             <a:path>
               <a:moveTo>
-                <a:pt x="1621415" y="0"/>
+                <a:pt x="1160513" y="0"/>
               </a:moveTo>
               <a:lnTo>
-                <a:pt x="1621415" y="190566"/>
+                <a:pt x="1160513" y="136396"/>
               </a:lnTo>
               <a:lnTo>
-                <a:pt x="0" y="190566"/>
+                <a:pt x="0" y="136396"/>
               </a:lnTo>
               <a:lnTo>
-                <a:pt x="0" y="412044"/>
+                <a:pt x="0" y="294916"/>
               </a:lnTo>
             </a:path>
           </a:pathLst>
@@ -6857,8 +7173,8 @@
       </dsp:nvSpPr>
       <dsp:spPr>
         <a:xfrm>
-          <a:off x="1636477" y="284835"/>
-          <a:ext cx="2390759" cy="1518132"/>
+          <a:off x="1644314" y="203578"/>
+          <a:ext cx="1711164" cy="1086589"/>
         </a:xfrm>
         <a:prstGeom prst="roundRect">
           <a:avLst>
@@ -6909,8 +7225,8 @@
       </dsp:nvSpPr>
       <dsp:spPr>
         <a:xfrm>
-          <a:off x="1902117" y="537193"/>
-          <a:ext cx="2390759" cy="1518132"/>
+          <a:off x="1834443" y="384201"/>
+          <a:ext cx="1711164" cy="1086589"/>
         </a:xfrm>
         <a:prstGeom prst="roundRect">
           <a:avLst>
@@ -6977,8 +7293,8 @@
         </a:p>
       </dsp:txBody>
       <dsp:txXfrm>
-        <a:off x="1946582" y="581658"/>
-        <a:ext cx="2301829" cy="1429202"/>
+        <a:off x="1866268" y="416026"/>
+        <a:ext cx="1647514" cy="1022939"/>
       </dsp:txXfrm>
     </dsp:sp>
     <dsp:sp modelId="{3E11167C-4DDF-E247-B8AC-A62FAC520D4A}">
@@ -6988,8 +7304,8 @@
       </dsp:nvSpPr>
       <dsp:spPr>
         <a:xfrm>
-          <a:off x="15062" y="2215011"/>
-          <a:ext cx="2390759" cy="1518132"/>
+          <a:off x="483800" y="1585085"/>
+          <a:ext cx="1711164" cy="1086589"/>
         </a:xfrm>
         <a:prstGeom prst="roundRect">
           <a:avLst>
@@ -7040,8 +7356,8 @@
       </dsp:nvSpPr>
       <dsp:spPr>
         <a:xfrm>
-          <a:off x="280701" y="2467369"/>
-          <a:ext cx="2390759" cy="1518132"/>
+          <a:off x="673930" y="1765708"/>
+          <a:ext cx="1711164" cy="1086589"/>
         </a:xfrm>
         <a:prstGeom prst="roundRect">
           <a:avLst>
@@ -7108,8 +7424,8 @@
         </a:p>
       </dsp:txBody>
       <dsp:txXfrm>
-        <a:off x="325166" y="2511834"/>
-        <a:ext cx="2301829" cy="1429202"/>
+        <a:off x="705755" y="1797533"/>
+        <a:ext cx="1647514" cy="1022939"/>
       </dsp:txXfrm>
     </dsp:sp>
     <dsp:sp modelId="{1717CD79-F534-B845-944D-63F5F3F47C70}">
@@ -7119,8 +7435,8 @@
       </dsp:nvSpPr>
       <dsp:spPr>
         <a:xfrm>
-          <a:off x="2937100" y="2215011"/>
-          <a:ext cx="2390759" cy="1518132"/>
+          <a:off x="2575224" y="1585085"/>
+          <a:ext cx="1711164" cy="1086589"/>
         </a:xfrm>
         <a:prstGeom prst="roundRect">
           <a:avLst>
@@ -7171,8 +7487,8 @@
       </dsp:nvSpPr>
       <dsp:spPr>
         <a:xfrm>
-          <a:off x="3202740" y="2467369"/>
-          <a:ext cx="2390759" cy="1518132"/>
+          <a:off x="2765353" y="1765708"/>
+          <a:ext cx="1711164" cy="1086589"/>
         </a:xfrm>
         <a:prstGeom prst="roundRect">
           <a:avLst>
@@ -7239,8 +7555,8 @@
         </a:p>
       </dsp:txBody>
       <dsp:txXfrm>
-        <a:off x="3247205" y="2511834"/>
-        <a:ext cx="2301829" cy="1429202"/>
+        <a:off x="2797178" y="1797533"/>
+        <a:ext cx="1647514" cy="1022939"/>
       </dsp:txXfrm>
     </dsp:sp>
   </dsp:spTree>
@@ -16959,7 +17275,7 @@
             </a:lvl9pPr>
           </a:lstStyle>
           <a:p>
-            <a:pPr eaLnBrk="1" hangingPunct="1"/>
+            <a:pPr algn="just" eaLnBrk="1" hangingPunct="1"/>
             <a:r>
               <a:rPr lang="en-US" sz="2000" dirty="0">
                 <a:solidFill>
@@ -16971,7 +17287,7 @@
             </a:r>
           </a:p>
           <a:p>
-            <a:pPr eaLnBrk="1" hangingPunct="1"/>
+            <a:pPr algn="just" eaLnBrk="1" hangingPunct="1"/>
             <a:r>
               <a:rPr lang="en-US" sz="2000" dirty="0">
                 <a:solidFill>
@@ -17045,8 +17361,8 @@
         </p:nvSpPr>
         <p:spPr>
           <a:xfrm>
-            <a:off x="8247121" y="7395974"/>
-            <a:ext cx="7595719" cy="500163"/>
+            <a:off x="701698" y="17194407"/>
+            <a:ext cx="7086600" cy="500163"/>
           </a:xfrm>
           <a:prstGeom prst="rect">
             <a:avLst/>
@@ -17097,14 +17413,14 @@
           <p:nvPr>
             <p:extLst>
               <p:ext uri="{D42A27DB-BD31-4B8C-83A1-F6EECF244321}">
-                <p14:modId xmlns:p14="http://schemas.microsoft.com/office/powerpoint/2010/main" val="2903520124"/>
+                <p14:modId xmlns:p14="http://schemas.microsoft.com/office/powerpoint/2010/main" val="3680056996"/>
               </p:ext>
             </p:extLst>
           </p:nvPr>
         </p:nvGraphicFramePr>
         <p:xfrm>
-          <a:off x="24853403" y="9892102"/>
-          <a:ext cx="6748315" cy="4003962"/>
+          <a:off x="8256375" y="16795523"/>
+          <a:ext cx="7406084" cy="4751182"/>
         </p:xfrm>
         <a:graphic>
           <a:graphicData uri="http://schemas.openxmlformats.org/drawingml/2006/chart">
@@ -17162,21 +17478,22 @@
           </p:cNvPicPr>
           <p:nvPr/>
         </p:nvPicPr>
-        <p:blipFill rotWithShape="1">
-          <a:blip r:embed="rId4" cstate="print">
+        <p:blipFill>
+          <a:blip r:embed="rId4">
             <a:extLst>
               <a:ext uri="{28A0092B-C50C-407E-A947-70E740481C1C}">
                 <a14:useLocalDpi xmlns:a14="http://schemas.microsoft.com/office/drawing/2010/main" val="0"/>
               </a:ext>
             </a:extLst>
           </a:blip>
-          <a:srcRect l="3414" r="11545"/>
-          <a:stretch/>
+          <a:stretch>
+            <a:fillRect/>
+          </a:stretch>
         </p:blipFill>
         <p:spPr>
           <a:xfrm>
-            <a:off x="1452316" y="6159179"/>
-            <a:ext cx="5827292" cy="5018950"/>
+            <a:off x="1348186" y="6294069"/>
+            <a:ext cx="6613947" cy="4870610"/>
           </a:xfrm>
           <a:prstGeom prst="rect">
             <a:avLst/>
@@ -17224,7 +17541,7 @@
           <p:nvPr>
             <p:extLst>
               <p:ext uri="{D42A27DB-BD31-4B8C-83A1-F6EECF244321}">
-                <p14:modId xmlns:p14="http://schemas.microsoft.com/office/powerpoint/2010/main" val="3364604525"/>
+                <p14:modId xmlns:p14="http://schemas.microsoft.com/office/powerpoint/2010/main" val="2918303451"/>
               </p:ext>
             </p:extLst>
           </p:nvPr>
@@ -17267,8 +17584,8 @@
         </p:blipFill>
         <p:spPr>
           <a:xfrm>
-            <a:off x="701698" y="12941838"/>
-            <a:ext cx="2071886" cy="3135380"/>
+            <a:off x="701698" y="13556308"/>
+            <a:ext cx="2055988" cy="3135380"/>
           </a:xfrm>
           <a:prstGeom prst="rect">
             <a:avLst/>
@@ -17302,806 +17619,14 @@
         </p:blipFill>
         <p:spPr>
           <a:xfrm>
-            <a:off x="3792033" y="12863871"/>
-            <a:ext cx="4061352" cy="3360144"/>
+            <a:off x="3341692" y="13343132"/>
+            <a:ext cx="4449353" cy="3777062"/>
           </a:xfrm>
           <a:prstGeom prst="rect">
             <a:avLst/>
           </a:prstGeom>
         </p:spPr>
       </p:pic>
-      <p:graphicFrame>
-        <p:nvGraphicFramePr>
-          <p:cNvPr id="47" name="Table 46">
-            <a:extLst>
-              <a:ext uri="{FF2B5EF4-FFF2-40B4-BE49-F238E27FC236}">
-                <a16:creationId xmlns:a16="http://schemas.microsoft.com/office/drawing/2014/main" id="{28BB1DC3-8111-3047-B73B-C54924169595}"/>
-              </a:ext>
-            </a:extLst>
-          </p:cNvPr>
-          <p:cNvGraphicFramePr>
-            <a:graphicFrameLocks noGrp="1"/>
-          </p:cNvGraphicFramePr>
-          <p:nvPr>
-            <p:extLst>
-              <p:ext uri="{D42A27DB-BD31-4B8C-83A1-F6EECF244321}">
-                <p14:modId xmlns:p14="http://schemas.microsoft.com/office/powerpoint/2010/main" val="2787475397"/>
-              </p:ext>
-            </p:extLst>
-          </p:nvPr>
-        </p:nvGraphicFramePr>
-        <p:xfrm>
-          <a:off x="1447800" y="16465729"/>
-          <a:ext cx="4842797" cy="2965948"/>
-        </p:xfrm>
-        <a:graphic>
-          <a:graphicData uri="http://schemas.openxmlformats.org/drawingml/2006/table">
-            <a:tbl>
-              <a:tblPr firstRow="1" bandRow="1">
-                <a:tableStyleId>{69C7853C-536D-4A76-A0AE-DD22124D55A5}</a:tableStyleId>
-              </a:tblPr>
-              <a:tblGrid>
-                <a:gridCol w="1326355">
-                  <a:extLst>
-                    <a:ext uri="{9D8B030D-6E8A-4147-A177-3AD203B41FA5}">
-                      <a16:colId xmlns:a16="http://schemas.microsoft.com/office/drawing/2014/main" val="245024897"/>
-                    </a:ext>
-                  </a:extLst>
-                </a:gridCol>
-                <a:gridCol w="1900113">
-                  <a:extLst>
-                    <a:ext uri="{9D8B030D-6E8A-4147-A177-3AD203B41FA5}">
-                      <a16:colId xmlns:a16="http://schemas.microsoft.com/office/drawing/2014/main" val="2682728954"/>
-                    </a:ext>
-                  </a:extLst>
-                </a:gridCol>
-                <a:gridCol w="1616329">
-                  <a:extLst>
-                    <a:ext uri="{9D8B030D-6E8A-4147-A177-3AD203B41FA5}">
-                      <a16:colId xmlns:a16="http://schemas.microsoft.com/office/drawing/2014/main" val="677355055"/>
-                    </a:ext>
-                  </a:extLst>
-                </a:gridCol>
-              </a:tblGrid>
-              <a:tr h="960696">
-                <a:tc>
-                  <a:txBody>
-                    <a:bodyPr/>
-                    <a:lstStyle/>
-                    <a:p>
-                      <a:endParaRPr lang="en-US" sz="1800" dirty="0"/>
-                    </a:p>
-                  </a:txBody>
-                  <a:tcPr>
-                    <a:lnL w="12700" cap="flat" cmpd="sng" algn="ctr">
-                      <a:solidFill>
-                        <a:schemeClr val="tx1"/>
-                      </a:solidFill>
-                      <a:prstDash val="solid"/>
-                      <a:round/>
-                      <a:headEnd type="none" w="med" len="med"/>
-                      <a:tailEnd type="none" w="med" len="med"/>
-                    </a:lnL>
-                    <a:lnT w="12700" cap="flat" cmpd="sng" algn="ctr">
-                      <a:solidFill>
-                        <a:schemeClr val="tx1"/>
-                      </a:solidFill>
-                      <a:prstDash val="solid"/>
-                      <a:round/>
-                      <a:headEnd type="none" w="med" len="med"/>
-                      <a:tailEnd type="none" w="med" len="med"/>
-                    </a:lnT>
-                  </a:tcPr>
-                </a:tc>
-                <a:tc>
-                  <a:txBody>
-                    <a:bodyPr/>
-                    <a:lstStyle/>
-                    <a:p>
-                      <a:r>
-                        <a:rPr lang="en-US" sz="2000" dirty="0"/>
-                        <a:t>Baseline</a:t>
-                      </a:r>
-                    </a:p>
-                    <a:p>
-                      <a:r>
-                        <a:rPr lang="en-US" sz="2000" dirty="0"/>
-                        <a:t>(with stemming)</a:t>
-                      </a:r>
-                    </a:p>
-                  </a:txBody>
-                  <a:tcPr>
-                    <a:lnT w="12700" cap="flat" cmpd="sng" algn="ctr">
-                      <a:solidFill>
-                        <a:schemeClr val="tx1"/>
-                      </a:solidFill>
-                      <a:prstDash val="solid"/>
-                      <a:round/>
-                      <a:headEnd type="none" w="med" len="med"/>
-                      <a:tailEnd type="none" w="med" len="med"/>
-                    </a:lnT>
-                  </a:tcPr>
-                </a:tc>
-                <a:tc>
-                  <a:txBody>
-                    <a:bodyPr/>
-                    <a:lstStyle/>
-                    <a:p>
-                      <a:r>
-                        <a:rPr lang="en-US" sz="2000" dirty="0"/>
-                        <a:t>Baseline</a:t>
-                      </a:r>
-                    </a:p>
-                    <a:p>
-                      <a:r>
-                        <a:rPr lang="en-US" sz="2000" dirty="0"/>
-                        <a:t>(without stemming)</a:t>
-                      </a:r>
-                    </a:p>
-                  </a:txBody>
-                  <a:tcPr>
-                    <a:lnR w="12700" cap="flat" cmpd="sng" algn="ctr">
-                      <a:solidFill>
-                        <a:schemeClr val="tx1"/>
-                      </a:solidFill>
-                      <a:prstDash val="solid"/>
-                      <a:round/>
-                      <a:headEnd type="none" w="med" len="med"/>
-                      <a:tailEnd type="none" w="med" len="med"/>
-                    </a:lnR>
-                    <a:lnT w="12700" cap="flat" cmpd="sng" algn="ctr">
-                      <a:solidFill>
-                        <a:schemeClr val="tx1"/>
-                      </a:solidFill>
-                      <a:prstDash val="solid"/>
-                      <a:round/>
-                      <a:headEnd type="none" w="med" len="med"/>
-                      <a:tailEnd type="none" w="med" len="med"/>
-                    </a:lnT>
-                  </a:tcPr>
-                </a:tc>
-                <a:extLst>
-                  <a:ext uri="{0D108BD9-81ED-4DB2-BD59-A6C34878D82A}">
-                    <a16:rowId xmlns:a16="http://schemas.microsoft.com/office/drawing/2014/main" val="1917287167"/>
-                  </a:ext>
-                </a:extLst>
-              </a:tr>
-              <a:tr h="490027">
-                <a:tc>
-                  <a:txBody>
-                    <a:bodyPr/>
-                    <a:lstStyle/>
-                    <a:p>
-                      <a:r>
-                        <a:rPr lang="en-US" sz="2000" b="1" dirty="0">
-                          <a:solidFill>
-                            <a:schemeClr val="accent1"/>
-                          </a:solidFill>
-                        </a:rPr>
-                        <a:t>Precision</a:t>
-                      </a:r>
-                    </a:p>
-                  </a:txBody>
-                  <a:tcPr>
-                    <a:lnL w="12700" cap="flat" cmpd="sng" algn="ctr">
-                      <a:solidFill>
-                        <a:schemeClr val="tx1"/>
-                      </a:solidFill>
-                      <a:prstDash val="solid"/>
-                      <a:round/>
-                      <a:headEnd type="none" w="med" len="med"/>
-                      <a:tailEnd type="none" w="med" len="med"/>
-                    </a:lnL>
-                  </a:tcPr>
-                </a:tc>
-                <a:tc>
-                  <a:txBody>
-                    <a:bodyPr/>
-                    <a:lstStyle/>
-                    <a:p>
-                      <a:r>
-                        <a:rPr lang="en-US" sz="2000" dirty="0">
-                          <a:solidFill>
-                            <a:schemeClr val="accent1"/>
-                          </a:solidFill>
-                        </a:rPr>
-                        <a:t>11%</a:t>
-                      </a:r>
-                    </a:p>
-                  </a:txBody>
-                  <a:tcPr/>
-                </a:tc>
-                <a:tc>
-                  <a:txBody>
-                    <a:bodyPr/>
-                    <a:lstStyle/>
-                    <a:p>
-                      <a:r>
-                        <a:rPr lang="en-US" sz="2000" dirty="0">
-                          <a:solidFill>
-                            <a:schemeClr val="accent1"/>
-                          </a:solidFill>
-                        </a:rPr>
-                        <a:t>6.85%</a:t>
-                      </a:r>
-                    </a:p>
-                  </a:txBody>
-                  <a:tcPr>
-                    <a:lnR w="12700" cap="flat" cmpd="sng" algn="ctr">
-                      <a:solidFill>
-                        <a:schemeClr val="tx1"/>
-                      </a:solidFill>
-                      <a:prstDash val="solid"/>
-                      <a:round/>
-                      <a:headEnd type="none" w="med" len="med"/>
-                      <a:tailEnd type="none" w="med" len="med"/>
-                    </a:lnR>
-                  </a:tcPr>
-                </a:tc>
-                <a:extLst>
-                  <a:ext uri="{0D108BD9-81ED-4DB2-BD59-A6C34878D82A}">
-                    <a16:rowId xmlns:a16="http://schemas.microsoft.com/office/drawing/2014/main" val="3797792992"/>
-                  </a:ext>
-                </a:extLst>
-              </a:tr>
-              <a:tr h="490027">
-                <a:tc>
-                  <a:txBody>
-                    <a:bodyPr/>
-                    <a:lstStyle/>
-                    <a:p>
-                      <a:r>
-                        <a:rPr lang="en-US" sz="2000" b="1" dirty="0">
-                          <a:solidFill>
-                            <a:schemeClr val="accent1"/>
-                          </a:solidFill>
-                        </a:rPr>
-                        <a:t>Recall</a:t>
-                      </a:r>
-                    </a:p>
-                  </a:txBody>
-                  <a:tcPr>
-                    <a:lnL w="12700" cap="flat" cmpd="sng" algn="ctr">
-                      <a:solidFill>
-                        <a:schemeClr val="tx1"/>
-                      </a:solidFill>
-                      <a:prstDash val="solid"/>
-                      <a:round/>
-                      <a:headEnd type="none" w="med" len="med"/>
-                      <a:tailEnd type="none" w="med" len="med"/>
-                    </a:lnL>
-                  </a:tcPr>
-                </a:tc>
-                <a:tc>
-                  <a:txBody>
-                    <a:bodyPr/>
-                    <a:lstStyle/>
-                    <a:p>
-                      <a:r>
-                        <a:rPr lang="en-US" sz="2000" dirty="0">
-                          <a:solidFill>
-                            <a:schemeClr val="accent1"/>
-                          </a:solidFill>
-                        </a:rPr>
-                        <a:t>25%</a:t>
-                      </a:r>
-                    </a:p>
-                  </a:txBody>
-                  <a:tcPr/>
-                </a:tc>
-                <a:tc>
-                  <a:txBody>
-                    <a:bodyPr/>
-                    <a:lstStyle/>
-                    <a:p>
-                      <a:r>
-                        <a:rPr lang="en-US" sz="2000" dirty="0">
-                          <a:solidFill>
-                            <a:schemeClr val="accent1"/>
-                          </a:solidFill>
-                        </a:rPr>
-                        <a:t>10%</a:t>
-                      </a:r>
-                    </a:p>
-                  </a:txBody>
-                  <a:tcPr>
-                    <a:lnR w="12700" cap="flat" cmpd="sng" algn="ctr">
-                      <a:solidFill>
-                        <a:schemeClr val="tx1"/>
-                      </a:solidFill>
-                      <a:prstDash val="solid"/>
-                      <a:round/>
-                      <a:headEnd type="none" w="med" len="med"/>
-                      <a:tailEnd type="none" w="med" len="med"/>
-                    </a:lnR>
-                  </a:tcPr>
-                </a:tc>
-                <a:extLst>
-                  <a:ext uri="{0D108BD9-81ED-4DB2-BD59-A6C34878D82A}">
-                    <a16:rowId xmlns:a16="http://schemas.microsoft.com/office/drawing/2014/main" val="878714825"/>
-                  </a:ext>
-                </a:extLst>
-              </a:tr>
-              <a:tr h="490027">
-                <a:tc gridSpan="3">
-                  <a:txBody>
-                    <a:bodyPr/>
-                    <a:lstStyle/>
-                    <a:p>
-                      <a:pPr algn="ctr"/>
-                      <a:r>
-                        <a:rPr lang="en-US" sz="2400" b="1" dirty="0">
-                          <a:solidFill>
-                            <a:schemeClr val="accent1"/>
-                          </a:solidFill>
-                        </a:rPr>
-                        <a:t>Which performs better?</a:t>
-                      </a:r>
-                    </a:p>
-                  </a:txBody>
-                  <a:tcPr>
-                    <a:lnL w="12700" cap="flat" cmpd="sng" algn="ctr">
-                      <a:solidFill>
-                        <a:schemeClr val="tx1"/>
-                      </a:solidFill>
-                      <a:prstDash val="solid"/>
-                      <a:round/>
-                      <a:headEnd type="none" w="med" len="med"/>
-                      <a:tailEnd type="none" w="med" len="med"/>
-                    </a:lnL>
-                    <a:lnR w="12700" cap="flat" cmpd="sng" algn="ctr">
-                      <a:solidFill>
-                        <a:schemeClr val="tx1"/>
-                      </a:solidFill>
-                      <a:prstDash val="solid"/>
-                      <a:round/>
-                      <a:headEnd type="none" w="med" len="med"/>
-                      <a:tailEnd type="none" w="med" len="med"/>
-                    </a:lnR>
-                  </a:tcPr>
-                </a:tc>
-                <a:tc hMerge="1">
-                  <a:txBody>
-                    <a:bodyPr/>
-                    <a:lstStyle/>
-                    <a:p>
-                      <a:endParaRPr lang="en-US"/>
-                    </a:p>
-                  </a:txBody>
-                  <a:tcPr/>
-                </a:tc>
-                <a:tc hMerge="1">
-                  <a:txBody>
-                    <a:bodyPr/>
-                    <a:lstStyle/>
-                    <a:p>
-                      <a:endParaRPr lang="en-US"/>
-                    </a:p>
-                  </a:txBody>
-                  <a:tcPr/>
-                </a:tc>
-                <a:extLst>
-                  <a:ext uri="{0D108BD9-81ED-4DB2-BD59-A6C34878D82A}">
-                    <a16:rowId xmlns:a16="http://schemas.microsoft.com/office/drawing/2014/main" val="1891426472"/>
-                  </a:ext>
-                </a:extLst>
-              </a:tr>
-              <a:tr h="490027">
-                <a:tc>
-                  <a:txBody>
-                    <a:bodyPr/>
-                    <a:lstStyle/>
-                    <a:p>
-                      <a:endParaRPr lang="en-US" sz="1800" dirty="0"/>
-                    </a:p>
-                  </a:txBody>
-                  <a:tcPr>
-                    <a:lnL w="12700" cap="flat" cmpd="sng" algn="ctr">
-                      <a:solidFill>
-                        <a:schemeClr val="tx1"/>
-                      </a:solidFill>
-                      <a:prstDash val="solid"/>
-                      <a:round/>
-                      <a:headEnd type="none" w="med" len="med"/>
-                      <a:tailEnd type="none" w="med" len="med"/>
-                    </a:lnL>
-                    <a:lnB w="12700" cap="flat" cmpd="sng" algn="ctr">
-                      <a:solidFill>
-                        <a:schemeClr val="tx1"/>
-                      </a:solidFill>
-                      <a:prstDash val="solid"/>
-                      <a:round/>
-                      <a:headEnd type="none" w="med" len="med"/>
-                      <a:tailEnd type="none" w="med" len="med"/>
-                    </a:lnB>
-                  </a:tcPr>
-                </a:tc>
-                <a:tc>
-                  <a:txBody>
-                    <a:bodyPr/>
-                    <a:lstStyle/>
-                    <a:p>
-                      <a:endParaRPr lang="en-US" sz="1800" dirty="0"/>
-                    </a:p>
-                  </a:txBody>
-                  <a:tcPr>
-                    <a:lnB w="12700" cap="flat" cmpd="sng" algn="ctr">
-                      <a:solidFill>
-                        <a:schemeClr val="tx1"/>
-                      </a:solidFill>
-                      <a:prstDash val="solid"/>
-                      <a:round/>
-                      <a:headEnd type="none" w="med" len="med"/>
-                      <a:tailEnd type="none" w="med" len="med"/>
-                    </a:lnB>
-                  </a:tcPr>
-                </a:tc>
-                <a:tc>
-                  <a:txBody>
-                    <a:bodyPr/>
-                    <a:lstStyle/>
-                    <a:p>
-                      <a:endParaRPr lang="en-US" sz="1800" dirty="0"/>
-                    </a:p>
-                  </a:txBody>
-                  <a:tcPr>
-                    <a:lnR w="12700" cap="flat" cmpd="sng" algn="ctr">
-                      <a:solidFill>
-                        <a:schemeClr val="tx1"/>
-                      </a:solidFill>
-                      <a:prstDash val="solid"/>
-                      <a:round/>
-                      <a:headEnd type="none" w="med" len="med"/>
-                      <a:tailEnd type="none" w="med" len="med"/>
-                    </a:lnR>
-                    <a:lnB w="12700" cap="flat" cmpd="sng" algn="ctr">
-                      <a:solidFill>
-                        <a:schemeClr val="tx1"/>
-                      </a:solidFill>
-                      <a:prstDash val="solid"/>
-                      <a:round/>
-                      <a:headEnd type="none" w="med" len="med"/>
-                      <a:tailEnd type="none" w="med" len="med"/>
-                    </a:lnB>
-                  </a:tcPr>
-                </a:tc>
-                <a:extLst>
-                  <a:ext uri="{0D108BD9-81ED-4DB2-BD59-A6C34878D82A}">
-                    <a16:rowId xmlns:a16="http://schemas.microsoft.com/office/drawing/2014/main" val="3756068862"/>
-                  </a:ext>
-                </a:extLst>
-              </a:tr>
-            </a:tbl>
-          </a:graphicData>
-        </a:graphic>
-      </p:graphicFrame>
-      <p:grpSp>
-        <p:nvGrpSpPr>
-          <p:cNvPr id="219" name="Group 218">
-            <a:extLst>
-              <a:ext uri="{FF2B5EF4-FFF2-40B4-BE49-F238E27FC236}">
-                <a16:creationId xmlns:a16="http://schemas.microsoft.com/office/drawing/2014/main" id="{DAA3C3A9-0996-6F42-8438-A661EB2BC2E1}"/>
-              </a:ext>
-            </a:extLst>
-          </p:cNvPr>
-          <p:cNvGrpSpPr/>
-          <p:nvPr/>
-        </p:nvGrpSpPr>
-        <p:grpSpPr>
-          <a:xfrm>
-            <a:off x="3438490" y="18902263"/>
-            <a:ext cx="2187305" cy="523094"/>
-            <a:chOff x="10152856" y="14273240"/>
-            <a:chExt cx="2187305" cy="523094"/>
-          </a:xfrm>
-        </p:grpSpPr>
-        <p:pic>
-          <p:nvPicPr>
-            <p:cNvPr id="55" name="Graphic 54" descr="Checkmark">
-              <a:extLst>
-                <a:ext uri="{FF2B5EF4-FFF2-40B4-BE49-F238E27FC236}">
-                  <a16:creationId xmlns:a16="http://schemas.microsoft.com/office/drawing/2014/main" id="{6D00A9F9-D81B-E84E-A3FB-B91C1D2AAB89}"/>
-                </a:ext>
-              </a:extLst>
-            </p:cNvPr>
-            <p:cNvPicPr>
-              <a:picLocks noChangeAspect="1"/>
-            </p:cNvPicPr>
-            <p:nvPr/>
-          </p:nvPicPr>
-          <p:blipFill>
-            <a:blip r:embed="rId17" cstate="print">
-              <a:extLst>
-                <a:ext uri="{28A0092B-C50C-407E-A947-70E740481C1C}">
-                  <a14:useLocalDpi xmlns:a14="http://schemas.microsoft.com/office/drawing/2010/main" val="0"/>
-                </a:ext>
-                <a:ext uri="{96DAC541-7B7A-43D3-8B79-37D633B846F1}">
-                  <asvg:svgBlip xmlns:asvg="http://schemas.microsoft.com/office/drawing/2016/SVG/main" r:embed="rId18"/>
-                </a:ext>
-              </a:extLst>
-            </a:blip>
-            <a:stretch>
-              <a:fillRect/>
-            </a:stretch>
-          </p:blipFill>
-          <p:spPr>
-            <a:xfrm>
-              <a:off x="11829386" y="14273240"/>
-              <a:ext cx="510775" cy="510775"/>
-            </a:xfrm>
-            <a:prstGeom prst="rect">
-              <a:avLst/>
-            </a:prstGeom>
-          </p:spPr>
-        </p:pic>
-        <p:pic>
-          <p:nvPicPr>
-            <p:cNvPr id="59" name="Graphic 58" descr="No sign">
-              <a:extLst>
-                <a:ext uri="{FF2B5EF4-FFF2-40B4-BE49-F238E27FC236}">
-                  <a16:creationId xmlns:a16="http://schemas.microsoft.com/office/drawing/2014/main" id="{DAA848FB-1173-5040-8748-B470EB5650B1}"/>
-                </a:ext>
-              </a:extLst>
-            </p:cNvPr>
-            <p:cNvPicPr>
-              <a:picLocks noChangeAspect="1"/>
-            </p:cNvPicPr>
-            <p:nvPr/>
-          </p:nvPicPr>
-          <p:blipFill>
-            <a:blip r:embed="rId19" cstate="print">
-              <a:extLst>
-                <a:ext uri="{28A0092B-C50C-407E-A947-70E740481C1C}">
-                  <a14:useLocalDpi xmlns:a14="http://schemas.microsoft.com/office/drawing/2010/main" val="0"/>
-                </a:ext>
-                <a:ext uri="{96DAC541-7B7A-43D3-8B79-37D633B846F1}">
-                  <asvg:svgBlip xmlns:asvg="http://schemas.microsoft.com/office/drawing/2016/SVG/main" r:embed="rId20"/>
-                </a:ext>
-              </a:extLst>
-            </a:blip>
-            <a:stretch>
-              <a:fillRect/>
-            </a:stretch>
-          </p:blipFill>
-          <p:spPr>
-            <a:xfrm>
-              <a:off x="10152856" y="14285559"/>
-              <a:ext cx="510775" cy="510775"/>
-            </a:xfrm>
-            <a:prstGeom prst="rect">
-              <a:avLst/>
-            </a:prstGeom>
-          </p:spPr>
-        </p:pic>
-      </p:grpSp>
-      <p:grpSp>
-        <p:nvGrpSpPr>
-          <p:cNvPr id="216" name="Group 215">
-            <a:extLst>
-              <a:ext uri="{FF2B5EF4-FFF2-40B4-BE49-F238E27FC236}">
-                <a16:creationId xmlns:a16="http://schemas.microsoft.com/office/drawing/2014/main" id="{68C7A7AE-2B0D-D44D-ADF1-A07B3E40A4D2}"/>
-              </a:ext>
-            </a:extLst>
-          </p:cNvPr>
-          <p:cNvGrpSpPr/>
-          <p:nvPr/>
-        </p:nvGrpSpPr>
-        <p:grpSpPr>
-          <a:xfrm>
-            <a:off x="3604784" y="19455789"/>
-            <a:ext cx="3550822" cy="1024940"/>
-            <a:chOff x="9897356" y="14665510"/>
-            <a:chExt cx="3550822" cy="1024940"/>
-          </a:xfrm>
-        </p:grpSpPr>
-        <p:sp>
-          <p:nvSpPr>
-            <p:cNvPr id="60" name="TextBox 59">
-              <a:extLst>
-                <a:ext uri="{FF2B5EF4-FFF2-40B4-BE49-F238E27FC236}">
-                  <a16:creationId xmlns:a16="http://schemas.microsoft.com/office/drawing/2014/main" id="{751876B9-9889-F54C-BFC5-15CB73960F8F}"/>
-                </a:ext>
-              </a:extLst>
-            </p:cNvPr>
-            <p:cNvSpPr txBox="1"/>
-            <p:nvPr/>
-          </p:nvSpPr>
-          <p:spPr>
-            <a:xfrm>
-              <a:off x="10632162" y="14982564"/>
-              <a:ext cx="2816016" cy="707886"/>
-            </a:xfrm>
-            <a:prstGeom prst="rect">
-              <a:avLst/>
-            </a:prstGeom>
-            <a:gradFill flip="none" rotWithShape="1">
-              <a:gsLst>
-                <a:gs pos="0">
-                  <a:schemeClr val="accent4">
-                    <a:tint val="66000"/>
-                    <a:satMod val="160000"/>
-                  </a:schemeClr>
-                </a:gs>
-                <a:gs pos="50000">
-                  <a:schemeClr val="accent4">
-                    <a:tint val="44500"/>
-                    <a:satMod val="160000"/>
-                  </a:schemeClr>
-                </a:gs>
-                <a:gs pos="100000">
-                  <a:schemeClr val="accent4">
-                    <a:tint val="23500"/>
-                    <a:satMod val="160000"/>
-                  </a:schemeClr>
-                </a:gs>
-              </a:gsLst>
-              <a:lin ang="5400000" scaled="1"/>
-              <a:tileRect/>
-            </a:gradFill>
-            <a:ln>
-              <a:solidFill>
-                <a:schemeClr val="tx1"/>
-              </a:solidFill>
-            </a:ln>
-          </p:spPr>
-          <p:txBody>
-            <a:bodyPr wrap="square" rtlCol="0">
-              <a:spAutoFit/>
-            </a:bodyPr>
-            <a:lstStyle/>
-            <a:p>
-              <a:r>
-                <a:rPr lang="en-US" sz="2000" dirty="0"/>
-                <a:t>Cookie 	      cooki</a:t>
-              </a:r>
-            </a:p>
-            <a:p>
-              <a:r>
-                <a:rPr lang="en-US" sz="2000" dirty="0"/>
-                <a:t>Chocolate         chocol</a:t>
-              </a:r>
-            </a:p>
-          </p:txBody>
-        </p:sp>
-        <p:sp>
-          <p:nvSpPr>
-            <p:cNvPr id="61" name="Right Arrow 60">
-              <a:extLst>
-                <a:ext uri="{FF2B5EF4-FFF2-40B4-BE49-F238E27FC236}">
-                  <a16:creationId xmlns:a16="http://schemas.microsoft.com/office/drawing/2014/main" id="{F88AB2A7-9E57-6E45-B998-78ADAE367CE4}"/>
-                </a:ext>
-              </a:extLst>
-            </p:cNvPr>
-            <p:cNvSpPr/>
-            <p:nvPr/>
-          </p:nvSpPr>
-          <p:spPr>
-            <a:xfrm>
-              <a:off x="11591589" y="15101182"/>
-              <a:ext cx="297858" cy="180713"/>
-            </a:xfrm>
-            <a:prstGeom prst="rightArrow">
-              <a:avLst/>
-            </a:prstGeom>
-          </p:spPr>
-          <p:style>
-            <a:lnRef idx="2">
-              <a:schemeClr val="accent1">
-                <a:shade val="50000"/>
-              </a:schemeClr>
-            </a:lnRef>
-            <a:fillRef idx="1">
-              <a:schemeClr val="accent1"/>
-            </a:fillRef>
-            <a:effectRef idx="0">
-              <a:schemeClr val="accent1"/>
-            </a:effectRef>
-            <a:fontRef idx="minor">
-              <a:schemeClr val="lt1"/>
-            </a:fontRef>
-          </p:style>
-          <p:txBody>
-            <a:bodyPr rtlCol="0" anchor="ctr"/>
-            <a:lstStyle/>
-            <a:p>
-              <a:pPr algn="ctr"/>
-              <a:endParaRPr lang="en-US"/>
-            </a:p>
-          </p:txBody>
-        </p:sp>
-        <p:sp>
-          <p:nvSpPr>
-            <p:cNvPr id="62" name="Right Arrow 61">
-              <a:extLst>
-                <a:ext uri="{FF2B5EF4-FFF2-40B4-BE49-F238E27FC236}">
-                  <a16:creationId xmlns:a16="http://schemas.microsoft.com/office/drawing/2014/main" id="{0D2767BC-6CC9-3249-BC18-B7D534930764}"/>
-                </a:ext>
-              </a:extLst>
-            </p:cNvPr>
-            <p:cNvSpPr/>
-            <p:nvPr/>
-          </p:nvSpPr>
-          <p:spPr>
-            <a:xfrm>
-              <a:off x="11863154" y="15365623"/>
-              <a:ext cx="297858" cy="180713"/>
-            </a:xfrm>
-            <a:prstGeom prst="rightArrow">
-              <a:avLst/>
-            </a:prstGeom>
-          </p:spPr>
-          <p:style>
-            <a:lnRef idx="2">
-              <a:schemeClr val="accent1">
-                <a:shade val="50000"/>
-              </a:schemeClr>
-            </a:lnRef>
-            <a:fillRef idx="1">
-              <a:schemeClr val="accent1"/>
-            </a:fillRef>
-            <a:effectRef idx="0">
-              <a:schemeClr val="accent1"/>
-            </a:effectRef>
-            <a:fontRef idx="minor">
-              <a:schemeClr val="lt1"/>
-            </a:fontRef>
-          </p:style>
-          <p:txBody>
-            <a:bodyPr rtlCol="0" anchor="ctr"/>
-            <a:lstStyle/>
-            <a:p>
-              <a:pPr algn="ctr"/>
-              <a:endParaRPr lang="en-US"/>
-            </a:p>
-          </p:txBody>
-        </p:sp>
-        <p:cxnSp>
-          <p:nvCxnSpPr>
-            <p:cNvPr id="67" name="Straight Arrow Connector 66">
-              <a:extLst>
-                <a:ext uri="{FF2B5EF4-FFF2-40B4-BE49-F238E27FC236}">
-                  <a16:creationId xmlns:a16="http://schemas.microsoft.com/office/drawing/2014/main" id="{57319DBB-571D-FF44-9535-3CBBB53A4116}"/>
-                </a:ext>
-              </a:extLst>
-            </p:cNvPr>
-            <p:cNvCxnSpPr>
-              <a:cxnSpLocks/>
-              <a:stCxn id="47" idx="2"/>
-              <a:endCxn id="60" idx="0"/>
-            </p:cNvCxnSpPr>
-            <p:nvPr/>
-          </p:nvCxnSpPr>
-          <p:spPr>
-            <a:xfrm>
-              <a:off x="9897356" y="14665510"/>
-              <a:ext cx="2142814" cy="317054"/>
-            </a:xfrm>
-            <a:prstGeom prst="straightConnector1">
-              <a:avLst/>
-            </a:prstGeom>
-            <a:ln w="38100">
-              <a:solidFill>
-                <a:schemeClr val="accent1"/>
-              </a:solidFill>
-              <a:tailEnd type="triangle"/>
-            </a:ln>
-          </p:spPr>
-          <p:style>
-            <a:lnRef idx="1">
-              <a:schemeClr val="accent1"/>
-            </a:lnRef>
-            <a:fillRef idx="0">
-              <a:schemeClr val="accent1"/>
-            </a:fillRef>
-            <a:effectRef idx="0">
-              <a:schemeClr val="accent1"/>
-            </a:effectRef>
-            <a:fontRef idx="minor">
-              <a:schemeClr val="tx1"/>
-            </a:fontRef>
-          </p:style>
-        </p:cxnSp>
-      </p:grpSp>
       <p:pic>
         <p:nvPicPr>
           <p:cNvPr id="71" name="Picture 70" descr="A screenshot of a cell phone&#10;&#10;Description automatically generated">
@@ -18117,7 +17642,7 @@
           <p:nvPr/>
         </p:nvPicPr>
         <p:blipFill>
-          <a:blip r:embed="rId21">
+          <a:blip r:embed="rId17">
             <a:extLst>
               <a:ext uri="{28A0092B-C50C-407E-A947-70E740481C1C}">
                 <a14:useLocalDpi xmlns:a14="http://schemas.microsoft.com/office/drawing/2010/main" val="0"/>
@@ -18130,8 +17655,8 @@
         </p:blipFill>
         <p:spPr>
           <a:xfrm>
-            <a:off x="16546452" y="9933316"/>
-            <a:ext cx="8041822" cy="4302139"/>
+            <a:off x="16335933" y="10297395"/>
+            <a:ext cx="8281276" cy="4625723"/>
           </a:xfrm>
           <a:prstGeom prst="rect">
             <a:avLst/>
@@ -18148,362 +17673,8 @@
         </p:nvSpPr>
         <p:spPr bwMode="auto">
           <a:xfrm>
-            <a:off x="24945973" y="19857036"/>
-            <a:ext cx="7160034" cy="1736680"/>
-          </a:xfrm>
-          <a:prstGeom prst="rect">
-            <a:avLst/>
-          </a:prstGeom>
-          <a:solidFill>
-            <a:schemeClr val="accent3"/>
-          </a:solidFill>
-          <a:ln w="12700">
-            <a:solidFill>
-              <a:schemeClr val="accent1">
-                <a:lumMod val="75000"/>
-              </a:schemeClr>
-            </a:solidFill>
-          </a:ln>
-          <a:effectLst/>
-        </p:spPr>
-        <p:txBody>
-          <a:bodyPr wrap="square" lIns="97942" tIns="97942" rIns="97942" bIns="97942">
-            <a:spAutoFit/>
-          </a:bodyPr>
-          <a:lstStyle>
-            <a:lvl1pPr eaLnBrk="0" hangingPunct="0">
-              <a:defRPr sz="2200">
-                <a:solidFill>
-                  <a:schemeClr val="tx1"/>
-                </a:solidFill>
-                <a:latin typeface="Arial" charset="0"/>
-              </a:defRPr>
-            </a:lvl1pPr>
-            <a:lvl2pPr marL="742950" indent="-285750" eaLnBrk="0" hangingPunct="0">
-              <a:defRPr sz="2200">
-                <a:solidFill>
-                  <a:schemeClr val="tx1"/>
-                </a:solidFill>
-                <a:latin typeface="Arial" charset="0"/>
-              </a:defRPr>
-            </a:lvl2pPr>
-            <a:lvl3pPr marL="1143000" indent="-228600" eaLnBrk="0" hangingPunct="0">
-              <a:defRPr sz="2200">
-                <a:solidFill>
-                  <a:schemeClr val="tx1"/>
-                </a:solidFill>
-                <a:latin typeface="Arial" charset="0"/>
-              </a:defRPr>
-            </a:lvl3pPr>
-            <a:lvl4pPr marL="1600200" indent="-228600" eaLnBrk="0" hangingPunct="0">
-              <a:defRPr sz="2200">
-                <a:solidFill>
-                  <a:schemeClr val="tx1"/>
-                </a:solidFill>
-                <a:latin typeface="Arial" charset="0"/>
-              </a:defRPr>
-            </a:lvl4pPr>
-            <a:lvl5pPr marL="2057400" indent="-228600" eaLnBrk="0" hangingPunct="0">
-              <a:defRPr sz="2200">
-                <a:solidFill>
-                  <a:schemeClr val="tx1"/>
-                </a:solidFill>
-                <a:latin typeface="Arial" charset="0"/>
-              </a:defRPr>
-            </a:lvl5pPr>
-            <a:lvl6pPr marL="2514600" indent="-228600" eaLnBrk="0" fontAlgn="base" hangingPunct="0">
-              <a:spcBef>
-                <a:spcPct val="0"/>
-              </a:spcBef>
-              <a:spcAft>
-                <a:spcPct val="0"/>
-              </a:spcAft>
-              <a:defRPr sz="2200">
-                <a:solidFill>
-                  <a:schemeClr val="tx1"/>
-                </a:solidFill>
-                <a:latin typeface="Arial" charset="0"/>
-              </a:defRPr>
-            </a:lvl6pPr>
-            <a:lvl7pPr marL="2971800" indent="-228600" eaLnBrk="0" fontAlgn="base" hangingPunct="0">
-              <a:spcBef>
-                <a:spcPct val="0"/>
-              </a:spcBef>
-              <a:spcAft>
-                <a:spcPct val="0"/>
-              </a:spcAft>
-              <a:defRPr sz="2200">
-                <a:solidFill>
-                  <a:schemeClr val="tx1"/>
-                </a:solidFill>
-                <a:latin typeface="Arial" charset="0"/>
-              </a:defRPr>
-            </a:lvl7pPr>
-            <a:lvl8pPr marL="3429000" indent="-228600" eaLnBrk="0" fontAlgn="base" hangingPunct="0">
-              <a:spcBef>
-                <a:spcPct val="0"/>
-              </a:spcBef>
-              <a:spcAft>
-                <a:spcPct val="0"/>
-              </a:spcAft>
-              <a:defRPr sz="2200">
-                <a:solidFill>
-                  <a:schemeClr val="tx1"/>
-                </a:solidFill>
-                <a:latin typeface="Arial" charset="0"/>
-              </a:defRPr>
-            </a:lvl8pPr>
-            <a:lvl9pPr marL="3886200" indent="-228600" eaLnBrk="0" fontAlgn="base" hangingPunct="0">
-              <a:spcBef>
-                <a:spcPct val="0"/>
-              </a:spcBef>
-              <a:spcAft>
-                <a:spcPct val="0"/>
-              </a:spcAft>
-              <a:defRPr sz="2200">
-                <a:solidFill>
-                  <a:schemeClr val="tx1"/>
-                </a:solidFill>
-                <a:latin typeface="Arial" charset="0"/>
-              </a:defRPr>
-            </a:lvl9pPr>
-          </a:lstStyle>
-          <a:p>
-            <a:pPr eaLnBrk="1" hangingPunct="1"/>
-            <a:r>
-              <a:rPr lang="en-US" sz="2000" dirty="0">
-                <a:latin typeface="Calibri" pitchFamily="34" charset="0"/>
-              </a:rPr>
-              <a:t>Click here to insert your Conclusions text. Type it in or copy and paste from your Word document or other source.</a:t>
-            </a:r>
-          </a:p>
-          <a:p>
-            <a:pPr eaLnBrk="1" hangingPunct="1"/>
-            <a:endParaRPr lang="en-US" sz="2000" dirty="0">
-              <a:latin typeface="Calibri" pitchFamily="34" charset="0"/>
-            </a:endParaRPr>
-          </a:p>
-          <a:p>
-            <a:pPr eaLnBrk="1" hangingPunct="1"/>
-            <a:r>
-              <a:rPr lang="en-US" sz="2000" dirty="0">
-                <a:latin typeface="Calibri" pitchFamily="34" charset="0"/>
-              </a:rPr>
-              <a:t>Zoom out to 100% (for 24x36) or 200% (for 48x72) to preview what this will look like on your printed poster.</a:t>
-            </a:r>
-          </a:p>
-        </p:txBody>
-      </p:sp>
-      <p:grpSp>
-        <p:nvGrpSpPr>
-          <p:cNvPr id="209" name="Group 208">
-            <a:extLst>
-              <a:ext uri="{FF2B5EF4-FFF2-40B4-BE49-F238E27FC236}">
-                <a16:creationId xmlns:a16="http://schemas.microsoft.com/office/drawing/2014/main" id="{3FC45652-5336-364D-8579-9C29C92C592F}"/>
-              </a:ext>
-            </a:extLst>
-          </p:cNvPr>
-          <p:cNvGrpSpPr/>
-          <p:nvPr/>
-        </p:nvGrpSpPr>
-        <p:grpSpPr>
-          <a:xfrm>
-            <a:off x="8172095" y="13509685"/>
-            <a:ext cx="7687423" cy="555352"/>
-            <a:chOff x="8216131" y="15820842"/>
-            <a:chExt cx="7831079" cy="500196"/>
-          </a:xfrm>
-        </p:grpSpPr>
-        <p:sp>
-          <p:nvSpPr>
-            <p:cNvPr id="119" name="Rectangle 118">
-              <a:extLst>
-                <a:ext uri="{FF2B5EF4-FFF2-40B4-BE49-F238E27FC236}">
-                  <a16:creationId xmlns:a16="http://schemas.microsoft.com/office/drawing/2014/main" id="{F9678A29-E0E7-644B-8571-53E8941C771C}"/>
-                </a:ext>
-              </a:extLst>
-            </p:cNvPr>
-            <p:cNvSpPr/>
-            <p:nvPr/>
-          </p:nvSpPr>
-          <p:spPr>
-            <a:xfrm>
-              <a:off x="8216131" y="15820842"/>
-              <a:ext cx="7831079" cy="500196"/>
-            </a:xfrm>
-            <a:prstGeom prst="rect">
-              <a:avLst/>
-            </a:prstGeom>
-            <a:solidFill>
-              <a:schemeClr val="accent1">
-                <a:lumMod val="75000"/>
-              </a:schemeClr>
-            </a:solidFill>
-            <a:ln w="12700"/>
-          </p:spPr>
-          <p:style>
-            <a:lnRef idx="2">
-              <a:schemeClr val="accent1">
-                <a:shade val="50000"/>
-              </a:schemeClr>
-            </a:lnRef>
-            <a:fillRef idx="1">
-              <a:schemeClr val="accent1"/>
-            </a:fillRef>
-            <a:effectRef idx="0">
-              <a:schemeClr val="accent1"/>
-            </a:effectRef>
-            <a:fontRef idx="minor">
-              <a:schemeClr val="lt1"/>
-            </a:fontRef>
-          </p:style>
-          <p:txBody>
-            <a:bodyPr lIns="48971" tIns="24486" rIns="48971" bIns="24486" rtlCol="0" anchor="ctr"/>
-            <a:lstStyle/>
-            <a:p>
-              <a:pPr algn="ctr"/>
-              <a:r>
-                <a:rPr lang="en-US" sz="3200" b="1" dirty="0">
-                  <a:solidFill>
-                    <a:schemeClr val="accent3">
-                      <a:lumMod val="20000"/>
-                      <a:lumOff val="80000"/>
-                    </a:schemeClr>
-                  </a:solidFill>
-                </a:rPr>
-                <a:t>NER using BiLSTM</a:t>
-              </a:r>
-            </a:p>
-          </p:txBody>
-        </p:sp>
-        <p:pic>
-          <p:nvPicPr>
-            <p:cNvPr id="75" name="Graphic 74" descr="Wrench">
-              <a:extLst>
-                <a:ext uri="{FF2B5EF4-FFF2-40B4-BE49-F238E27FC236}">
-                  <a16:creationId xmlns:a16="http://schemas.microsoft.com/office/drawing/2014/main" id="{28E0DAE4-46FE-024E-BBD1-E83D88137BC3}"/>
-                </a:ext>
-              </a:extLst>
-            </p:cNvPr>
-            <p:cNvPicPr>
-              <a:picLocks noChangeAspect="1"/>
-            </p:cNvPicPr>
-            <p:nvPr/>
-          </p:nvPicPr>
-          <p:blipFill>
-            <a:blip r:embed="rId22" cstate="print">
-              <a:extLst>
-                <a:ext uri="{28A0092B-C50C-407E-A947-70E740481C1C}">
-                  <a14:useLocalDpi xmlns:a14="http://schemas.microsoft.com/office/drawing/2010/main" val="0"/>
-                </a:ext>
-                <a:ext uri="{96DAC541-7B7A-43D3-8B79-37D633B846F1}">
-                  <asvg:svgBlip xmlns:asvg="http://schemas.microsoft.com/office/drawing/2016/SVG/main" r:embed="rId23"/>
-                </a:ext>
-              </a:extLst>
-            </a:blip>
-            <a:stretch>
-              <a:fillRect/>
-            </a:stretch>
-          </p:blipFill>
-          <p:spPr>
-            <a:xfrm rot="643926">
-              <a:off x="13759696" y="15829505"/>
-              <a:ext cx="457200" cy="457200"/>
-            </a:xfrm>
-            <a:prstGeom prst="rect">
-              <a:avLst/>
-            </a:prstGeom>
-          </p:spPr>
-        </p:pic>
-      </p:grpSp>
-      <p:pic>
-        <p:nvPicPr>
-          <p:cNvPr id="77" name="Picture 76" descr="A close up of text on a white background&#10;&#10;Description automatically generated">
-            <a:extLst>
-              <a:ext uri="{FF2B5EF4-FFF2-40B4-BE49-F238E27FC236}">
-                <a16:creationId xmlns:a16="http://schemas.microsoft.com/office/drawing/2014/main" id="{046CBF43-C144-2C4E-97A1-FC29305718DB}"/>
-              </a:ext>
-            </a:extLst>
-          </p:cNvPr>
-          <p:cNvPicPr>
-            <a:picLocks noChangeAspect="1"/>
-          </p:cNvPicPr>
-          <p:nvPr/>
-        </p:nvPicPr>
-        <p:blipFill rotWithShape="1">
-          <a:blip r:embed="rId24">
-            <a:extLst>
-              <a:ext uri="{28A0092B-C50C-407E-A947-70E740481C1C}">
-                <a14:useLocalDpi xmlns:a14="http://schemas.microsoft.com/office/drawing/2010/main" val="0"/>
-              </a:ext>
-            </a:extLst>
-          </a:blip>
-          <a:srcRect l="1724" r="3008" b="25377"/>
-          <a:stretch/>
-        </p:blipFill>
-        <p:spPr>
-          <a:xfrm>
-            <a:off x="7896113" y="16445714"/>
-            <a:ext cx="4373006" cy="4249093"/>
-          </a:xfrm>
-          <a:prstGeom prst="rect">
-            <a:avLst/>
-          </a:prstGeom>
-        </p:spPr>
-      </p:pic>
-      <p:pic>
-        <p:nvPicPr>
-          <p:cNvPr id="79" name="Picture 78" descr="A close up of a map&#10;&#10;Description automatically generated">
-            <a:extLst>
-              <a:ext uri="{FF2B5EF4-FFF2-40B4-BE49-F238E27FC236}">
-                <a16:creationId xmlns:a16="http://schemas.microsoft.com/office/drawing/2014/main" id="{035B1A84-B109-9741-9D3A-67A683B8F3CA}"/>
-              </a:ext>
-            </a:extLst>
-          </p:cNvPr>
-          <p:cNvPicPr>
-            <a:picLocks noChangeAspect="1"/>
-          </p:cNvPicPr>
-          <p:nvPr/>
-        </p:nvPicPr>
-        <p:blipFill rotWithShape="1">
-          <a:blip r:embed="rId25">
-            <a:extLst>
-              <a:ext uri="{28A0092B-C50C-407E-A947-70E740481C1C}">
-                <a14:useLocalDpi xmlns:a14="http://schemas.microsoft.com/office/drawing/2010/main" val="0"/>
-              </a:ext>
-            </a:extLst>
-          </a:blip>
-          <a:srcRect l="2786" t="997" r="8516" b="24309"/>
-          <a:stretch/>
-        </p:blipFill>
-        <p:spPr>
-          <a:xfrm>
-            <a:off x="12120443" y="17090325"/>
-            <a:ext cx="3722396" cy="4029031"/>
-          </a:xfrm>
-          <a:prstGeom prst="rect">
-            <a:avLst/>
-          </a:prstGeom>
-        </p:spPr>
-      </p:pic>
-      <p:sp>
-        <p:nvSpPr>
-          <p:cNvPr id="80" name="Text Box 193">
-            <a:extLst>
-              <a:ext uri="{FF2B5EF4-FFF2-40B4-BE49-F238E27FC236}">
-                <a16:creationId xmlns:a16="http://schemas.microsoft.com/office/drawing/2014/main" id="{99AD283A-2E4B-064A-84CA-A17CB0F419BD}"/>
-              </a:ext>
-            </a:extLst>
-          </p:cNvPr>
-          <p:cNvSpPr txBox="1">
-            <a:spLocks noChangeArrowheads="1"/>
-          </p:cNvSpPr>
-          <p:nvPr/>
-        </p:nvSpPr>
-        <p:spPr bwMode="auto">
-          <a:xfrm>
-            <a:off x="8172096" y="14661848"/>
-            <a:ext cx="3948348" cy="1121127"/>
+            <a:off x="25131524" y="15957850"/>
+            <a:ext cx="6910063" cy="2660009"/>
           </a:xfrm>
           <a:prstGeom prst="rect">
             <a:avLst/>
@@ -18623,7 +17794,10 @@
             </a:lvl9pPr>
           </a:lstStyle>
           <a:p>
-            <a:pPr eaLnBrk="1" hangingPunct="1"/>
+            <a:pPr marL="342900" indent="-342900" algn="just" eaLnBrk="1" hangingPunct="1">
+              <a:buFont typeface="Arial" panose="020B0604020202020204" pitchFamily="34" charset="0"/>
+              <a:buChar char="•"/>
+            </a:pPr>
             <a:r>
               <a:rPr lang="en-US" sz="2000" dirty="0">
                 <a:solidFill>
@@ -18631,11 +17805,213 @@
                 </a:solidFill>
                 <a:latin typeface="Calibri" pitchFamily="34" charset="0"/>
               </a:rPr>
-              <a:t>The (unrolled) BiLSTM for tagging named entities. Multiple tables look up word-level feature vectors.</a:t>
+              <a:t>Use opinion mining to assign opinions directly to the entities in the sentence, instead of Vanilla sentiment analysis.</a:t>
+            </a:r>
+          </a:p>
+          <a:p>
+            <a:pPr marL="342900" indent="-342900" algn="just" eaLnBrk="1" hangingPunct="1">
+              <a:buFont typeface="Arial" panose="020B0604020202020204" pitchFamily="34" charset="0"/>
+              <a:buChar char="•"/>
+            </a:pPr>
+            <a:r>
+              <a:rPr lang="en-US" sz="2000" dirty="0">
+                <a:solidFill>
+                  <a:schemeClr val="bg1"/>
+                </a:solidFill>
+                <a:latin typeface="Calibri" pitchFamily="34" charset="0"/>
+              </a:rPr>
+              <a:t>Build a more robust data collection pipeline to improve the performance of the NER module.</a:t>
+            </a:r>
+          </a:p>
+          <a:p>
+            <a:pPr marL="342900" indent="-342900" algn="just" eaLnBrk="1" hangingPunct="1">
+              <a:buFont typeface="Arial" panose="020B0604020202020204" pitchFamily="34" charset="0"/>
+              <a:buChar char="•"/>
+            </a:pPr>
+            <a:r>
+              <a:rPr lang="en-US" sz="2000" dirty="0">
+                <a:solidFill>
+                  <a:schemeClr val="bg1"/>
+                </a:solidFill>
+                <a:latin typeface="Calibri" pitchFamily="34" charset="0"/>
+              </a:rPr>
+              <a:t>Expand the scope to understand and incorporate the dishes mentioned in negative reviews.</a:t>
+            </a:r>
+          </a:p>
+          <a:p>
+            <a:pPr marL="342900" indent="-342900" algn="just" eaLnBrk="1" hangingPunct="1">
+              <a:buFont typeface="Arial" panose="020B0604020202020204" pitchFamily="34" charset="0"/>
+              <a:buChar char="•"/>
+            </a:pPr>
+            <a:r>
+              <a:rPr lang="en-US" sz="2000" dirty="0">
+                <a:solidFill>
+                  <a:schemeClr val="bg1"/>
+                </a:solidFill>
+                <a:latin typeface="Calibri" pitchFamily="34" charset="0"/>
+              </a:rPr>
+              <a:t>Employ a cutting edge BiLSTM + CRF architecture for the NER task.</a:t>
             </a:r>
           </a:p>
         </p:txBody>
       </p:sp>
+      <p:grpSp>
+        <p:nvGrpSpPr>
+          <p:cNvPr id="209" name="Group 208">
+            <a:extLst>
+              <a:ext uri="{FF2B5EF4-FFF2-40B4-BE49-F238E27FC236}">
+                <a16:creationId xmlns:a16="http://schemas.microsoft.com/office/drawing/2014/main" id="{3FC45652-5336-364D-8579-9C29C92C592F}"/>
+              </a:ext>
+            </a:extLst>
+          </p:cNvPr>
+          <p:cNvGrpSpPr/>
+          <p:nvPr/>
+        </p:nvGrpSpPr>
+        <p:grpSpPr>
+          <a:xfrm>
+            <a:off x="8199703" y="7385169"/>
+            <a:ext cx="7687423" cy="555352"/>
+            <a:chOff x="8216131" y="15820842"/>
+            <a:chExt cx="7831079" cy="500196"/>
+          </a:xfrm>
+        </p:grpSpPr>
+        <p:sp>
+          <p:nvSpPr>
+            <p:cNvPr id="119" name="Rectangle 118">
+              <a:extLst>
+                <a:ext uri="{FF2B5EF4-FFF2-40B4-BE49-F238E27FC236}">
+                  <a16:creationId xmlns:a16="http://schemas.microsoft.com/office/drawing/2014/main" id="{F9678A29-E0E7-644B-8571-53E8941C771C}"/>
+                </a:ext>
+              </a:extLst>
+            </p:cNvPr>
+            <p:cNvSpPr/>
+            <p:nvPr/>
+          </p:nvSpPr>
+          <p:spPr>
+            <a:xfrm>
+              <a:off x="8216131" y="15820842"/>
+              <a:ext cx="7831079" cy="500196"/>
+            </a:xfrm>
+            <a:prstGeom prst="rect">
+              <a:avLst/>
+            </a:prstGeom>
+            <a:solidFill>
+              <a:schemeClr val="accent1">
+                <a:lumMod val="75000"/>
+              </a:schemeClr>
+            </a:solidFill>
+            <a:ln w="12700"/>
+          </p:spPr>
+          <p:style>
+            <a:lnRef idx="2">
+              <a:schemeClr val="accent1">
+                <a:shade val="50000"/>
+              </a:schemeClr>
+            </a:lnRef>
+            <a:fillRef idx="1">
+              <a:schemeClr val="accent1"/>
+            </a:fillRef>
+            <a:effectRef idx="0">
+              <a:schemeClr val="accent1"/>
+            </a:effectRef>
+            <a:fontRef idx="minor">
+              <a:schemeClr val="lt1"/>
+            </a:fontRef>
+          </p:style>
+          <p:txBody>
+            <a:bodyPr lIns="48971" tIns="24486" rIns="48971" bIns="24486" rtlCol="0" anchor="ctr"/>
+            <a:lstStyle/>
+            <a:p>
+              <a:pPr algn="ctr"/>
+              <a:r>
+                <a:rPr lang="en-US" sz="3200" b="1" dirty="0">
+                  <a:solidFill>
+                    <a:schemeClr val="accent3">
+                      <a:lumMod val="20000"/>
+                      <a:lumOff val="80000"/>
+                    </a:schemeClr>
+                  </a:solidFill>
+                </a:rPr>
+                <a:t>NER using BiLSTM</a:t>
+              </a:r>
+            </a:p>
+          </p:txBody>
+        </p:sp>
+        <p:pic>
+          <p:nvPicPr>
+            <p:cNvPr id="75" name="Graphic 74" descr="Wrench">
+              <a:extLst>
+                <a:ext uri="{FF2B5EF4-FFF2-40B4-BE49-F238E27FC236}">
+                  <a16:creationId xmlns:a16="http://schemas.microsoft.com/office/drawing/2014/main" id="{28E0DAE4-46FE-024E-BBD1-E83D88137BC3}"/>
+                </a:ext>
+              </a:extLst>
+            </p:cNvPr>
+            <p:cNvPicPr>
+              <a:picLocks noChangeAspect="1"/>
+            </p:cNvPicPr>
+            <p:nvPr/>
+          </p:nvPicPr>
+          <p:blipFill>
+            <a:blip r:embed="rId18" cstate="print">
+              <a:extLst>
+                <a:ext uri="{28A0092B-C50C-407E-A947-70E740481C1C}">
+                  <a14:useLocalDpi xmlns:a14="http://schemas.microsoft.com/office/drawing/2010/main" val="0"/>
+                </a:ext>
+                <a:ext uri="{96DAC541-7B7A-43D3-8B79-37D633B846F1}">
+                  <asvg:svgBlip xmlns:asvg="http://schemas.microsoft.com/office/drawing/2016/SVG/main" r:embed="rId19"/>
+                </a:ext>
+              </a:extLst>
+            </a:blip>
+            <a:stretch>
+              <a:fillRect/>
+            </a:stretch>
+          </p:blipFill>
+          <p:spPr>
+            <a:xfrm rot="643926">
+              <a:off x="13759696" y="15829505"/>
+              <a:ext cx="457200" cy="457200"/>
+            </a:xfrm>
+            <a:prstGeom prst="rect">
+              <a:avLst/>
+            </a:prstGeom>
+          </p:spPr>
+        </p:pic>
+      </p:grpSp>
+      <p:pic>
+        <p:nvPicPr>
+          <p:cNvPr id="77" name="Picture 76" descr="A close up of text on a white background&#10;&#10;Description automatically generated">
+            <a:extLst>
+              <a:ext uri="{FF2B5EF4-FFF2-40B4-BE49-F238E27FC236}">
+                <a16:creationId xmlns:a16="http://schemas.microsoft.com/office/drawing/2014/main" id="{046CBF43-C144-2C4E-97A1-FC29305718DB}"/>
+              </a:ext>
+            </a:extLst>
+          </p:cNvPr>
+          <p:cNvPicPr>
+            <a:picLocks noChangeAspect="1"/>
+          </p:cNvPicPr>
+          <p:nvPr/>
+        </p:nvPicPr>
+        <p:blipFill rotWithShape="1">
+          <a:blip r:embed="rId20">
+            <a:extLst>
+              <a:ext uri="{28A0092B-C50C-407E-A947-70E740481C1C}">
+                <a14:useLocalDpi xmlns:a14="http://schemas.microsoft.com/office/drawing/2010/main" val="0"/>
+              </a:ext>
+            </a:extLst>
+          </a:blip>
+          <a:srcRect l="1724" r="3008" b="25377"/>
+          <a:stretch/>
+        </p:blipFill>
+        <p:spPr>
+          <a:xfrm>
+            <a:off x="9453213" y="10326058"/>
+            <a:ext cx="5385335" cy="5232737"/>
+          </a:xfrm>
+          <a:prstGeom prst="rect">
+            <a:avLst/>
+          </a:prstGeom>
+        </p:spPr>
+      </p:pic>
       <p:sp>
         <p:nvSpPr>
           <p:cNvPr id="81" name="Text Box 193">
@@ -18652,8 +18028,8 @@
         </p:nvSpPr>
         <p:spPr bwMode="auto">
           <a:xfrm>
-            <a:off x="12400174" y="14441146"/>
-            <a:ext cx="3522940" cy="2044456"/>
+            <a:off x="8199703" y="8212445"/>
+            <a:ext cx="7759397" cy="2044456"/>
           </a:xfrm>
           <a:prstGeom prst="rect">
             <a:avLst/>
@@ -18773,7 +18149,10 @@
             </a:lvl9pPr>
           </a:lstStyle>
           <a:p>
-            <a:pPr eaLnBrk="1" hangingPunct="1"/>
+            <a:pPr marL="342900" indent="-342900" algn="just" eaLnBrk="1" hangingPunct="1">
+              <a:buFont typeface="Arial" panose="020B0604020202020204" pitchFamily="34" charset="0"/>
+              <a:buChar char="•"/>
+            </a:pPr>
             <a:r>
               <a:rPr lang="en-US" sz="2000" dirty="0">
                 <a:solidFill>
@@ -18781,7 +18160,37 @@
                 </a:solidFill>
                 <a:latin typeface="Calibri" pitchFamily="34" charset="0"/>
               </a:rPr>
-              <a:t>The CNN extracts fixed length feature vector from character level features. For each word, these vectors are concatenated and fed to BiLSTM network and then to output layers.</a:t>
+              <a:t>The BiLSTM approach involves training a CNN + RNN model pipeline using manually annotated training data.</a:t>
+            </a:r>
+          </a:p>
+          <a:p>
+            <a:pPr marL="342900" indent="-342900" algn="just" eaLnBrk="1" hangingPunct="1">
+              <a:buFont typeface="Arial" panose="020B0604020202020204" pitchFamily="34" charset="0"/>
+              <a:buChar char="•"/>
+            </a:pPr>
+            <a:r>
+              <a:rPr lang="en-US" sz="2000" dirty="0">
+                <a:solidFill>
+                  <a:schemeClr val="bg1"/>
+                </a:solidFill>
+                <a:latin typeface="Calibri" pitchFamily="34" charset="0"/>
+              </a:rPr>
+              <a:t>The CNN extracts fixed length feature vectors from character level features.</a:t>
+            </a:r>
+          </a:p>
+          <a:p>
+            <a:pPr marL="342900" indent="-342900" algn="just" eaLnBrk="1" hangingPunct="1">
+              <a:buFont typeface="Arial" panose="020B0604020202020204" pitchFamily="34" charset="0"/>
+              <a:buChar char="•"/>
+            </a:pPr>
+            <a:r>
+              <a:rPr lang="en-US" sz="2000" dirty="0">
+                <a:solidFill>
+                  <a:schemeClr val="bg1"/>
+                </a:solidFill>
+                <a:latin typeface="Calibri" pitchFamily="34" charset="0"/>
+              </a:rPr>
+              <a:t>For each word, these vectors are concatenated and fed to BiLSTM network and then to output layers.</a:t>
             </a:r>
           </a:p>
         </p:txBody>
@@ -18802,8 +18211,8 @@
         </p:nvSpPr>
         <p:spPr bwMode="auto">
           <a:xfrm>
-            <a:off x="16527807" y="8231863"/>
-            <a:ext cx="8037744" cy="1428903"/>
+            <a:off x="16272753" y="8231863"/>
+            <a:ext cx="8399934" cy="2044456"/>
           </a:xfrm>
           <a:prstGeom prst="rect">
             <a:avLst/>
@@ -18923,7 +18332,10 @@
             </a:lvl9pPr>
           </a:lstStyle>
           <a:p>
-            <a:pPr eaLnBrk="1" hangingPunct="1"/>
+            <a:pPr marL="342900" indent="-342900" algn="just" eaLnBrk="1" hangingPunct="1">
+              <a:buFont typeface="Arial" panose="020B0604020202020204" pitchFamily="34" charset="0"/>
+              <a:buChar char="•"/>
+            </a:pPr>
             <a:r>
               <a:rPr lang="en-US" sz="2000" dirty="0">
                 <a:solidFill>
@@ -18931,7 +18343,37 @@
                 </a:solidFill>
                 <a:latin typeface="Calibri" pitchFamily="34" charset="0"/>
               </a:rPr>
-              <a:t>The spaCy approach involves training the NER model using the annotated training data. Once trained, we use it to extract food entities from unannotated reviews. Gives a list of food/menu items. A similarity metric is applied to the predictions list to eliminate redundant menu items.</a:t>
+              <a:t>The spaCy approach involves training the NER model using the annotated training data.</a:t>
+            </a:r>
+          </a:p>
+          <a:p>
+            <a:pPr marL="342900" indent="-342900" algn="just" eaLnBrk="1" hangingPunct="1">
+              <a:buFont typeface="Arial" panose="020B0604020202020204" pitchFamily="34" charset="0"/>
+              <a:buChar char="•"/>
+            </a:pPr>
+            <a:r>
+              <a:rPr lang="en-US" sz="2000" dirty="0">
+                <a:solidFill>
+                  <a:schemeClr val="bg1"/>
+                </a:solidFill>
+                <a:latin typeface="Calibri" pitchFamily="34" charset="0"/>
+              </a:rPr>
+              <a:t>Once trained, we use it to extract food entities from unannotated reviews. Gives a list of food/menu items.</a:t>
+            </a:r>
+          </a:p>
+          <a:p>
+            <a:pPr marL="342900" indent="-342900" algn="just" eaLnBrk="1" hangingPunct="1">
+              <a:buFont typeface="Arial" panose="020B0604020202020204" pitchFamily="34" charset="0"/>
+              <a:buChar char="•"/>
+            </a:pPr>
+            <a:r>
+              <a:rPr lang="en-US" sz="2000" dirty="0">
+                <a:solidFill>
+                  <a:schemeClr val="bg1"/>
+                </a:solidFill>
+                <a:latin typeface="Calibri" pitchFamily="34" charset="0"/>
+              </a:rPr>
+              <a:t>A similarity metric is applied to the predictions list to eliminate redundant menu items.</a:t>
             </a:r>
           </a:p>
         </p:txBody>
@@ -18949,18 +18391,18 @@
           <p:nvPr>
             <p:extLst>
               <p:ext uri="{D42A27DB-BD31-4B8C-83A1-F6EECF244321}">
-                <p14:modId xmlns:p14="http://schemas.microsoft.com/office/powerpoint/2010/main" val="4291884226"/>
+                <p14:modId xmlns:p14="http://schemas.microsoft.com/office/powerpoint/2010/main" val="1730300573"/>
               </p:ext>
             </p:extLst>
           </p:nvPr>
         </p:nvGraphicFramePr>
         <p:xfrm>
-          <a:off x="8938782" y="9031712"/>
-          <a:ext cx="5608562" cy="3987069"/>
+          <a:off x="1364281" y="18693575"/>
+          <a:ext cx="4960319" cy="2853130"/>
         </p:xfrm>
         <a:graphic>
           <a:graphicData uri="http://schemas.openxmlformats.org/drawingml/2006/diagram">
-            <dgm:relIds xmlns:dgm="http://schemas.openxmlformats.org/drawingml/2006/diagram" xmlns:r="http://schemas.openxmlformats.org/officeDocument/2006/relationships" r:dm="rId26" r:lo="rId27" r:qs="rId28" r:cs="rId29"/>
+            <dgm:relIds xmlns:dgm="http://schemas.openxmlformats.org/drawingml/2006/diagram" xmlns:r="http://schemas.openxmlformats.org/officeDocument/2006/relationships" r:dm="rId21" r:lo="rId22" r:qs="rId23" r:cs="rId24"/>
           </a:graphicData>
         </a:graphic>
       </p:graphicFrame>
@@ -18978,8 +18420,8 @@
         </p:nvSpPr>
         <p:spPr>
           <a:xfrm>
-            <a:off x="3008188" y="14267212"/>
-            <a:ext cx="783845" cy="372454"/>
+            <a:off x="2960642" y="15023175"/>
+            <a:ext cx="463431" cy="399959"/>
           </a:xfrm>
           <a:prstGeom prst="stripedRightArrow">
             <a:avLst/>
@@ -19026,8 +18468,8 @@
         </p:nvSpPr>
         <p:spPr bwMode="auto">
           <a:xfrm>
-            <a:off x="8235691" y="8234690"/>
-            <a:ext cx="7623827" cy="841825"/>
+            <a:off x="701699" y="17896552"/>
+            <a:ext cx="7086600" cy="841825"/>
           </a:xfrm>
           <a:prstGeom prst="rect">
             <a:avLst/>
@@ -19147,7 +18589,7 @@
             </a:lvl9pPr>
           </a:lstStyle>
           <a:p>
-            <a:pPr eaLnBrk="1" hangingPunct="1"/>
+            <a:pPr algn="just" eaLnBrk="1" hangingPunct="1"/>
             <a:r>
               <a:rPr lang="en-US" sz="2000" dirty="0">
                 <a:solidFill>
@@ -19196,8 +18638,8 @@
             </p:nvSpPr>
             <p:spPr bwMode="auto">
               <a:xfrm>
-                <a:off x="16583790" y="17179816"/>
-                <a:ext cx="8083190" cy="3495431"/>
+                <a:off x="16247280" y="17546159"/>
+                <a:ext cx="8419909" cy="3831036"/>
               </a:xfrm>
               <a:prstGeom prst="rect">
                 <a:avLst/>
@@ -19330,7 +18772,7 @@
               </a:p>
               <a:p>
                 <a:pPr/>
-                <a:endParaRPr lang="en-US" sz="1800" i="1" dirty="0">
+                <a:endParaRPr lang="en-US" sz="2000" i="1" dirty="0">
                   <a:solidFill>
                     <a:schemeClr val="accent1"/>
                   </a:solidFill>
@@ -19346,7 +18788,7 @@
                     </m:oMathParaPr>
                     <m:oMath xmlns:m="http://schemas.openxmlformats.org/officeDocument/2006/math">
                       <m:r>
-                        <a:rPr lang="en-US" sz="1800" i="1" smtClean="0">
+                        <a:rPr lang="en-US" sz="2000" i="1" smtClean="0">
                           <a:solidFill>
                             <a:schemeClr val="accent1"/>
                           </a:solidFill>
@@ -19357,7 +18799,7 @@
                       <m:d>
                         <m:dPr>
                           <m:ctrlPr>
-                            <a:rPr lang="en-US" sz="1800" i="1">
+                            <a:rPr lang="en-US" sz="2000" i="1">
                               <a:solidFill>
                                 <a:schemeClr val="accent1"/>
                               </a:solidFill>
@@ -19369,7 +18811,7 @@
                           <m:sSub>
                             <m:sSubPr>
                               <m:ctrlPr>
-                                <a:rPr lang="en-US" sz="1800" i="1">
+                                <a:rPr lang="en-US" sz="2000" i="1">
                                   <a:solidFill>
                                     <a:schemeClr val="accent1"/>
                                   </a:solidFill>
@@ -19379,7 +18821,7 @@
                             </m:sSubPr>
                             <m:e>
                               <m:r>
-                                <a:rPr lang="en-US" sz="1800" i="1">
+                                <a:rPr lang="en-US" sz="2000" i="1">
                                   <a:solidFill>
                                     <a:schemeClr val="accent1"/>
                                   </a:solidFill>
@@ -19390,7 +18832,7 @@
                             </m:e>
                             <m:sub>
                               <m:r>
-                                <a:rPr lang="en-US" sz="1800" i="1">
+                                <a:rPr lang="en-US" sz="2000" i="1">
                                   <a:solidFill>
                                     <a:schemeClr val="accent1"/>
                                   </a:solidFill>
@@ -19403,7 +18845,7 @@
                         </m:e>
                       </m:d>
                       <m:r>
-                        <a:rPr lang="en-US" sz="1800" b="0" i="1" smtClean="0">
+                        <a:rPr lang="en-US" sz="2000" b="0" i="1" smtClean="0">
                           <a:solidFill>
                             <a:schemeClr val="accent1"/>
                           </a:solidFill>
@@ -19412,7 +18854,7 @@
                         <m:t>.  </m:t>
                       </m:r>
                       <m:r>
-                        <a:rPr lang="en-US" sz="1800" i="1">
+                        <a:rPr lang="en-US" sz="2000" i="1">
                           <a:solidFill>
                             <a:schemeClr val="accent1"/>
                           </a:solidFill>
@@ -19425,7 +18867,7 @@
                           <m:chr m:val="∑"/>
                           <m:supHide m:val="on"/>
                           <m:ctrlPr>
-                            <a:rPr lang="en-US" sz="1800" i="1">
+                            <a:rPr lang="en-US" sz="2000" i="1">
                               <a:solidFill>
                                 <a:schemeClr val="accent1"/>
                               </a:solidFill>
@@ -19438,7 +18880,7 @@
                             <m:rPr>
                               <m:brk m:alnAt="7"/>
                             </m:rPr>
-                            <a:rPr lang="en-US" sz="1800" i="1">
+                            <a:rPr lang="en-US" sz="2000" i="1">
                               <a:solidFill>
                                 <a:schemeClr val="accent1"/>
                               </a:solidFill>
@@ -19447,7 +18889,7 @@
                             <m:t>𝑟</m:t>
                           </m:r>
                           <m:r>
-                            <a:rPr lang="en-US" sz="1800" i="1">
+                            <a:rPr lang="en-US" sz="2000" i="1">
                               <a:solidFill>
                                 <a:schemeClr val="accent1"/>
                               </a:solidFill>
@@ -19457,7 +18899,7 @@
                             <m:t>𝜖</m:t>
                           </m:r>
                           <m:r>
-                            <a:rPr lang="en-US" sz="1800" i="1">
+                            <a:rPr lang="en-US" sz="2000" i="1">
                               <a:solidFill>
                                 <a:schemeClr val="accent1"/>
                               </a:solidFill>
@@ -19472,7 +18914,7 @@
                           <m:f>
                             <m:fPr>
                               <m:ctrlPr>
-                                <a:rPr lang="en-US" sz="1800" i="1">
+                                <a:rPr lang="en-US" sz="2000" i="1">
                                   <a:solidFill>
                                     <a:schemeClr val="accent1"/>
                                   </a:solidFill>
@@ -19482,7 +18924,7 @@
                             </m:fPr>
                             <m:num>
                               <m:r>
-                                <a:rPr lang="en-US" sz="1800" i="1">
+                                <a:rPr lang="en-US" sz="2000" i="1">
                                   <a:solidFill>
                                     <a:schemeClr val="accent1"/>
                                   </a:solidFill>
@@ -19493,7 +18935,7 @@
                               <m:d>
                                 <m:dPr>
                                   <m:ctrlPr>
-                                    <a:rPr lang="en-US" sz="1800" i="1">
+                                    <a:rPr lang="en-US" sz="2000" i="1">
                                       <a:solidFill>
                                         <a:schemeClr val="accent1"/>
                                       </a:solidFill>
@@ -19505,7 +18947,7 @@
                                   <m:sSub>
                                     <m:sSubPr>
                                       <m:ctrlPr>
-                                        <a:rPr lang="en-US" sz="1800" i="1">
+                                        <a:rPr lang="en-US" sz="2000" i="1">
                                           <a:solidFill>
                                             <a:schemeClr val="accent1"/>
                                           </a:solidFill>
@@ -19515,7 +18957,7 @@
                                     </m:sSubPr>
                                     <m:e>
                                       <m:r>
-                                        <a:rPr lang="en-US" sz="1800" i="1">
+                                        <a:rPr lang="en-US" sz="2000" i="1">
                                           <a:solidFill>
                                             <a:schemeClr val="accent1"/>
                                           </a:solidFill>
@@ -19526,7 +18968,7 @@
                                     </m:e>
                                     <m:sub>
                                       <m:r>
-                                        <a:rPr lang="en-US" sz="1800" i="1">
+                                        <a:rPr lang="en-US" sz="2000" i="1">
                                           <a:solidFill>
                                             <a:schemeClr val="accent1"/>
                                           </a:solidFill>
@@ -19537,7 +18979,7 @@
                                     </m:sub>
                                   </m:sSub>
                                   <m:r>
-                                    <a:rPr lang="en-US" sz="1800" i="1">
+                                    <a:rPr lang="en-US" sz="2000" i="1">
                                       <a:solidFill>
                                         <a:schemeClr val="accent1"/>
                                       </a:solidFill>
@@ -19547,7 +18989,7 @@
                                     <m:t>∈</m:t>
                                   </m:r>
                                   <m:r>
-                                    <a:rPr lang="en-US" sz="1800" i="1">
+                                    <a:rPr lang="en-US" sz="2000" i="1">
                                       <a:solidFill>
                                         <a:schemeClr val="accent1"/>
                                       </a:solidFill>
@@ -19559,7 +19001,7 @@
                                 </m:e>
                               </m:d>
                               <m:r>
-                                <a:rPr lang="en-US" sz="1800" i="1">
+                                <a:rPr lang="en-US" sz="2000" i="1">
                                   <a:solidFill>
                                     <a:schemeClr val="accent1"/>
                                   </a:solidFill>
@@ -19568,7 +19010,7 @@
                                 <m:t>+</m:t>
                               </m:r>
                               <m:r>
-                                <a:rPr lang="en-US" sz="1800" i="1">
+                                <a:rPr lang="en-US" sz="2000" i="1">
                                   <a:solidFill>
                                     <a:schemeClr val="accent1"/>
                                   </a:solidFill>
@@ -19577,7 +19019,7 @@
                                 <m:t>𝑟𝑎𝑡𝑖𝑛𝑔</m:t>
                               </m:r>
                               <m:r>
-                                <a:rPr lang="en-US" sz="1800" i="1">
+                                <a:rPr lang="en-US" sz="2000" i="1">
                                   <a:solidFill>
                                     <a:schemeClr val="accent1"/>
                                   </a:solidFill>
@@ -19586,7 +19028,7 @@
                                 <m:t>(</m:t>
                               </m:r>
                               <m:r>
-                                <a:rPr lang="en-US" sz="1800" i="1">
+                                <a:rPr lang="en-US" sz="2000" i="1">
                                   <a:solidFill>
                                     <a:schemeClr val="accent1"/>
                                   </a:solidFill>
@@ -19595,7 +19037,7 @@
                                 <m:t>𝑟</m:t>
                               </m:r>
                               <m:r>
-                                <a:rPr lang="en-US" sz="1800" i="1">
+                                <a:rPr lang="en-US" sz="2000" i="1">
                                   <a:solidFill>
                                     <a:schemeClr val="accent1"/>
                                   </a:solidFill>
@@ -19606,7 +19048,7 @@
                             </m:num>
                             <m:den>
                               <m:r>
-                                <a:rPr lang="en-US" sz="1800" i="1">
+                                <a:rPr lang="en-US" sz="2000" i="1">
                                   <a:solidFill>
                                     <a:schemeClr val="accent1"/>
                                   </a:solidFill>
@@ -19619,7 +19061,7 @@
                         </m:e>
                       </m:nary>
                       <m:r>
-                        <a:rPr lang="en-US" sz="1800" i="1">
+                        <a:rPr lang="en-US" sz="2000" i="1">
                           <a:solidFill>
                             <a:schemeClr val="accent1"/>
                           </a:solidFill>
@@ -19630,7 +19072,7 @@
                       <m:sSup>
                         <m:sSupPr>
                           <m:ctrlPr>
-                            <a:rPr lang="en-US" sz="1800" i="1">
+                            <a:rPr lang="en-US" sz="2000" i="1">
                               <a:solidFill>
                                 <a:schemeClr val="accent1"/>
                               </a:solidFill>
@@ -19640,7 +19082,7 @@
                         </m:sSupPr>
                         <m:e>
                           <m:r>
-                            <a:rPr lang="en-US" sz="1800" i="1">
+                            <a:rPr lang="en-US" sz="2000" i="1">
                               <a:solidFill>
                                 <a:schemeClr val="accent1"/>
                               </a:solidFill>
@@ -19651,7 +19093,7 @@
                         </m:e>
                         <m:sup>
                           <m:r>
-                            <a:rPr lang="en-US" sz="1800" i="1">
+                            <a:rPr lang="en-US" sz="2000" i="1">
                               <a:solidFill>
                                 <a:schemeClr val="accent1"/>
                               </a:solidFill>
@@ -19660,7 +19102,7 @@
                             <m:t>−</m:t>
                           </m:r>
                           <m:r>
-                            <a:rPr lang="en-US" sz="1800" i="1">
+                            <a:rPr lang="en-US" sz="2000" i="1">
                               <a:solidFill>
                                 <a:schemeClr val="accent1"/>
                               </a:solidFill>
@@ -19670,7 +19112,7 @@
                             <m:t>𝜆</m:t>
                           </m:r>
                           <m:r>
-                            <a:rPr lang="en-US" sz="1800" i="1">
+                            <a:rPr lang="en-US" sz="2000" i="1">
                               <a:solidFill>
                                 <a:schemeClr val="accent1"/>
                               </a:solidFill>
@@ -19682,7 +19124,7 @@
                           <m:sSub>
                             <m:sSubPr>
                               <m:ctrlPr>
-                                <a:rPr lang="en-US" sz="1800" i="1">
+                                <a:rPr lang="en-US" sz="2000" i="1">
                                   <a:solidFill>
                                     <a:schemeClr val="accent1"/>
                                   </a:solidFill>
@@ -19693,7 +19135,7 @@
                             </m:sSubPr>
                             <m:e>
                               <m:r>
-                                <a:rPr lang="en-US" sz="1800" i="1">
+                                <a:rPr lang="en-US" sz="2000" i="1">
                                   <a:solidFill>
                                     <a:schemeClr val="accent1"/>
                                   </a:solidFill>
@@ -19705,7 +19147,7 @@
                             </m:e>
                             <m:sub>
                               <m:r>
-                                <a:rPr lang="en-US" sz="1800" i="1">
+                                <a:rPr lang="en-US" sz="2000" i="1">
                                   <a:solidFill>
                                     <a:schemeClr val="accent1"/>
                                   </a:solidFill>
@@ -19717,7 +19159,7 @@
                             </m:sub>
                           </m:sSub>
                           <m:r>
-                            <a:rPr lang="en-US" sz="1800" i="1">
+                            <a:rPr lang="en-US" sz="2000" i="1">
                               <a:solidFill>
                                 <a:schemeClr val="accent1"/>
                               </a:solidFill>
@@ -19731,14 +19173,14 @@
                     </m:oMath>
                   </m:oMathPara>
                 </a14:m>
-                <a:endParaRPr lang="en-US" sz="1800" dirty="0">
+                <a:endParaRPr lang="en-US" sz="2000" dirty="0">
                   <a:solidFill>
                     <a:schemeClr val="accent1"/>
                   </a:solidFill>
                 </a:endParaRPr>
               </a:p>
               <a:p>
-                <a:endParaRPr lang="en-US" sz="1800" dirty="0">
+                <a:endParaRPr lang="en-US" sz="2000" dirty="0">
                   <a:solidFill>
                     <a:schemeClr val="accent1"/>
                   </a:solidFill>
@@ -19746,7 +19188,7 @@
               </a:p>
               <a:p>
                 <a:r>
-                  <a:rPr lang="en-US" sz="1800" dirty="0">
+                  <a:rPr lang="en-US" sz="2000" dirty="0">
                     <a:solidFill>
                       <a:schemeClr val="accent1"/>
                     </a:solidFill>
@@ -19756,7 +19198,7 @@
                 <a14:m>
                   <m:oMath xmlns:m="http://schemas.openxmlformats.org/officeDocument/2006/math">
                     <m:r>
-                      <a:rPr lang="en-US" sz="1800" b="0" i="1" smtClean="0">
+                      <a:rPr lang="en-US" sz="2000" b="0" i="1" smtClean="0">
                         <a:solidFill>
                           <a:schemeClr val="accent1"/>
                         </a:solidFill>
@@ -19765,7 +19207,7 @@
                       <m:t>𝑟𝑒𝑐𝑒𝑛𝑐𝑦</m:t>
                     </m:r>
                     <m:r>
-                      <a:rPr lang="en-US" sz="1800" b="0" i="1" smtClean="0">
+                      <a:rPr lang="en-US" sz="2000" b="0" i="1" smtClean="0">
                         <a:solidFill>
                           <a:schemeClr val="accent1"/>
                         </a:solidFill>
@@ -19774,7 +19216,7 @@
                       <m:t>, ∆</m:t>
                     </m:r>
                     <m:r>
-                      <a:rPr lang="en-US" sz="1800" b="0" i="1" smtClean="0">
+                      <a:rPr lang="en-US" sz="2000" b="0" i="1" smtClean="0">
                         <a:solidFill>
                           <a:schemeClr val="accent1"/>
                         </a:solidFill>
@@ -19784,7 +19226,7 @@
                       <m:t>𝑡</m:t>
                     </m:r>
                     <m:r>
-                      <a:rPr lang="en-US" sz="1800" b="0" i="1" smtClean="0">
+                      <a:rPr lang="en-US" sz="2000" b="0" i="1" smtClean="0">
                         <a:solidFill>
                           <a:schemeClr val="accent1"/>
                         </a:solidFill>
@@ -19796,7 +19238,7 @@
                     <m:sSub>
                       <m:sSubPr>
                         <m:ctrlPr>
-                          <a:rPr lang="en-US" sz="1800" b="0" i="1" smtClean="0">
+                          <a:rPr lang="en-US" sz="2000" b="0" i="1" smtClean="0">
                             <a:solidFill>
                               <a:schemeClr val="accent1"/>
                             </a:solidFill>
@@ -19807,7 +19249,7 @@
                       </m:sSubPr>
                       <m:e>
                         <m:r>
-                          <a:rPr lang="en-US" sz="1800" b="0" i="1" smtClean="0">
+                          <a:rPr lang="en-US" sz="2000" b="0" i="1" smtClean="0">
                             <a:solidFill>
                               <a:schemeClr val="accent1"/>
                             </a:solidFill>
@@ -19819,7 +19261,7 @@
                       </m:e>
                       <m:sub>
                         <m:r>
-                          <a:rPr lang="en-US" sz="1800" b="0" i="1" smtClean="0">
+                          <a:rPr lang="en-US" sz="2000" b="0" i="1" smtClean="0">
                             <a:solidFill>
                               <a:schemeClr val="accent1"/>
                             </a:solidFill>
@@ -19831,7 +19273,7 @@
                       </m:sub>
                     </m:sSub>
                     <m:r>
-                      <a:rPr lang="en-US" sz="1800" b="0" i="1" smtClean="0">
+                      <a:rPr lang="en-US" sz="2000" b="0" i="1" smtClean="0">
                         <a:solidFill>
                           <a:schemeClr val="accent1"/>
                         </a:solidFill>
@@ -19843,7 +19285,7 @@
                     <m:sSub>
                       <m:sSubPr>
                         <m:ctrlPr>
-                          <a:rPr lang="en-US" sz="1800" b="0" i="1" smtClean="0">
+                          <a:rPr lang="en-US" sz="2000" b="0" i="1" smtClean="0">
                             <a:solidFill>
                               <a:schemeClr val="accent1"/>
                             </a:solidFill>
@@ -19854,7 +19296,7 @@
                       </m:sSubPr>
                       <m:e>
                         <m:r>
-                          <a:rPr lang="en-US" sz="1800" b="0" i="1" smtClean="0">
+                          <a:rPr lang="en-US" sz="2000" b="0" i="1" smtClean="0">
                             <a:solidFill>
                               <a:schemeClr val="accent1"/>
                             </a:solidFill>
@@ -19866,7 +19308,7 @@
                       </m:e>
                       <m:sub>
                         <m:r>
-                          <a:rPr lang="en-US" sz="1800" b="0" i="1" smtClean="0">
+                          <a:rPr lang="en-US" sz="2000" b="0" i="1" smtClean="0">
                             <a:solidFill>
                               <a:schemeClr val="accent1"/>
                             </a:solidFill>
@@ -19879,14 +19321,14 @@
                     </m:sSub>
                   </m:oMath>
                 </a14:m>
-                <a:endParaRPr lang="en-US" sz="1800" dirty="0">
+                <a:endParaRPr lang="en-US" sz="2000" dirty="0">
                   <a:solidFill>
                     <a:schemeClr val="accent1"/>
                   </a:solidFill>
                 </a:endParaRPr>
               </a:p>
               <a:p>
-                <a:endParaRPr lang="en-US" sz="1800" dirty="0">
+                <a:endParaRPr lang="en-US" sz="2000" dirty="0">
                   <a:solidFill>
                     <a:schemeClr val="accent1"/>
                   </a:solidFill>
@@ -19894,7 +19336,7 @@
               </a:p>
               <a:p>
                 <a:r>
-                  <a:rPr lang="en-US" sz="1800" dirty="0">
+                  <a:rPr lang="en-US" sz="2000" dirty="0">
                     <a:solidFill>
                       <a:schemeClr val="accent1"/>
                     </a:solidFill>
@@ -19904,7 +19346,7 @@
                 <a14:m>
                   <m:oMath xmlns:m="http://schemas.openxmlformats.org/officeDocument/2006/math">
                     <m:r>
-                      <a:rPr lang="en-US" sz="1800" b="0" i="1" smtClean="0">
+                      <a:rPr lang="en-US" sz="2000" b="0" i="1" smtClean="0">
                         <a:solidFill>
                           <a:schemeClr val="accent1"/>
                         </a:solidFill>
@@ -19913,7 +19355,7 @@
                       <m:t>𝑅𝑎𝑡𝑖𝑛𝑔</m:t>
                     </m:r>
                     <m:r>
-                      <a:rPr lang="en-US" sz="1800" b="0" i="1" smtClean="0">
+                      <a:rPr lang="en-US" sz="2000" b="0" i="1" smtClean="0">
                         <a:solidFill>
                           <a:schemeClr val="accent1"/>
                         </a:solidFill>
@@ -19922,7 +19364,7 @@
                       <m:t> </m:t>
                     </m:r>
                     <m:r>
-                      <a:rPr lang="en-US" sz="1800" b="0" i="1" smtClean="0">
+                      <a:rPr lang="en-US" sz="2000" b="0" i="1" smtClean="0">
                         <a:solidFill>
                           <a:schemeClr val="accent1"/>
                         </a:solidFill>
@@ -19931,7 +19373,7 @@
                       <m:t>𝑠𝑐𝑜𝑟𝑒</m:t>
                     </m:r>
                     <m:r>
-                      <a:rPr lang="en-US" sz="1800" b="0" i="1" smtClean="0">
+                      <a:rPr lang="en-US" sz="2000" b="0" i="1" smtClean="0">
                         <a:solidFill>
                           <a:schemeClr val="accent1"/>
                         </a:solidFill>
@@ -19944,7 +19386,7 @@
                         <m:begChr m:val="{"/>
                         <m:endChr m:val=""/>
                         <m:ctrlPr>
-                          <a:rPr lang="en-US" sz="1800" b="0" i="1" smtClean="0">
+                          <a:rPr lang="en-US" sz="2000" b="0" i="1" smtClean="0">
                             <a:solidFill>
                               <a:schemeClr val="accent1"/>
                             </a:solidFill>
@@ -19956,7 +19398,7 @@
                         <m:eqArr>
                           <m:eqArrPr>
                             <m:ctrlPr>
-                              <a:rPr lang="en-US" sz="1800" i="1" smtClean="0">
+                              <a:rPr lang="en-US" sz="2000" i="1" smtClean="0">
                                 <a:solidFill>
                                   <a:schemeClr val="accent1"/>
                                 </a:solidFill>
@@ -19966,7 +19408,7 @@
                           </m:eqArrPr>
                           <m:e>
                             <m:r>
-                              <a:rPr lang="en-US" sz="1800" i="1">
+                              <a:rPr lang="en-US" sz="2000" i="1">
                                 <a:solidFill>
                                   <a:schemeClr val="accent1"/>
                                 </a:solidFill>
@@ -19975,7 +19417,7 @@
                               <m:t>0, </m:t>
                             </m:r>
                             <m:r>
-                              <a:rPr lang="en-US" sz="1800" i="1">
+                              <a:rPr lang="en-US" sz="2000" i="1">
                                 <a:solidFill>
                                   <a:schemeClr val="accent1"/>
                                 </a:solidFill>
@@ -19984,7 +19426,7 @@
                               <m:t>𝑖𝑓</m:t>
                             </m:r>
                             <m:r>
-                              <a:rPr lang="en-US" sz="1800" i="1">
+                              <a:rPr lang="en-US" sz="2000" i="1">
                                 <a:solidFill>
                                   <a:schemeClr val="accent1"/>
                                 </a:solidFill>
@@ -19993,7 +19435,7 @@
                               <m:t> </m:t>
                             </m:r>
                             <m:r>
-                              <a:rPr lang="en-US" sz="1800" i="1">
+                              <a:rPr lang="en-US" sz="2000" i="1">
                                 <a:solidFill>
                                   <a:schemeClr val="accent1"/>
                                 </a:solidFill>
@@ -20002,7 +19444,7 @@
                               <m:t>𝑟𝑎𝑡𝑖𝑛𝑔</m:t>
                             </m:r>
                             <m:r>
-                              <a:rPr lang="en-US" sz="1800" i="1">
+                              <a:rPr lang="en-US" sz="2000" i="1">
                                 <a:solidFill>
                                   <a:schemeClr val="accent1"/>
                                 </a:solidFill>
@@ -20013,7 +19455,7 @@
                           </m:e>
                           <m:e>
                             <m:r>
-                              <a:rPr lang="en-US" sz="1800" b="0" i="1" smtClean="0">
+                              <a:rPr lang="en-US" sz="2000" b="0" i="1" smtClean="0">
                                 <a:solidFill>
                                   <a:schemeClr val="accent1"/>
                                 </a:solidFill>
@@ -20022,7 +19464,7 @@
                               <m:t>1,       </m:t>
                             </m:r>
                             <m:r>
-                              <a:rPr lang="en-US" sz="1800" b="0" i="1" smtClean="0">
+                              <a:rPr lang="en-US" sz="2000" b="0" i="1" smtClean="0">
                                 <a:solidFill>
                                   <a:schemeClr val="accent1"/>
                                 </a:solidFill>
@@ -20036,7 +19478,7 @@
                     </m:d>
                   </m:oMath>
                 </a14:m>
-                <a:endParaRPr lang="en-US" sz="1800" b="0" dirty="0">
+                <a:endParaRPr lang="en-US" sz="2000" b="0" dirty="0">
                   <a:solidFill>
                     <a:schemeClr val="accent1"/>
                   </a:solidFill>
@@ -20044,7 +19486,7 @@
               </a:p>
               <a:p>
                 <a:r>
-                  <a:rPr lang="en-US" sz="1800" b="0" dirty="0">
+                  <a:rPr lang="en-US" sz="2000" b="0" dirty="0">
                     <a:solidFill>
                       <a:schemeClr val="accent1"/>
                     </a:solidFill>
@@ -20054,7 +19496,7 @@
                 <a14:m>
                   <m:oMath xmlns:m="http://schemas.openxmlformats.org/officeDocument/2006/math">
                     <m:r>
-                      <a:rPr lang="en-US" sz="1800" b="0" i="1" smtClean="0">
+                      <a:rPr lang="en-US" sz="2000" b="0" i="1" smtClean="0">
                         <a:solidFill>
                           <a:schemeClr val="accent1"/>
                         </a:solidFill>
@@ -20063,7 +19505,7 @@
                       <m:t>𝑆𝑒𝑛𝑡𝑖𝑚𝑒𝑛𝑡</m:t>
                     </m:r>
                     <m:r>
-                      <a:rPr lang="en-US" sz="1800" i="1">
+                      <a:rPr lang="en-US" sz="2000" i="1">
                         <a:solidFill>
                           <a:schemeClr val="accent1"/>
                         </a:solidFill>
@@ -20072,7 +19514,7 @@
                       <m:t> </m:t>
                     </m:r>
                     <m:r>
-                      <a:rPr lang="en-US" sz="1800" i="1">
+                      <a:rPr lang="en-US" sz="2000" i="1">
                         <a:solidFill>
                           <a:schemeClr val="accent1"/>
                         </a:solidFill>
@@ -20081,7 +19523,7 @@
                       <m:t>𝑠𝑐𝑜𝑟𝑒</m:t>
                     </m:r>
                     <m:r>
-                      <a:rPr lang="en-US" sz="1800" i="1">
+                      <a:rPr lang="en-US" sz="2000" i="1">
                         <a:solidFill>
                           <a:schemeClr val="accent1"/>
                         </a:solidFill>
@@ -20094,7 +19536,7 @@
                         <m:begChr m:val="{"/>
                         <m:endChr m:val=""/>
                         <m:ctrlPr>
-                          <a:rPr lang="en-US" sz="1800" i="1">
+                          <a:rPr lang="en-US" sz="2000" i="1">
                             <a:solidFill>
                               <a:schemeClr val="accent1"/>
                             </a:solidFill>
@@ -20106,7 +19548,7 @@
                         <m:eqArr>
                           <m:eqArrPr>
                             <m:ctrlPr>
-                              <a:rPr lang="en-US" sz="1800" i="1">
+                              <a:rPr lang="en-US" sz="2000" i="1">
                                 <a:solidFill>
                                   <a:schemeClr val="accent1"/>
                                 </a:solidFill>
@@ -20116,7 +19558,7 @@
                           </m:eqArrPr>
                           <m:e>
                             <m:r>
-                              <a:rPr lang="en-US" sz="1800" b="0" i="1" smtClean="0">
+                              <a:rPr lang="en-US" sz="2000" b="0" i="1" smtClean="0">
                                 <a:solidFill>
                                   <a:schemeClr val="accent1"/>
                                 </a:solidFill>
@@ -20125,7 +19567,7 @@
                               <m:t>1</m:t>
                             </m:r>
                             <m:r>
-                              <a:rPr lang="en-US" sz="1800" i="1">
+                              <a:rPr lang="en-US" sz="2000" i="1">
                                 <a:solidFill>
                                   <a:schemeClr val="accent1"/>
                                 </a:solidFill>
@@ -20134,7 +19576,7 @@
                               <m:t>, </m:t>
                             </m:r>
                             <m:r>
-                              <a:rPr lang="en-US" sz="1800" i="1">
+                              <a:rPr lang="en-US" sz="2000" i="1">
                                 <a:solidFill>
                                   <a:schemeClr val="accent1"/>
                                 </a:solidFill>
@@ -20143,7 +19585,7 @@
                               <m:t>𝑖𝑓</m:t>
                             </m:r>
                             <m:r>
-                              <a:rPr lang="en-US" sz="1800" i="1">
+                              <a:rPr lang="en-US" sz="2000" i="1">
                                 <a:solidFill>
                                   <a:schemeClr val="accent1"/>
                                 </a:solidFill>
@@ -20152,7 +19594,7 @@
                               <m:t> </m:t>
                             </m:r>
                             <m:r>
-                              <a:rPr lang="en-US" sz="1800" b="0" i="1" smtClean="0">
+                              <a:rPr lang="en-US" sz="2000" b="0" i="1" smtClean="0">
                                 <a:solidFill>
                                   <a:schemeClr val="accent1"/>
                                 </a:solidFill>
@@ -20161,7 +19603,7 @@
                               <m:t>𝑠𝑒𝑛𝑡𝑖𝑚𝑒𝑛𝑡</m:t>
                             </m:r>
                             <m:r>
-                              <a:rPr lang="en-US" sz="1800" b="0" i="1" smtClean="0">
+                              <a:rPr lang="en-US" sz="2000" b="0" i="1" smtClean="0">
                                 <a:solidFill>
                                   <a:schemeClr val="accent1"/>
                                 </a:solidFill>
@@ -20170,7 +19612,7 @@
                               <m:t>=</m:t>
                             </m:r>
                             <m:r>
-                              <a:rPr lang="en-US" sz="1800" b="0" i="1" smtClean="0">
+                              <a:rPr lang="en-US" sz="2000" b="0" i="1" smtClean="0">
                                 <a:solidFill>
                                   <a:schemeClr val="accent1"/>
                                 </a:solidFill>
@@ -20181,7 +19623,7 @@
                           </m:e>
                           <m:e>
                             <m:r>
-                              <a:rPr lang="en-US" sz="1800" b="0" i="1" smtClean="0">
+                              <a:rPr lang="en-US" sz="2000" b="0" i="1" smtClean="0">
                                 <a:solidFill>
                                   <a:schemeClr val="accent1"/>
                                 </a:solidFill>
@@ -20190,7 +19632,7 @@
                               <m:t>0</m:t>
                             </m:r>
                             <m:r>
-                              <a:rPr lang="en-US" sz="1800" i="1">
+                              <a:rPr lang="en-US" sz="2000" i="1">
                                 <a:solidFill>
                                   <a:schemeClr val="accent1"/>
                                 </a:solidFill>
@@ -20199,7 +19641,7 @@
                               <m:t>,     </m:t>
                             </m:r>
                             <m:r>
-                              <a:rPr lang="en-US" sz="1800" b="0" i="1" smtClean="0">
+                              <a:rPr lang="en-US" sz="2000" b="0" i="1" smtClean="0">
                                 <a:solidFill>
                                   <a:schemeClr val="accent1"/>
                                 </a:solidFill>
@@ -20208,7 +19650,7 @@
                               <m:t>𝑠𝑒𝑛𝑡𝑖𝑚𝑒𝑛𝑡</m:t>
                             </m:r>
                             <m:r>
-                              <a:rPr lang="en-US" sz="1800" b="0" i="1" smtClean="0">
+                              <a:rPr lang="en-US" sz="2000" b="0" i="1" smtClean="0">
                                 <a:solidFill>
                                   <a:schemeClr val="accent1"/>
                                 </a:solidFill>
@@ -20217,7 +19659,7 @@
                               <m:t>=</m:t>
                             </m:r>
                             <m:r>
-                              <a:rPr lang="en-US" sz="1800" b="0" i="1" smtClean="0">
+                              <a:rPr lang="en-US" sz="2000" b="0" i="1" smtClean="0">
                                 <a:solidFill>
                                   <a:schemeClr val="accent1"/>
                                 </a:solidFill>
@@ -20231,7 +19673,7 @@
                     </m:d>
                   </m:oMath>
                 </a14:m>
-                <a:endParaRPr lang="en-US" sz="1800" b="0" dirty="0">
+                <a:endParaRPr lang="en-US" sz="2000" b="0" dirty="0">
                   <a:solidFill>
                     <a:schemeClr val="accent1"/>
                   </a:solidFill>
@@ -20257,16 +19699,16 @@
             </p:nvSpPr>
             <p:spPr bwMode="auto">
               <a:xfrm>
-                <a:off x="16583790" y="17179816"/>
-                <a:ext cx="8083190" cy="3495431"/>
+                <a:off x="16247280" y="17546159"/>
+                <a:ext cx="8419909" cy="3831036"/>
               </a:xfrm>
               <a:prstGeom prst="rect">
                 <a:avLst/>
               </a:prstGeom>
               <a:blipFill>
-                <a:blip r:embed="rId31"/>
+                <a:blip r:embed="rId26"/>
                 <a:stretch>
-                  <a:fillRect l="-470" t="-9386" b="-54152"/>
+                  <a:fillRect l="-451" t="-11221" b="-55446"/>
                 </a:stretch>
               </a:blipFill>
               <a:ln w="12700">
@@ -20308,7 +19750,7 @@
           <p:nvPr/>
         </p:nvPicPr>
         <p:blipFill>
-          <a:blip r:embed="rId32"/>
+          <a:blip r:embed="rId27"/>
           <a:stretch>
             <a:fillRect/>
           </a:stretch>
@@ -20339,8 +19781,8 @@
         </p:nvSpPr>
         <p:spPr bwMode="auto">
           <a:xfrm>
-            <a:off x="651867" y="11976089"/>
-            <a:ext cx="7120533" cy="813350"/>
+            <a:off x="701698" y="11976089"/>
+            <a:ext cx="7086600" cy="1428903"/>
           </a:xfrm>
           <a:prstGeom prst="rect">
             <a:avLst/>
@@ -20460,7 +19902,10 @@
             </a:lvl9pPr>
           </a:lstStyle>
           <a:p>
-            <a:pPr eaLnBrk="1" hangingPunct="1"/>
+            <a:pPr marL="342900" indent="-342900" algn="just" eaLnBrk="1" hangingPunct="1">
+              <a:buFont typeface="Arial" panose="020B0604020202020204" pitchFamily="34" charset="0"/>
+              <a:buChar char="•"/>
+            </a:pPr>
             <a:r>
               <a:rPr lang="en-US" sz="2000" dirty="0">
                 <a:solidFill>
@@ -20468,7 +19913,22 @@
                 </a:solidFill>
                 <a:latin typeface="Calibri" pitchFamily="34" charset="0"/>
               </a:rPr>
-              <a:t>Used the food dictionary as </a:t>
+              <a:t>Used the food dictionary as the baseline for the Named Entity Recognition Task.</a:t>
+            </a:r>
+          </a:p>
+          <a:p>
+            <a:pPr marL="342900" indent="-342900" algn="just" eaLnBrk="1" hangingPunct="1">
+              <a:buFont typeface="Arial" panose="020B0604020202020204" pitchFamily="34" charset="0"/>
+              <a:buChar char="•"/>
+            </a:pPr>
+            <a:r>
+              <a:rPr lang="en-US" sz="2000" dirty="0">
+                <a:solidFill>
+                  <a:schemeClr val="bg1"/>
+                </a:solidFill>
+                <a:latin typeface="Calibri" pitchFamily="34" charset="0"/>
+              </a:rPr>
+              <a:t>Stemmed and </a:t>
             </a:r>
             <a:r>
               <a:rPr lang="en-US" sz="2000" dirty="0" err="1">
@@ -20477,7 +19937,7 @@
                 </a:solidFill>
                 <a:latin typeface="Calibri" pitchFamily="34" charset="0"/>
               </a:rPr>
-              <a:t>thebaseline</a:t>
+              <a:t>Unstemmed</a:t>
             </a:r>
             <a:r>
               <a:rPr lang="en-US" sz="2000" dirty="0">
@@ -20486,130 +19946,88 @@
                 </a:solidFill>
                 <a:latin typeface="Calibri" pitchFamily="34" charset="0"/>
               </a:rPr>
-              <a:t> for the Named Entity Recognition Task</a:t>
+              <a:t> versions of our dataset were tested with the baseline. The </a:t>
+            </a:r>
+            <a:r>
+              <a:rPr lang="en-US" sz="2000" dirty="0" err="1">
+                <a:solidFill>
+                  <a:schemeClr val="bg1"/>
+                </a:solidFill>
+                <a:latin typeface="Calibri" pitchFamily="34" charset="0"/>
+              </a:rPr>
+              <a:t>Unstemmed</a:t>
+            </a:r>
+            <a:r>
+              <a:rPr lang="en-US" sz="2000" dirty="0">
+                <a:solidFill>
+                  <a:schemeClr val="bg1"/>
+                </a:solidFill>
+                <a:latin typeface="Calibri" pitchFamily="34" charset="0"/>
+              </a:rPr>
+              <a:t> version performed better.</a:t>
             </a:r>
           </a:p>
         </p:txBody>
       </p:sp>
-      <p:grpSp>
-        <p:nvGrpSpPr>
-          <p:cNvPr id="207" name="Group 206">
+      <p:sp>
+        <p:nvSpPr>
+          <p:cNvPr id="120" name="Rectangle 119">
             <a:extLst>
               <a:ext uri="{FF2B5EF4-FFF2-40B4-BE49-F238E27FC236}">
-                <a16:creationId xmlns:a16="http://schemas.microsoft.com/office/drawing/2014/main" id="{7245F3EA-5E8E-5F4D-8231-7AD2274E98C4}"/>
+                <a16:creationId xmlns:a16="http://schemas.microsoft.com/office/drawing/2014/main" id="{B521A0B8-2C68-FF4C-9D82-8C4ADC3029FC}"/>
               </a:ext>
             </a:extLst>
           </p:cNvPr>
-          <p:cNvGrpSpPr/>
+          <p:cNvSpPr/>
           <p:nvPr/>
-        </p:nvGrpSpPr>
-        <p:grpSpPr>
+        </p:nvSpPr>
+        <p:spPr>
           <a:xfrm>
-            <a:off x="24917400" y="3032372"/>
-            <a:ext cx="7179083" cy="473301"/>
-            <a:chOff x="24917399" y="3026357"/>
-            <a:chExt cx="7179083" cy="473301"/>
+            <a:off x="25141051" y="3015671"/>
+            <a:ext cx="6887248" cy="457200"/>
           </a:xfrm>
-        </p:grpSpPr>
-        <p:sp>
-          <p:nvSpPr>
-            <p:cNvPr id="120" name="Rectangle 119">
-              <a:extLst>
-                <a:ext uri="{FF2B5EF4-FFF2-40B4-BE49-F238E27FC236}">
-                  <a16:creationId xmlns:a16="http://schemas.microsoft.com/office/drawing/2014/main" id="{B521A0B8-2C68-FF4C-9D82-8C4ADC3029FC}"/>
-                </a:ext>
-              </a:extLst>
-            </p:cNvPr>
-            <p:cNvSpPr/>
-            <p:nvPr/>
-          </p:nvSpPr>
-          <p:spPr>
-            <a:xfrm>
-              <a:off x="24917399" y="3026357"/>
-              <a:ext cx="7179083" cy="457200"/>
-            </a:xfrm>
-            <a:prstGeom prst="rect">
-              <a:avLst/>
-            </a:prstGeom>
-            <a:solidFill>
-              <a:schemeClr val="accent1">
-                <a:lumMod val="75000"/>
-              </a:schemeClr>
-            </a:solidFill>
-            <a:ln w="12700"/>
-          </p:spPr>
-          <p:style>
-            <a:lnRef idx="2">
-              <a:schemeClr val="accent1">
-                <a:shade val="50000"/>
-              </a:schemeClr>
-            </a:lnRef>
-            <a:fillRef idx="1">
-              <a:schemeClr val="accent1"/>
-            </a:fillRef>
-            <a:effectRef idx="0">
-              <a:schemeClr val="accent1"/>
-            </a:effectRef>
-            <a:fontRef idx="minor">
-              <a:schemeClr val="lt1"/>
-            </a:fontRef>
-          </p:style>
-          <p:txBody>
-            <a:bodyPr lIns="48971" tIns="24486" rIns="48971" bIns="24486" rtlCol="0" anchor="ctr"/>
-            <a:lstStyle/>
-            <a:p>
-              <a:pPr algn="ctr"/>
-              <a:r>
-                <a:rPr lang="en-US" sz="3200" b="1" dirty="0">
-                  <a:solidFill>
-                    <a:schemeClr val="bg1"/>
-                  </a:solidFill>
-                </a:rPr>
-                <a:t>Analysis</a:t>
-              </a:r>
-            </a:p>
-          </p:txBody>
-        </p:sp>
-        <p:pic>
-          <p:nvPicPr>
-            <p:cNvPr id="138" name="Graphic 137" descr="Bar chart">
-              <a:extLst>
-                <a:ext uri="{FF2B5EF4-FFF2-40B4-BE49-F238E27FC236}">
-                  <a16:creationId xmlns:a16="http://schemas.microsoft.com/office/drawing/2014/main" id="{A287B336-23CE-E049-A981-8588E48E758F}"/>
-                </a:ext>
-              </a:extLst>
-            </p:cNvPr>
-            <p:cNvPicPr>
-              <a:picLocks noChangeAspect="1"/>
-            </p:cNvPicPr>
-            <p:nvPr/>
-          </p:nvPicPr>
-          <p:blipFill>
-            <a:blip r:embed="rId33" cstate="print">
-              <a:extLst>
-                <a:ext uri="{28A0092B-C50C-407E-A947-70E740481C1C}">
-                  <a14:useLocalDpi xmlns:a14="http://schemas.microsoft.com/office/drawing/2010/main" val="0"/>
-                </a:ext>
-                <a:ext uri="{96DAC541-7B7A-43D3-8B79-37D633B846F1}">
-                  <asvg:svgBlip xmlns:asvg="http://schemas.microsoft.com/office/drawing/2016/SVG/main" r:embed="rId34"/>
-                </a:ext>
-              </a:extLst>
-            </a:blip>
-            <a:stretch>
-              <a:fillRect/>
-            </a:stretch>
-          </p:blipFill>
-          <p:spPr>
-            <a:xfrm>
-              <a:off x="29260800" y="3042458"/>
-              <a:ext cx="457200" cy="457200"/>
-            </a:xfrm>
-            <a:prstGeom prst="rect">
-              <a:avLst/>
-            </a:prstGeom>
-          </p:spPr>
-        </p:pic>
-      </p:grpSp>
+          <a:prstGeom prst="rect">
+            <a:avLst/>
+          </a:prstGeom>
+          <a:solidFill>
+            <a:schemeClr val="accent1">
+              <a:lumMod val="75000"/>
+            </a:schemeClr>
+          </a:solidFill>
+          <a:ln w="12700"/>
+        </p:spPr>
+        <p:style>
+          <a:lnRef idx="2">
+            <a:schemeClr val="accent1">
+              <a:shade val="50000"/>
+            </a:schemeClr>
+          </a:lnRef>
+          <a:fillRef idx="1">
+            <a:schemeClr val="accent1"/>
+          </a:fillRef>
+          <a:effectRef idx="0">
+            <a:schemeClr val="accent1"/>
+          </a:effectRef>
+          <a:fontRef idx="minor">
+            <a:schemeClr val="lt1"/>
+          </a:fontRef>
+        </p:style>
+        <p:txBody>
+          <a:bodyPr lIns="48971" tIns="24486" rIns="48971" bIns="24486" rtlCol="0" anchor="ctr"/>
+          <a:lstStyle/>
+          <a:p>
+            <a:pPr algn="ctr"/>
+            <a:r>
+              <a:rPr lang="en-US" sz="3200" b="1" dirty="0">
+                <a:solidFill>
+                  <a:schemeClr val="bg1"/>
+                </a:solidFill>
+              </a:rPr>
+              <a:t>Analysis</a:t>
+            </a:r>
+          </a:p>
+        </p:txBody>
+      </p:sp>
       <p:pic>
         <p:nvPicPr>
           <p:cNvPr id="140" name="Graphic 139" descr="Bullseye">
@@ -20625,13 +20043,13 @@
           <p:nvPr/>
         </p:nvPicPr>
         <p:blipFill>
-          <a:blip r:embed="rId35" cstate="print">
+          <a:blip r:embed="rId28" cstate="print">
             <a:extLst>
               <a:ext uri="{28A0092B-C50C-407E-A947-70E740481C1C}">
                 <a14:useLocalDpi xmlns:a14="http://schemas.microsoft.com/office/drawing/2010/main" val="0"/>
               </a:ext>
               <a:ext uri="{96DAC541-7B7A-43D3-8B79-37D633B846F1}">
-                <asvg:svgBlip xmlns:asvg="http://schemas.microsoft.com/office/drawing/2016/SVG/main" r:embed="rId36"/>
+                <asvg:svgBlip xmlns:asvg="http://schemas.microsoft.com/office/drawing/2016/SVG/main" r:embed="rId29"/>
               </a:ext>
             </a:extLst>
           </a:blip>
@@ -20664,13 +20082,13 @@
           <p:nvPr/>
         </p:nvPicPr>
         <p:blipFill>
-          <a:blip r:embed="rId37" cstate="print">
+          <a:blip r:embed="rId30" cstate="print">
             <a:extLst>
               <a:ext uri="{28A0092B-C50C-407E-A947-70E740481C1C}">
                 <a14:useLocalDpi xmlns:a14="http://schemas.microsoft.com/office/drawing/2010/main" val="0"/>
               </a:ext>
               <a:ext uri="{96DAC541-7B7A-43D3-8B79-37D633B846F1}">
-                <asvg:svgBlip xmlns:asvg="http://schemas.microsoft.com/office/drawing/2016/SVG/main" r:embed="rId38"/>
+                <asvg:svgBlip xmlns:asvg="http://schemas.microsoft.com/office/drawing/2016/SVG/main" r:embed="rId31"/>
               </a:ext>
             </a:extLst>
           </a:blip>
@@ -20680,8 +20098,8 @@
         </p:blipFill>
         <p:spPr>
           <a:xfrm>
-            <a:off x="12502694" y="7416240"/>
-            <a:ext cx="434447" cy="434447"/>
+            <a:off x="4624270" y="17233808"/>
+            <a:ext cx="422966" cy="486945"/>
           </a:xfrm>
           <a:prstGeom prst="rect">
             <a:avLst/>
@@ -20702,10 +20120,10 @@
         </p:nvGrpSpPr>
         <p:grpSpPr>
           <a:xfrm>
-            <a:off x="24945973" y="19169969"/>
-            <a:ext cx="7160034" cy="457200"/>
-            <a:chOff x="24917400" y="16233556"/>
-            <a:chExt cx="7160034" cy="457200"/>
+            <a:off x="25119641" y="15210599"/>
+            <a:ext cx="6959789" cy="505573"/>
+            <a:chOff x="25162964" y="16233555"/>
+            <a:chExt cx="7178365" cy="505573"/>
           </a:xfrm>
         </p:grpSpPr>
         <p:sp>
@@ -20716,8 +20134,8 @@
           </p:nvSpPr>
           <p:spPr>
             <a:xfrm>
-              <a:off x="24917400" y="16233556"/>
-              <a:ext cx="7160034" cy="457200"/>
+              <a:off x="25162964" y="16233555"/>
+              <a:ext cx="7178365" cy="505573"/>
             </a:xfrm>
             <a:prstGeom prst="rect">
               <a:avLst/>
@@ -20779,13 +20197,13 @@
             <p:nvPr/>
           </p:nvPicPr>
           <p:blipFill>
-            <a:blip r:embed="rId39" cstate="print">
+            <a:blip r:embed="rId32" cstate="print">
               <a:extLst>
                 <a:ext uri="{28A0092B-C50C-407E-A947-70E740481C1C}">
                   <a14:useLocalDpi xmlns:a14="http://schemas.microsoft.com/office/drawing/2010/main" val="0"/>
                 </a:ext>
                 <a:ext uri="{96DAC541-7B7A-43D3-8B79-37D633B846F1}">
-                  <asvg:svgBlip xmlns:asvg="http://schemas.microsoft.com/office/drawing/2016/SVG/main" r:embed="rId40"/>
+                  <asvg:svgBlip xmlns:asvg="http://schemas.microsoft.com/office/drawing/2016/SVG/main" r:embed="rId33"/>
                 </a:ext>
               </a:extLst>
             </a:blip>
@@ -20795,7 +20213,7 @@
           </p:blipFill>
           <p:spPr>
             <a:xfrm>
-              <a:off x="30243006" y="16233556"/>
+              <a:off x="30613075" y="16248698"/>
               <a:ext cx="457200" cy="457200"/>
             </a:xfrm>
             <a:prstGeom prst="rect">
@@ -20818,7 +20236,7 @@
         </p:nvGrpSpPr>
         <p:grpSpPr>
           <a:xfrm>
-            <a:off x="685800" y="11245809"/>
+            <a:off x="685800" y="11290812"/>
             <a:ext cx="7086600" cy="419913"/>
             <a:chOff x="8216131" y="7465952"/>
             <a:chExt cx="7086600" cy="419913"/>
@@ -20898,13 +20316,13 @@
             <p:nvPr/>
           </p:nvPicPr>
           <p:blipFill>
-            <a:blip r:embed="rId41" cstate="print">
+            <a:blip r:embed="rId34" cstate="print">
               <a:extLst>
                 <a:ext uri="{28A0092B-C50C-407E-A947-70E740481C1C}">
                   <a14:useLocalDpi xmlns:a14="http://schemas.microsoft.com/office/drawing/2010/main" val="0"/>
                 </a:ext>
                 <a:ext uri="{96DAC541-7B7A-43D3-8B79-37D633B846F1}">
-                  <asvg:svgBlip xmlns:asvg="http://schemas.microsoft.com/office/drawing/2016/SVG/main" r:embed="rId42"/>
+                  <asvg:svgBlip xmlns:asvg="http://schemas.microsoft.com/office/drawing/2016/SVG/main" r:embed="rId35"/>
                 </a:ext>
               </a:extLst>
             </a:blip>
@@ -20937,10 +20355,10 @@
         </p:nvGrpSpPr>
         <p:grpSpPr>
           <a:xfrm>
-            <a:off x="16552287" y="7395974"/>
-            <a:ext cx="8037744" cy="500196"/>
-            <a:chOff x="16635931" y="7702251"/>
-            <a:chExt cx="8037744" cy="500196"/>
+            <a:off x="16272753" y="7385173"/>
+            <a:ext cx="8374430" cy="566024"/>
+            <a:chOff x="16684237" y="7722466"/>
+            <a:chExt cx="8092977" cy="520659"/>
           </a:xfrm>
         </p:grpSpPr>
         <p:sp>
@@ -20951,8 +20369,8 @@
           </p:nvSpPr>
           <p:spPr>
             <a:xfrm>
-              <a:off x="16635931" y="7702251"/>
-              <a:ext cx="8037744" cy="500196"/>
+              <a:off x="16684237" y="7722466"/>
+              <a:ext cx="8092977" cy="520659"/>
             </a:xfrm>
             <a:prstGeom prst="rect">
               <a:avLst/>
@@ -21014,13 +20432,13 @@
             <p:nvPr/>
           </p:nvPicPr>
           <p:blipFill>
-            <a:blip r:embed="rId22" cstate="print">
+            <a:blip r:embed="rId18" cstate="print">
               <a:extLst>
                 <a:ext uri="{28A0092B-C50C-407E-A947-70E740481C1C}">
                   <a14:useLocalDpi xmlns:a14="http://schemas.microsoft.com/office/drawing/2010/main" val="0"/>
                 </a:ext>
                 <a:ext uri="{96DAC541-7B7A-43D3-8B79-37D633B846F1}">
-                  <asvg:svgBlip xmlns:asvg="http://schemas.microsoft.com/office/drawing/2016/SVG/main" r:embed="rId23"/>
+                  <asvg:svgBlip xmlns:asvg="http://schemas.microsoft.com/office/drawing/2016/SVG/main" r:embed="rId19"/>
                 </a:ext>
               </a:extLst>
             </a:blip>
@@ -21054,13 +20472,13 @@
           <p:nvPr/>
         </p:nvPicPr>
         <p:blipFill>
-          <a:blip r:embed="rId43" cstate="print">
+          <a:blip r:embed="rId36" cstate="print">
             <a:extLst>
               <a:ext uri="{28A0092B-C50C-407E-A947-70E740481C1C}">
                 <a14:useLocalDpi xmlns:a14="http://schemas.microsoft.com/office/drawing/2010/main" val="0"/>
               </a:ext>
               <a:ext uri="{96DAC541-7B7A-43D3-8B79-37D633B846F1}">
-                <asvg:svgBlip xmlns:asvg="http://schemas.microsoft.com/office/drawing/2016/SVG/main" r:embed="rId44"/>
+                <asvg:svgBlip xmlns:asvg="http://schemas.microsoft.com/office/drawing/2016/SVG/main" r:embed="rId37"/>
               </a:ext>
             </a:extLst>
           </a:blip>
@@ -21093,13 +20511,13 @@
           <p:nvPr/>
         </p:nvPicPr>
         <p:blipFill>
-          <a:blip r:embed="rId45" cstate="print">
+          <a:blip r:embed="rId38" cstate="print">
             <a:extLst>
               <a:ext uri="{28A0092B-C50C-407E-A947-70E740481C1C}">
                 <a14:useLocalDpi xmlns:a14="http://schemas.microsoft.com/office/drawing/2010/main" val="0"/>
               </a:ext>
               <a:ext uri="{96DAC541-7B7A-43D3-8B79-37D633B846F1}">
-                <asvg:svgBlip xmlns:asvg="http://schemas.microsoft.com/office/drawing/2016/SVG/main" r:embed="rId46"/>
+                <asvg:svgBlip xmlns:asvg="http://schemas.microsoft.com/office/drawing/2016/SVG/main" r:embed="rId39"/>
               </a:ext>
             </a:extLst>
           </a:blip>
@@ -21132,13 +20550,13 @@
           <p:nvPr/>
         </p:nvPicPr>
         <p:blipFill>
-          <a:blip r:embed="rId47" cstate="print">
+          <a:blip r:embed="rId40" cstate="print">
             <a:extLst>
               <a:ext uri="{28A0092B-C50C-407E-A947-70E740481C1C}">
                 <a14:useLocalDpi xmlns:a14="http://schemas.microsoft.com/office/drawing/2010/main" val="0"/>
               </a:ext>
               <a:ext uri="{96DAC541-7B7A-43D3-8B79-37D633B846F1}">
-                <asvg:svgBlip xmlns:asvg="http://schemas.microsoft.com/office/drawing/2016/SVG/main" r:embed="rId48"/>
+                <asvg:svgBlip xmlns:asvg="http://schemas.microsoft.com/office/drawing/2016/SVG/main" r:embed="rId41"/>
               </a:ext>
             </a:extLst>
           </a:blip>
@@ -21171,13 +20589,13 @@
           <p:nvPr/>
         </p:nvPicPr>
         <p:blipFill>
-          <a:blip r:embed="rId49" cstate="print">
+          <a:blip r:embed="rId42" cstate="print">
             <a:extLst>
               <a:ext uri="{28A0092B-C50C-407E-A947-70E740481C1C}">
                 <a14:useLocalDpi xmlns:a14="http://schemas.microsoft.com/office/drawing/2010/main" val="0"/>
               </a:ext>
               <a:ext uri="{96DAC541-7B7A-43D3-8B79-37D633B846F1}">
-                <asvg:svgBlip xmlns:asvg="http://schemas.microsoft.com/office/drawing/2016/SVG/main" r:embed="rId50"/>
+                <asvg:svgBlip xmlns:asvg="http://schemas.microsoft.com/office/drawing/2016/SVG/main" r:embed="rId43"/>
               </a:ext>
             </a:extLst>
           </a:blip>
@@ -21347,65 +20765,6 @@
           </p:style>
         </p:cxnSp>
       </p:grpSp>
-      <p:sp>
-        <p:nvSpPr>
-          <p:cNvPr id="205" name="Rectangle 204">
-            <a:extLst>
-              <a:ext uri="{FF2B5EF4-FFF2-40B4-BE49-F238E27FC236}">
-                <a16:creationId xmlns:a16="http://schemas.microsoft.com/office/drawing/2014/main" id="{45EA94A5-4433-0142-BD19-7FD99CB7C7C6}"/>
-              </a:ext>
-            </a:extLst>
-          </p:cNvPr>
-          <p:cNvSpPr/>
-          <p:nvPr/>
-        </p:nvSpPr>
-        <p:spPr>
-          <a:xfrm>
-            <a:off x="16589501" y="14785623"/>
-            <a:ext cx="8083190" cy="457200"/>
-          </a:xfrm>
-          <a:prstGeom prst="rect">
-            <a:avLst/>
-          </a:prstGeom>
-          <a:solidFill>
-            <a:schemeClr val="accent1">
-              <a:lumMod val="75000"/>
-            </a:schemeClr>
-          </a:solidFill>
-          <a:ln w="12700"/>
-        </p:spPr>
-        <p:style>
-          <a:lnRef idx="2">
-            <a:schemeClr val="accent1">
-              <a:shade val="50000"/>
-            </a:schemeClr>
-          </a:lnRef>
-          <a:fillRef idx="1">
-            <a:schemeClr val="accent1"/>
-          </a:fillRef>
-          <a:effectRef idx="0">
-            <a:schemeClr val="accent1"/>
-          </a:effectRef>
-          <a:fontRef idx="minor">
-            <a:schemeClr val="lt1"/>
-          </a:fontRef>
-        </p:style>
-        <p:txBody>
-          <a:bodyPr lIns="48971" tIns="24486" rIns="48971" bIns="24486" rtlCol="0" anchor="ctr"/>
-          <a:lstStyle/>
-          <a:p>
-            <a:pPr algn="ctr"/>
-            <a:r>
-              <a:rPr lang="en-US" sz="3200" b="1" dirty="0">
-                <a:solidFill>
-                  <a:schemeClr val="bg1"/>
-                </a:solidFill>
-              </a:rPr>
-              <a:t>Evaluation</a:t>
-            </a:r>
-          </a:p>
-        </p:txBody>
-      </p:sp>
       <p:pic>
         <p:nvPicPr>
           <p:cNvPr id="220" name="Picture 219">
@@ -21421,7 +20780,7 @@
           <p:nvPr/>
         </p:nvPicPr>
         <p:blipFill>
-          <a:blip r:embed="rId51">
+          <a:blip r:embed="rId44">
             <a:extLst>
               <a:ext uri="{28A0092B-C50C-407E-A947-70E740481C1C}">
                 <a14:useLocalDpi xmlns:a14="http://schemas.microsoft.com/office/drawing/2010/main" val="0"/>
@@ -21442,45 +20801,125 @@
           </a:prstGeom>
         </p:spPr>
       </p:pic>
-      <p:pic>
-        <p:nvPicPr>
-          <p:cNvPr id="222" name="Graphic 221" descr="Checklist">
+      <p:grpSp>
+        <p:nvGrpSpPr>
+          <p:cNvPr id="15" name="Group 14">
             <a:extLst>
               <a:ext uri="{FF2B5EF4-FFF2-40B4-BE49-F238E27FC236}">
-                <a16:creationId xmlns:a16="http://schemas.microsoft.com/office/drawing/2014/main" id="{D3A9B1D4-12AD-2648-90F4-E11C615C76E0}"/>
+                <a16:creationId xmlns:a16="http://schemas.microsoft.com/office/drawing/2014/main" id="{B1FC1170-6612-F24B-A6D5-643F6DF846FF}"/>
               </a:ext>
             </a:extLst>
           </p:cNvPr>
-          <p:cNvPicPr>
-            <a:picLocks noChangeAspect="1"/>
-          </p:cNvPicPr>
+          <p:cNvGrpSpPr/>
           <p:nvPr/>
-        </p:nvPicPr>
-        <p:blipFill>
-          <a:blip r:embed="rId52" cstate="print">
-            <a:extLst>
-              <a:ext uri="{28A0092B-C50C-407E-A947-70E740481C1C}">
-                <a14:useLocalDpi xmlns:a14="http://schemas.microsoft.com/office/drawing/2010/main" val="0"/>
-              </a:ext>
-              <a:ext uri="{96DAC541-7B7A-43D3-8B79-37D633B846F1}">
-                <asvg:svgBlip xmlns:asvg="http://schemas.microsoft.com/office/drawing/2016/SVG/main" r:embed="rId53"/>
-              </a:ext>
-            </a:extLst>
-          </a:blip>
-          <a:stretch>
-            <a:fillRect/>
-          </a:stretch>
-        </p:blipFill>
-        <p:spPr>
+        </p:nvGrpSpPr>
+        <p:grpSpPr>
           <a:xfrm>
-            <a:off x="21488400" y="14794576"/>
-            <a:ext cx="457200" cy="457200"/>
+            <a:off x="16247280" y="15236436"/>
+            <a:ext cx="8425407" cy="505573"/>
+            <a:chOff x="16236658" y="14818532"/>
+            <a:chExt cx="8425407" cy="505573"/>
           </a:xfrm>
-          <a:prstGeom prst="rect">
-            <a:avLst/>
-          </a:prstGeom>
-        </p:spPr>
-      </p:pic>
+        </p:grpSpPr>
+        <p:sp>
+          <p:nvSpPr>
+            <p:cNvPr id="205" name="Rectangle 204">
+              <a:extLst>
+                <a:ext uri="{FF2B5EF4-FFF2-40B4-BE49-F238E27FC236}">
+                  <a16:creationId xmlns:a16="http://schemas.microsoft.com/office/drawing/2014/main" id="{45EA94A5-4433-0142-BD19-7FD99CB7C7C6}"/>
+                </a:ext>
+              </a:extLst>
+            </p:cNvPr>
+            <p:cNvSpPr/>
+            <p:nvPr/>
+          </p:nvSpPr>
+          <p:spPr>
+            <a:xfrm>
+              <a:off x="16236658" y="14818532"/>
+              <a:ext cx="8425407" cy="505573"/>
+            </a:xfrm>
+            <a:prstGeom prst="rect">
+              <a:avLst/>
+            </a:prstGeom>
+            <a:solidFill>
+              <a:schemeClr val="accent1">
+                <a:lumMod val="75000"/>
+              </a:schemeClr>
+            </a:solidFill>
+            <a:ln w="12700"/>
+          </p:spPr>
+          <p:style>
+            <a:lnRef idx="2">
+              <a:schemeClr val="accent1">
+                <a:shade val="50000"/>
+              </a:schemeClr>
+            </a:lnRef>
+            <a:fillRef idx="1">
+              <a:schemeClr val="accent1"/>
+            </a:fillRef>
+            <a:effectRef idx="0">
+              <a:schemeClr val="accent1"/>
+            </a:effectRef>
+            <a:fontRef idx="minor">
+              <a:schemeClr val="lt1"/>
+            </a:fontRef>
+          </p:style>
+          <p:txBody>
+            <a:bodyPr lIns="48971" tIns="24486" rIns="48971" bIns="24486" rtlCol="0" anchor="ctr"/>
+            <a:lstStyle/>
+            <a:p>
+              <a:pPr algn="ctr"/>
+              <a:r>
+                <a:rPr lang="en-US" sz="3200" b="1" dirty="0">
+                  <a:solidFill>
+                    <a:schemeClr val="bg1"/>
+                  </a:solidFill>
+                </a:rPr>
+                <a:t>Evaluation</a:t>
+              </a:r>
+            </a:p>
+          </p:txBody>
+        </p:sp>
+        <p:pic>
+          <p:nvPicPr>
+            <p:cNvPr id="222" name="Graphic 221" descr="Checklist">
+              <a:extLst>
+                <a:ext uri="{FF2B5EF4-FFF2-40B4-BE49-F238E27FC236}">
+                  <a16:creationId xmlns:a16="http://schemas.microsoft.com/office/drawing/2014/main" id="{D3A9B1D4-12AD-2648-90F4-E11C615C76E0}"/>
+                </a:ext>
+              </a:extLst>
+            </p:cNvPr>
+            <p:cNvPicPr>
+              <a:picLocks noChangeAspect="1"/>
+            </p:cNvPicPr>
+            <p:nvPr/>
+          </p:nvPicPr>
+          <p:blipFill>
+            <a:blip r:embed="rId45" cstate="print">
+              <a:extLst>
+                <a:ext uri="{28A0092B-C50C-407E-A947-70E740481C1C}">
+                  <a14:useLocalDpi xmlns:a14="http://schemas.microsoft.com/office/drawing/2010/main" val="0"/>
+                </a:ext>
+                <a:ext uri="{96DAC541-7B7A-43D3-8B79-37D633B846F1}">
+                  <asvg:svgBlip xmlns:asvg="http://schemas.microsoft.com/office/drawing/2016/SVG/main" r:embed="rId46"/>
+                </a:ext>
+              </a:extLst>
+            </a:blip>
+            <a:stretch>
+              <a:fillRect/>
+            </a:stretch>
+          </p:blipFill>
+          <p:spPr>
+            <a:xfrm>
+              <a:off x="21365875" y="14885206"/>
+              <a:ext cx="400215" cy="400215"/>
+            </a:xfrm>
+            <a:prstGeom prst="rect">
+              <a:avLst/>
+            </a:prstGeom>
+          </p:spPr>
+        </p:pic>
+      </p:grpSp>
       <p:graphicFrame>
         <p:nvGraphicFramePr>
           <p:cNvPr id="2" name="Table 1"/>
@@ -21490,13 +20929,13 @@
           <p:nvPr>
             <p:extLst>
               <p:ext uri="{D42A27DB-BD31-4B8C-83A1-F6EECF244321}">
-                <p14:modId xmlns:p14="http://schemas.microsoft.com/office/powerpoint/2010/main" val="744239317"/>
+                <p14:modId xmlns:p14="http://schemas.microsoft.com/office/powerpoint/2010/main" val="526641881"/>
               </p:ext>
             </p:extLst>
           </p:nvPr>
         </p:nvGraphicFramePr>
         <p:xfrm>
-          <a:off x="24862632" y="8285608"/>
+          <a:off x="25141051" y="8735425"/>
           <a:ext cx="3864768" cy="1525394"/>
         </p:xfrm>
         <a:graphic>
@@ -21897,30 +21336,30 @@
           <p:nvPr>
             <p:extLst>
               <p:ext uri="{D42A27DB-BD31-4B8C-83A1-F6EECF244321}">
-                <p14:modId xmlns:p14="http://schemas.microsoft.com/office/powerpoint/2010/main" val="1308980507"/>
+                <p14:modId xmlns:p14="http://schemas.microsoft.com/office/powerpoint/2010/main" val="74924610"/>
               </p:ext>
             </p:extLst>
           </p:nvPr>
         </p:nvGraphicFramePr>
         <p:xfrm>
-          <a:off x="24882834" y="4758700"/>
-          <a:ext cx="7185791" cy="3351133"/>
+          <a:off x="25131525" y="4904786"/>
+          <a:ext cx="6906299" cy="3340799"/>
         </p:xfrm>
         <a:graphic>
           <a:graphicData uri="http://schemas.openxmlformats.org/drawingml/2006/table">
             <a:tbl>
-              <a:tblPr firstRow="1" bandRow="1">
-                <a:tableStyleId>{306799F8-075E-4A3A-A7F6-7FBC6576F1A4}</a:tableStyleId>
+              <a:tblPr firstRow="1" bandCol="1">
+                <a:tableStyleId>{1FECB4D8-DB02-4DC6-A0A2-4F2EBAE1DC90}</a:tableStyleId>
               </a:tblPr>
               <a:tblGrid>
-                <a:gridCol w="3809672">
+                <a:gridCol w="3672075">
                   <a:extLst>
                     <a:ext uri="{9D8B030D-6E8A-4147-A177-3AD203B41FA5}">
                       <a16:colId xmlns:a16="http://schemas.microsoft.com/office/drawing/2014/main" val="20000"/>
                     </a:ext>
                   </a:extLst>
                 </a:gridCol>
-                <a:gridCol w="3376119">
+                <a:gridCol w="3234224">
                   <a:extLst>
                     <a:ext uri="{9D8B030D-6E8A-4147-A177-3AD203B41FA5}">
                       <a16:colId xmlns:a16="http://schemas.microsoft.com/office/drawing/2014/main" val="20001"/>
@@ -21928,7 +21367,7 @@
                   </a:extLst>
                 </a:gridCol>
               </a:tblGrid>
-              <a:tr h="398264">
+              <a:tr h="393097">
                 <a:tc>
                   <a:txBody>
                     <a:bodyPr/>
@@ -21938,7 +21377,7 @@
                       <a:r>
                         <a:rPr lang="en-US" sz="2000" u="none" strike="noStrike" dirty="0">
                           <a:solidFill>
-                            <a:schemeClr val="bg1"/>
+                            <a:schemeClr val="accent1"/>
                           </a:solidFill>
                           <a:effectLst/>
                         </a:rPr>
@@ -21946,7 +21385,7 @@
                       </a:r>
                       <a:endParaRPr lang="en-US" sz="2000" b="1" i="0" u="none" strike="noStrike" dirty="0">
                         <a:solidFill>
-                          <a:schemeClr val="bg1"/>
+                          <a:schemeClr val="accent1"/>
                         </a:solidFill>
                         <a:effectLst/>
                         <a:latin typeface="Calibri" panose="020F0502020204030204" pitchFamily="34" charset="0"/>
@@ -21954,7 +21393,7 @@
                     </a:p>
                   </a:txBody>
                   <a:tcPr marL="9525" marR="9525" marT="9525" marB="0">
-                    <a:lnL w="12700" cap="flat" cmpd="sng" algn="ctr">
+                    <a:lnL w="28575" cap="flat" cmpd="sng" algn="ctr">
                       <a:solidFill>
                         <a:schemeClr val="tx1"/>
                       </a:solidFill>
@@ -21963,7 +21402,7 @@
                       <a:headEnd type="none" w="med" len="med"/>
                       <a:tailEnd type="none" w="med" len="med"/>
                     </a:lnL>
-                    <a:lnT w="12700" cap="flat" cmpd="sng" algn="ctr">
+                    <a:lnT w="28575" cap="flat" cmpd="sng" algn="ctr">
                       <a:solidFill>
                         <a:schemeClr val="tx1"/>
                       </a:solidFill>
@@ -21983,7 +21422,7 @@
                       <a:r>
                         <a:rPr lang="en-US" sz="2000" u="none" strike="noStrike" dirty="0">
                           <a:solidFill>
-                            <a:schemeClr val="bg1"/>
+                            <a:schemeClr val="accent1"/>
                           </a:solidFill>
                           <a:effectLst/>
                         </a:rPr>
@@ -21991,7 +21430,7 @@
                       </a:r>
                       <a:endParaRPr lang="en-US" sz="2000" b="1" i="0" u="none" strike="noStrike" dirty="0">
                         <a:solidFill>
-                          <a:schemeClr val="bg1"/>
+                          <a:schemeClr val="accent1"/>
                         </a:solidFill>
                         <a:effectLst/>
                         <a:latin typeface="Calibri" panose="020F0502020204030204" pitchFamily="34" charset="0"/>
@@ -21999,7 +21438,7 @@
                     </a:p>
                   </a:txBody>
                   <a:tcPr marL="9525" marR="9525" marT="9525" marB="0">
-                    <a:lnR w="12700" cap="flat" cmpd="sng" algn="ctr">
+                    <a:lnR w="28575" cap="flat" cmpd="sng" algn="ctr">
                       <a:solidFill>
                         <a:schemeClr val="tx1"/>
                       </a:solidFill>
@@ -22008,7 +21447,7 @@
                       <a:headEnd type="none" w="med" len="med"/>
                       <a:tailEnd type="none" w="med" len="med"/>
                     </a:lnR>
-                    <a:lnT w="12700" cap="flat" cmpd="sng" algn="ctr">
+                    <a:lnT w="28575" cap="flat" cmpd="sng" algn="ctr">
                       <a:solidFill>
                         <a:schemeClr val="tx1"/>
                       </a:solidFill>
@@ -22025,7 +21464,7 @@
                   </a:ext>
                 </a:extLst>
               </a:tr>
-              <a:tr h="260101">
+              <a:tr h="280163">
                 <a:tc>
                   <a:txBody>
                     <a:bodyPr/>
@@ -22059,7 +21498,7 @@
                         </a:rPr>
                         <a:t> crab roll</a:t>
                       </a:r>
-                      <a:endParaRPr lang="en-US" sz="1800" b="0" i="0" u="none" strike="noStrike" dirty="0">
+                      <a:endParaRPr lang="en-US" sz="1800" b="1" i="0" u="none" strike="noStrike" dirty="0">
                         <a:solidFill>
                           <a:schemeClr val="accent1"/>
                         </a:solidFill>
@@ -22069,7 +21508,7 @@
                     </a:p>
                   </a:txBody>
                   <a:tcPr marL="9525" marR="9525" marT="9525" marB="0">
-                    <a:lnL w="12700" cap="flat" cmpd="sng" algn="ctr">
+                    <a:lnL w="28575" cap="flat" cmpd="sng" algn="ctr">
                       <a:solidFill>
                         <a:schemeClr val="tx1"/>
                       </a:solidFill>
@@ -22095,7 +21534,7 @@
                         </a:rPr>
                         <a:t> chowder</a:t>
                       </a:r>
-                      <a:endParaRPr lang="en-US" sz="1800" b="0" i="0" u="none" strike="noStrike" dirty="0">
+                      <a:endParaRPr lang="en-US" sz="1800" b="1" i="0" u="none" strike="noStrike" dirty="0">
                         <a:solidFill>
                           <a:schemeClr val="accent1"/>
                         </a:solidFill>
@@ -22105,7 +21544,7 @@
                     </a:p>
                   </a:txBody>
                   <a:tcPr marL="9525" marR="9525" marT="9525" marB="0">
-                    <a:lnR w="12700" cap="flat" cmpd="sng" algn="ctr">
+                    <a:lnR w="28575" cap="flat" cmpd="sng" algn="ctr">
                       <a:solidFill>
                         <a:schemeClr val="tx1"/>
                       </a:solidFill>
@@ -22122,7 +21561,7 @@
                   </a:ext>
                 </a:extLst>
               </a:tr>
-              <a:tr h="260101">
+              <a:tr h="280163">
                 <a:tc>
                   <a:txBody>
                     <a:bodyPr/>
@@ -22138,7 +21577,7 @@
                         </a:rPr>
                         <a:t> market chowder</a:t>
                       </a:r>
-                      <a:endParaRPr lang="en-US" sz="1800" b="0" i="0" u="none" strike="noStrike" dirty="0">
+                      <a:endParaRPr lang="en-US" sz="1800" b="1" i="0" u="none" strike="noStrike" dirty="0">
                         <a:solidFill>
                           <a:schemeClr val="accent1"/>
                         </a:solidFill>
@@ -22148,7 +21587,7 @@
                     </a:p>
                   </a:txBody>
                   <a:tcPr marL="9525" marR="9525" marT="9525" marB="0">
-                    <a:lnL w="12700" cap="flat" cmpd="sng" algn="ctr">
+                    <a:lnL w="28575" cap="flat" cmpd="sng" algn="ctr">
                       <a:solidFill>
                         <a:schemeClr val="tx1"/>
                       </a:solidFill>
@@ -22174,7 +21613,7 @@
                         </a:rPr>
                         <a:t> crab</a:t>
                       </a:r>
-                      <a:endParaRPr lang="en-US" sz="1800" b="0" i="0" u="none" strike="noStrike" dirty="0">
+                      <a:endParaRPr lang="en-US" sz="1800" b="1" i="0" u="none" strike="noStrike" dirty="0">
                         <a:solidFill>
                           <a:schemeClr val="accent1"/>
                         </a:solidFill>
@@ -22184,7 +21623,7 @@
                     </a:p>
                   </a:txBody>
                   <a:tcPr marL="9525" marR="9525" marT="9525" marB="0">
-                    <a:lnR w="12700" cap="flat" cmpd="sng" algn="ctr">
+                    <a:lnR w="28575" cap="flat" cmpd="sng" algn="ctr">
                       <a:solidFill>
                         <a:schemeClr val="tx1"/>
                       </a:solidFill>
@@ -22201,7 +21640,7 @@
                   </a:ext>
                 </a:extLst>
               </a:tr>
-              <a:tr h="260101">
+              <a:tr h="280163">
                 <a:tc>
                   <a:txBody>
                     <a:bodyPr/>
@@ -22235,7 +21674,7 @@
                         </a:rPr>
                         <a:t> clam chowder</a:t>
                       </a:r>
-                      <a:endParaRPr lang="en-US" sz="1800" b="0" i="0" u="none" strike="noStrike" dirty="0">
+                      <a:endParaRPr lang="en-US" sz="1800" b="1" i="0" u="none" strike="noStrike" dirty="0">
                         <a:solidFill>
                           <a:schemeClr val="accent1"/>
                         </a:solidFill>
@@ -22245,7 +21684,7 @@
                     </a:p>
                   </a:txBody>
                   <a:tcPr marL="9525" marR="9525" marT="9525" marB="0">
-                    <a:lnL w="12700" cap="flat" cmpd="sng" algn="ctr">
+                    <a:lnL w="28575" cap="flat" cmpd="sng" algn="ctr">
                       <a:solidFill>
                         <a:schemeClr val="tx1"/>
                       </a:solidFill>
@@ -22271,7 +21710,7 @@
                         </a:rPr>
                         <a:t> seafood bisque</a:t>
                       </a:r>
-                      <a:endParaRPr lang="en-US" sz="1800" b="0" i="0" u="none" strike="noStrike" dirty="0">
+                      <a:endParaRPr lang="en-US" sz="1800" b="1" i="0" u="none" strike="noStrike" dirty="0">
                         <a:solidFill>
                           <a:schemeClr val="accent1"/>
                         </a:solidFill>
@@ -22281,7 +21720,7 @@
                     </a:p>
                   </a:txBody>
                   <a:tcPr marL="9525" marR="9525" marT="9525" marB="0">
-                    <a:lnR w="12700" cap="flat" cmpd="sng" algn="ctr">
+                    <a:lnR w="28575" cap="flat" cmpd="sng" algn="ctr">
                       <a:solidFill>
                         <a:schemeClr val="tx1"/>
                       </a:solidFill>
@@ -22298,7 +21737,7 @@
                   </a:ext>
                 </a:extLst>
               </a:tr>
-              <a:tr h="260101">
+              <a:tr h="280163">
                 <a:tc>
                   <a:txBody>
                     <a:bodyPr/>
@@ -22314,7 +21753,7 @@
                         </a:rPr>
                         <a:t> seafood bisque</a:t>
                       </a:r>
-                      <a:endParaRPr lang="en-US" sz="1800" b="0" i="0" u="none" strike="noStrike" dirty="0">
+                      <a:endParaRPr lang="en-US" sz="1800" b="1" i="0" u="none" strike="noStrike" dirty="0">
                         <a:solidFill>
                           <a:schemeClr val="accent1"/>
                         </a:solidFill>
@@ -22324,7 +21763,7 @@
                     </a:p>
                   </a:txBody>
                   <a:tcPr marL="9525" marR="9525" marT="9525" marB="0">
-                    <a:lnL w="12700" cap="flat" cmpd="sng" algn="ctr">
+                    <a:lnL w="28575" cap="flat" cmpd="sng" algn="ctr">
                       <a:solidFill>
                         <a:schemeClr val="tx1"/>
                       </a:solidFill>
@@ -22350,7 +21789,7 @@
                         </a:rPr>
                         <a:t> bread</a:t>
                       </a:r>
-                      <a:endParaRPr lang="en-US" sz="1800" b="0" i="0" u="none" strike="noStrike" dirty="0">
+                      <a:endParaRPr lang="en-US" sz="1800" b="1" i="0" u="none" strike="noStrike" dirty="0">
                         <a:solidFill>
                           <a:schemeClr val="accent1"/>
                         </a:solidFill>
@@ -22360,7 +21799,7 @@
                     </a:p>
                   </a:txBody>
                   <a:tcPr marL="9525" marR="9525" marT="9525" marB="0">
-                    <a:lnR w="12700" cap="flat" cmpd="sng" algn="ctr">
+                    <a:lnR w="28575" cap="flat" cmpd="sng" algn="ctr">
                       <a:solidFill>
                         <a:schemeClr val="tx1"/>
                       </a:solidFill>
@@ -22377,7 +21816,7 @@
                   </a:ext>
                 </a:extLst>
               </a:tr>
-              <a:tr h="260101">
+              <a:tr h="280163">
                 <a:tc>
                   <a:txBody>
                     <a:bodyPr/>
@@ -22393,7 +21832,7 @@
                         </a:rPr>
                         <a:t> seared scallop chowder</a:t>
                       </a:r>
-                      <a:endParaRPr lang="en-US" sz="1800" b="0" i="0" u="none" strike="noStrike" dirty="0">
+                      <a:endParaRPr lang="en-US" sz="1800" b="1" i="0" u="none" strike="noStrike" dirty="0">
                         <a:solidFill>
                           <a:schemeClr val="accent1"/>
                         </a:solidFill>
@@ -22403,7 +21842,7 @@
                     </a:p>
                   </a:txBody>
                   <a:tcPr marL="9525" marR="9525" marT="9525" marB="0">
-                    <a:lnL w="12700" cap="flat" cmpd="sng" algn="ctr">
+                    <a:lnL w="28575" cap="flat" cmpd="sng" algn="ctr">
                       <a:solidFill>
                         <a:schemeClr val="tx1"/>
                       </a:solidFill>
@@ -22429,7 +21868,7 @@
                         </a:rPr>
                         <a:t> clam chowder</a:t>
                       </a:r>
-                      <a:endParaRPr lang="en-US" sz="1800" b="0" i="0" u="none" strike="noStrike" dirty="0">
+                      <a:endParaRPr lang="en-US" sz="1800" b="1" i="0" u="none" strike="noStrike" dirty="0">
                         <a:solidFill>
                           <a:schemeClr val="accent1"/>
                         </a:solidFill>
@@ -22439,7 +21878,7 @@
                     </a:p>
                   </a:txBody>
                   <a:tcPr marL="9525" marR="9525" marT="9525" marB="0">
-                    <a:lnR w="12700" cap="flat" cmpd="sng" algn="ctr">
+                    <a:lnR w="28575" cap="flat" cmpd="sng" algn="ctr">
                       <a:solidFill>
                         <a:schemeClr val="tx1"/>
                       </a:solidFill>
@@ -22456,7 +21895,7 @@
                   </a:ext>
                 </a:extLst>
               </a:tr>
-              <a:tr h="260101">
+              <a:tr h="280163">
                 <a:tc>
                   <a:txBody>
                     <a:bodyPr/>
@@ -22472,7 +21911,7 @@
                         </a:rPr>
                         <a:t> smoked salmon chowder</a:t>
                       </a:r>
-                      <a:endParaRPr lang="en-US" sz="1800" b="0" i="0" u="none" strike="noStrike" dirty="0">
+                      <a:endParaRPr lang="en-US" sz="1800" b="1" i="0" u="none" strike="noStrike" dirty="0">
                         <a:solidFill>
                           <a:schemeClr val="accent1"/>
                         </a:solidFill>
@@ -22482,7 +21921,7 @@
                     </a:p>
                   </a:txBody>
                   <a:tcPr marL="9525" marR="9525" marT="9525" marB="0">
-                    <a:lnL w="12700" cap="flat" cmpd="sng" algn="ctr">
+                    <a:lnL w="28575" cap="flat" cmpd="sng" algn="ctr">
                       <a:solidFill>
                         <a:schemeClr val="tx1"/>
                       </a:solidFill>
@@ -22526,7 +21965,7 @@
                         </a:rPr>
                         <a:t> clam chowder</a:t>
                       </a:r>
-                      <a:endParaRPr lang="en-US" sz="1800" b="0" i="0" u="none" strike="noStrike" dirty="0">
+                      <a:endParaRPr lang="en-US" sz="1800" b="1" i="0" u="none" strike="noStrike" dirty="0">
                         <a:solidFill>
                           <a:schemeClr val="accent1"/>
                         </a:solidFill>
@@ -22536,7 +21975,7 @@
                     </a:p>
                   </a:txBody>
                   <a:tcPr marL="9525" marR="9525" marT="9525" marB="0">
-                    <a:lnR w="12700" cap="flat" cmpd="sng" algn="ctr">
+                    <a:lnR w="28575" cap="flat" cmpd="sng" algn="ctr">
                       <a:solidFill>
                         <a:schemeClr val="tx1"/>
                       </a:solidFill>
@@ -22553,7 +21992,7 @@
                   </a:ext>
                 </a:extLst>
               </a:tr>
-              <a:tr h="398264">
+              <a:tr h="393097">
                 <a:tc>
                   <a:txBody>
                     <a:bodyPr/>
@@ -22569,7 +22008,7 @@
                         </a:rPr>
                         <a:t> southwestern chicken &amp; corn chowder</a:t>
                       </a:r>
-                      <a:endParaRPr lang="en-US" sz="1800" b="0" i="0" u="none" strike="noStrike" dirty="0">
+                      <a:endParaRPr lang="en-US" sz="1800" b="1" i="0" u="none" strike="noStrike" dirty="0">
                         <a:solidFill>
                           <a:schemeClr val="accent1"/>
                         </a:solidFill>
@@ -22579,7 +22018,7 @@
                     </a:p>
                   </a:txBody>
                   <a:tcPr marL="9525" marR="9525" marT="9525" marB="0">
-                    <a:lnL w="12700" cap="flat" cmpd="sng" algn="ctr">
+                    <a:lnL w="28575" cap="flat" cmpd="sng" algn="ctr">
                       <a:solidFill>
                         <a:schemeClr val="tx1"/>
                       </a:solidFill>
@@ -22623,7 +22062,7 @@
                         </a:rPr>
                         <a:t> crab roll</a:t>
                       </a:r>
-                      <a:endParaRPr lang="en-US" sz="1800" b="0" i="0" u="none" strike="noStrike" dirty="0">
+                      <a:endParaRPr lang="en-US" sz="1800" b="1" i="0" u="none" strike="noStrike" dirty="0">
                         <a:solidFill>
                           <a:schemeClr val="accent1"/>
                         </a:solidFill>
@@ -22633,7 +22072,7 @@
                     </a:p>
                   </a:txBody>
                   <a:tcPr marL="9525" marR="9525" marT="9525" marB="0">
-                    <a:lnR w="12700" cap="flat" cmpd="sng" algn="ctr">
+                    <a:lnR w="28575" cap="flat" cmpd="sng" algn="ctr">
                       <a:solidFill>
                         <a:schemeClr val="tx1"/>
                       </a:solidFill>
@@ -22650,7 +22089,7 @@
                   </a:ext>
                 </a:extLst>
               </a:tr>
-              <a:tr h="260101">
+              <a:tr h="280163">
                 <a:tc>
                   <a:txBody>
                     <a:bodyPr/>
@@ -22666,7 +22105,7 @@
                         </a:rPr>
                         <a:t> vegan chowder</a:t>
                       </a:r>
-                      <a:endParaRPr lang="en-US" sz="1800" b="0" i="0" u="none" strike="noStrike" dirty="0">
+                      <a:endParaRPr lang="en-US" sz="1800" b="1" i="0" u="none" strike="noStrike" dirty="0">
                         <a:solidFill>
                           <a:schemeClr val="accent1"/>
                         </a:solidFill>
@@ -22676,7 +22115,7 @@
                     </a:p>
                   </a:txBody>
                   <a:tcPr marL="9525" marR="9525" marT="9525" marB="0">
-                    <a:lnL w="12700" cap="flat" cmpd="sng" algn="ctr">
+                    <a:lnL w="28575" cap="flat" cmpd="sng" algn="ctr">
                       <a:solidFill>
                         <a:schemeClr val="tx1"/>
                       </a:solidFill>
@@ -22702,7 +22141,7 @@
                         </a:rPr>
                         <a:t> smoked salmon chowder</a:t>
                       </a:r>
-                      <a:endParaRPr lang="en-US" sz="1800" b="0" i="0" u="none" strike="noStrike" dirty="0">
+                      <a:endParaRPr lang="en-US" sz="1800" b="1" i="0" u="none" strike="noStrike" dirty="0">
                         <a:solidFill>
                           <a:schemeClr val="accent1"/>
                         </a:solidFill>
@@ -22712,7 +22151,7 @@
                     </a:p>
                   </a:txBody>
                   <a:tcPr marL="9525" marR="9525" marT="9525" marB="0">
-                    <a:lnR w="12700" cap="flat" cmpd="sng" algn="ctr">
+                    <a:lnR w="28575" cap="flat" cmpd="sng" algn="ctr">
                       <a:solidFill>
                         <a:schemeClr val="tx1"/>
                       </a:solidFill>
@@ -22729,14 +22168,14 @@
                   </a:ext>
                 </a:extLst>
               </a:tr>
-              <a:tr h="260101">
+              <a:tr h="280163">
                 <a:tc>
                   <a:txBody>
                     <a:bodyPr/>
                     <a:lstStyle/>
                     <a:p>
                       <a:pPr algn="l" fontAlgn="b"/>
-                      <a:endParaRPr lang="en-US" sz="1800" b="0" i="0" u="none" strike="noStrike" dirty="0">
+                      <a:endParaRPr lang="en-US" sz="1800" b="1" i="0" u="none" strike="noStrike" dirty="0">
                         <a:solidFill>
                           <a:schemeClr val="accent1"/>
                         </a:solidFill>
@@ -22746,7 +22185,7 @@
                     </a:p>
                   </a:txBody>
                   <a:tcPr marL="9525" marR="9525" marT="9525" marB="0">
-                    <a:lnL w="12700" cap="flat" cmpd="sng" algn="ctr">
+                    <a:lnL w="28575" cap="flat" cmpd="sng" algn="ctr">
                       <a:solidFill>
                         <a:schemeClr val="tx1"/>
                       </a:solidFill>
@@ -22772,7 +22211,7 @@
                         </a:rPr>
                         <a:t> Lobster</a:t>
                       </a:r>
-                      <a:endParaRPr lang="en-US" sz="1800" b="0" i="0" u="none" strike="noStrike" dirty="0">
+                      <a:endParaRPr lang="en-US" sz="1800" b="1" i="0" u="none" strike="noStrike" dirty="0">
                         <a:solidFill>
                           <a:schemeClr val="accent1"/>
                         </a:solidFill>
@@ -22782,7 +22221,7 @@
                     </a:p>
                   </a:txBody>
                   <a:tcPr marL="9525" marR="9525" marT="9525" marB="0">
-                    <a:lnR w="12700" cap="flat" cmpd="sng" algn="ctr">
+                    <a:lnR w="28575" cap="flat" cmpd="sng" algn="ctr">
                       <a:solidFill>
                         <a:schemeClr val="tx1"/>
                       </a:solidFill>
@@ -22799,14 +22238,14 @@
                   </a:ext>
                 </a:extLst>
               </a:tr>
-              <a:tr h="260101">
+              <a:tr h="280163">
                 <a:tc>
                   <a:txBody>
                     <a:bodyPr/>
                     <a:lstStyle/>
                     <a:p>
                       <a:pPr algn="l" fontAlgn="b"/>
-                      <a:endParaRPr lang="en-US" sz="1800" b="0" i="0" u="none" strike="noStrike" dirty="0">
+                      <a:endParaRPr lang="en-US" sz="1800" b="1" i="0" u="none" strike="noStrike" dirty="0">
                         <a:solidFill>
                           <a:schemeClr val="accent1"/>
                         </a:solidFill>
@@ -22816,7 +22255,7 @@
                     </a:p>
                   </a:txBody>
                   <a:tcPr marL="9525" marR="9525" marT="9525" marB="0">
-                    <a:lnL w="12700" cap="flat" cmpd="sng" algn="ctr">
+                    <a:lnL w="28575" cap="flat" cmpd="sng" algn="ctr">
                       <a:solidFill>
                         <a:schemeClr val="tx1"/>
                       </a:solidFill>
@@ -22825,7 +22264,7 @@
                       <a:headEnd type="none" w="med" len="med"/>
                       <a:tailEnd type="none" w="med" len="med"/>
                     </a:lnL>
-                    <a:lnB w="12700" cap="flat" cmpd="sng" algn="ctr">
+                    <a:lnB w="28575" cap="flat" cmpd="sng" algn="ctr">
                       <a:solidFill>
                         <a:schemeClr val="tx1"/>
                       </a:solidFill>
@@ -22851,7 +22290,7 @@
                         </a:rPr>
                         <a:t> England clam chowder</a:t>
                       </a:r>
-                      <a:endParaRPr lang="en-US" sz="1800" b="0" i="0" u="none" strike="noStrike" dirty="0">
+                      <a:endParaRPr lang="en-US" sz="1800" b="1" i="0" u="none" strike="noStrike" dirty="0">
                         <a:solidFill>
                           <a:schemeClr val="accent1"/>
                         </a:solidFill>
@@ -22861,7 +22300,7 @@
                     </a:p>
                   </a:txBody>
                   <a:tcPr marL="9525" marR="9525" marT="9525" marB="0">
-                    <a:lnR w="12700" cap="flat" cmpd="sng" algn="ctr">
+                    <a:lnR w="28575" cap="flat" cmpd="sng" algn="ctr">
                       <a:solidFill>
                         <a:schemeClr val="tx1"/>
                       </a:solidFill>
@@ -22870,7 +22309,7 @@
                       <a:headEnd type="none" w="med" len="med"/>
                       <a:tailEnd type="none" w="med" len="med"/>
                     </a:lnR>
-                    <a:lnB w="12700" cap="flat" cmpd="sng" algn="ctr">
+                    <a:lnB w="28575" cap="flat" cmpd="sng" algn="ctr">
                       <a:solidFill>
                         <a:schemeClr val="tx1"/>
                       </a:solidFill>
@@ -22907,8 +22346,8 @@
         </p:nvSpPr>
         <p:spPr bwMode="auto">
           <a:xfrm>
-            <a:off x="16589502" y="15448499"/>
-            <a:ext cx="8083186" cy="505573"/>
+            <a:off x="16252778" y="15981917"/>
+            <a:ext cx="8419909" cy="1428903"/>
           </a:xfrm>
           <a:prstGeom prst="rect">
             <a:avLst/>
@@ -23028,13 +22467,34 @@
             </a:lvl9pPr>
           </a:lstStyle>
           <a:p>
-            <a:pPr eaLnBrk="1" hangingPunct="1"/>
-            <a:endParaRPr lang="en-US" sz="2000" dirty="0">
-              <a:solidFill>
-                <a:schemeClr val="bg1"/>
-              </a:solidFill>
-              <a:latin typeface="Calibri" pitchFamily="34" charset="0"/>
-            </a:endParaRPr>
+            <a:pPr marL="342900" indent="-342900" eaLnBrk="1" hangingPunct="1">
+              <a:buFont typeface="Arial" panose="020B0604020202020204" pitchFamily="34" charset="0"/>
+              <a:buChar char="•"/>
+            </a:pPr>
+            <a:r>
+              <a:rPr lang="en-US" sz="2000" dirty="0">
+                <a:solidFill>
+                  <a:schemeClr val="bg1"/>
+                </a:solidFill>
+                <a:latin typeface="Calibri" pitchFamily="34" charset="0"/>
+              </a:rPr>
+              <a:t>The following ranking formula helps find the top K dishes from the set of menu items provided by the model.</a:t>
+            </a:r>
+          </a:p>
+          <a:p>
+            <a:pPr marL="342900" indent="-342900" eaLnBrk="1" hangingPunct="1">
+              <a:buFont typeface="Arial" panose="020B0604020202020204" pitchFamily="34" charset="0"/>
+              <a:buChar char="•"/>
+            </a:pPr>
+            <a:r>
+              <a:rPr lang="en-US" sz="2000" dirty="0">
+                <a:solidFill>
+                  <a:schemeClr val="bg1"/>
+                </a:solidFill>
+                <a:latin typeface="Calibri" pitchFamily="34" charset="0"/>
+              </a:rPr>
+              <a:t>Takes into account sentiment, rating and number of times the model outputs, as well as how recent the review has been posted on the website.</a:t>
+            </a:r>
           </a:p>
         </p:txBody>
       </p:sp>
@@ -23054,8 +22514,8 @@
         </p:nvSpPr>
         <p:spPr bwMode="auto">
           <a:xfrm>
-            <a:off x="24857077" y="3776857"/>
-            <a:ext cx="7211548" cy="813350"/>
+            <a:off x="25141051" y="3776857"/>
+            <a:ext cx="6927573" cy="813350"/>
           </a:xfrm>
           <a:prstGeom prst="rect">
             <a:avLst/>
@@ -23175,7 +22635,7 @@
             </a:lvl9pPr>
           </a:lstStyle>
           <a:p>
-            <a:pPr eaLnBrk="1" hangingPunct="1"/>
+            <a:pPr algn="just" eaLnBrk="1" hangingPunct="1"/>
             <a:r>
               <a:rPr lang="en-US" sz="2000" dirty="0">
                 <a:solidFill>
@@ -23183,7 +22643,7 @@
                 </a:solidFill>
                 <a:latin typeface="Calibri" pitchFamily="34" charset="0"/>
               </a:rPr>
-              <a:t>Comparison between top 10 dishes found on Yelp and reviewed by our model</a:t>
+              <a:t>Comparison between top 10 dishes found on Yelp and reviewed by our model:</a:t>
             </a:r>
           </a:p>
         </p:txBody>
@@ -23204,8 +22664,8 @@
         </p:nvSpPr>
         <p:spPr bwMode="auto">
           <a:xfrm>
-            <a:off x="24898606" y="14103877"/>
-            <a:ext cx="7197877" cy="4814445"/>
+            <a:off x="25119642" y="10526721"/>
+            <a:ext cx="6906299" cy="3891116"/>
           </a:xfrm>
           <a:prstGeom prst="rect">
             <a:avLst/>
@@ -23325,7 +22785,7 @@
             </a:lvl9pPr>
           </a:lstStyle>
           <a:p>
-            <a:pPr eaLnBrk="1" hangingPunct="1"/>
+            <a:pPr algn="just" eaLnBrk="1" hangingPunct="1"/>
             <a:r>
               <a:rPr lang="en-US" sz="2000" b="1" dirty="0">
                 <a:solidFill>
@@ -23337,8 +22797,9 @@
             </a:r>
           </a:p>
           <a:p>
-            <a:pPr marL="457200" indent="-457200" eaLnBrk="1" hangingPunct="1">
-              <a:buAutoNum type="arabicPeriod"/>
+            <a:pPr marL="342900" indent="-342900" algn="just" eaLnBrk="1" hangingPunct="1">
+              <a:buFont typeface="Arial" panose="020B0604020202020204" pitchFamily="34" charset="0"/>
+              <a:buChar char="•"/>
             </a:pPr>
             <a:r>
               <a:rPr lang="en-US" sz="2000" dirty="0">
@@ -23351,8 +22812,9 @@
             </a:r>
           </a:p>
           <a:p>
-            <a:pPr marL="457200" indent="-457200" eaLnBrk="1" hangingPunct="1">
-              <a:buAutoNum type="arabicPeriod"/>
+            <a:pPr marL="342900" indent="-342900" algn="just" eaLnBrk="1" hangingPunct="1">
+              <a:buFont typeface="Arial" panose="020B0604020202020204" pitchFamily="34" charset="0"/>
+              <a:buChar char="•"/>
             </a:pPr>
             <a:r>
               <a:rPr lang="en-US" sz="2000" dirty="0">
@@ -23361,11 +22823,23 @@
                 </a:solidFill>
                 <a:latin typeface="Calibri" pitchFamily="34" charset="0"/>
               </a:rPr>
-              <a:t>The model will be able to pick up on names that are restaurant specific which is good for menu generation. Especially with restaurants that update their reviews consistently. </a:t>
+              <a:t>The model will be able to pick up on names that are restaurant specific which is good for menu generation.</a:t>
             </a:r>
           </a:p>
           <a:p>
-            <a:pPr eaLnBrk="1" hangingPunct="1"/>
+            <a:pPr marL="457200" indent="-457200" algn="just" eaLnBrk="1" hangingPunct="1">
+              <a:buFont typeface="Arial" panose="020B0604020202020204" pitchFamily="34" charset="0"/>
+              <a:buChar char="•"/>
+            </a:pPr>
+            <a:endParaRPr lang="en-US" sz="2000" dirty="0">
+              <a:solidFill>
+                <a:schemeClr val="bg1"/>
+              </a:solidFill>
+              <a:latin typeface="Calibri" pitchFamily="34" charset="0"/>
+            </a:endParaRPr>
+          </a:p>
+          <a:p>
+            <a:pPr algn="just" eaLnBrk="1" hangingPunct="1"/>
             <a:r>
               <a:rPr lang="en-US" sz="2000" b="1" dirty="0">
                 <a:solidFill>
@@ -23377,8 +22851,9 @@
             </a:r>
           </a:p>
           <a:p>
-            <a:pPr marL="457200" indent="-457200" eaLnBrk="1" hangingPunct="1">
-              <a:buAutoNum type="arabicPeriod"/>
+            <a:pPr marL="457200" indent="-457200" algn="just" eaLnBrk="1" hangingPunct="1">
+              <a:buFont typeface="Arial" panose="020B0604020202020204" pitchFamily="34" charset="0"/>
+              <a:buChar char="•"/>
             </a:pPr>
             <a:r>
               <a:rPr lang="en-US" sz="2000" dirty="0">
@@ -23391,8 +22866,9 @@
             </a:r>
           </a:p>
           <a:p>
-            <a:pPr marL="457200" indent="-457200" eaLnBrk="1" hangingPunct="1">
-              <a:buAutoNum type="arabicPeriod"/>
+            <a:pPr marL="457200" indent="-457200" algn="just" eaLnBrk="1" hangingPunct="1">
+              <a:buFont typeface="Arial" panose="020B0604020202020204" pitchFamily="34" charset="0"/>
+              <a:buChar char="•"/>
             </a:pPr>
             <a:r>
               <a:rPr lang="en-US" sz="2000" dirty="0">
@@ -23405,8 +22881,9 @@
             </a:r>
           </a:p>
           <a:p>
-            <a:pPr marL="457200" indent="-457200" eaLnBrk="1" hangingPunct="1">
-              <a:buAutoNum type="arabicPeriod"/>
+            <a:pPr marL="457200" indent="-457200" algn="just" eaLnBrk="1" hangingPunct="1">
+              <a:buFont typeface="Arial" panose="020B0604020202020204" pitchFamily="34" charset="0"/>
+              <a:buChar char="•"/>
             </a:pPr>
             <a:r>
               <a:rPr lang="en-US" sz="2000" dirty="0">
@@ -23415,11 +22892,169 @@
                 </a:solidFill>
                 <a:latin typeface="Calibri" pitchFamily="34" charset="0"/>
               </a:rPr>
-              <a:t>The sentiment analysis is done sentence by sentence whereas NER models are trained on the full review. The sentence input was chosen because reviews tend to contain both positive things and negative things about the restaurant. The NER model is also run with sentences as the input rather than reviews, so that may cause an issue.</a:t>
+              <a:t>The sentiment analysis is done sentence by sentence whereas NER models are trained on the full review.</a:t>
             </a:r>
           </a:p>
         </p:txBody>
       </p:sp>
+      <p:grpSp>
+        <p:nvGrpSpPr>
+          <p:cNvPr id="84" name="Group 83">
+            <a:extLst>
+              <a:ext uri="{FF2B5EF4-FFF2-40B4-BE49-F238E27FC236}">
+                <a16:creationId xmlns:a16="http://schemas.microsoft.com/office/drawing/2014/main" id="{3BBF3C20-3A6F-764D-A158-318EA0052A51}"/>
+              </a:ext>
+            </a:extLst>
+          </p:cNvPr>
+          <p:cNvGrpSpPr/>
+          <p:nvPr/>
+        </p:nvGrpSpPr>
+        <p:grpSpPr>
+          <a:xfrm>
+            <a:off x="8199703" y="16138895"/>
+            <a:ext cx="7687423" cy="461314"/>
+            <a:chOff x="24917399" y="3026357"/>
+            <a:chExt cx="7687423" cy="461314"/>
+          </a:xfrm>
+        </p:grpSpPr>
+        <p:sp>
+          <p:nvSpPr>
+            <p:cNvPr id="85" name="Rectangle 84">
+              <a:extLst>
+                <a:ext uri="{FF2B5EF4-FFF2-40B4-BE49-F238E27FC236}">
+                  <a16:creationId xmlns:a16="http://schemas.microsoft.com/office/drawing/2014/main" id="{0F1E8970-083E-9441-B567-3D6B75E4F94F}"/>
+                </a:ext>
+              </a:extLst>
+            </p:cNvPr>
+            <p:cNvSpPr/>
+            <p:nvPr/>
+          </p:nvSpPr>
+          <p:spPr>
+            <a:xfrm>
+              <a:off x="24917399" y="3026357"/>
+              <a:ext cx="7687423" cy="457200"/>
+            </a:xfrm>
+            <a:prstGeom prst="rect">
+              <a:avLst/>
+            </a:prstGeom>
+            <a:solidFill>
+              <a:schemeClr val="accent1">
+                <a:lumMod val="75000"/>
+              </a:schemeClr>
+            </a:solidFill>
+            <a:ln w="12700"/>
+          </p:spPr>
+          <p:style>
+            <a:lnRef idx="2">
+              <a:schemeClr val="accent1">
+                <a:shade val="50000"/>
+              </a:schemeClr>
+            </a:lnRef>
+            <a:fillRef idx="1">
+              <a:schemeClr val="accent1"/>
+            </a:fillRef>
+            <a:effectRef idx="0">
+              <a:schemeClr val="accent1"/>
+            </a:effectRef>
+            <a:fontRef idx="minor">
+              <a:schemeClr val="lt1"/>
+            </a:fontRef>
+          </p:style>
+          <p:txBody>
+            <a:bodyPr lIns="48971" tIns="24486" rIns="48971" bIns="24486" rtlCol="0" anchor="ctr"/>
+            <a:lstStyle/>
+            <a:p>
+              <a:pPr algn="ctr"/>
+              <a:r>
+                <a:rPr lang="en-US" sz="3200" b="1" dirty="0">
+                  <a:solidFill>
+                    <a:schemeClr val="bg1"/>
+                  </a:solidFill>
+                </a:rPr>
+                <a:t>NER Performance Analysis</a:t>
+              </a:r>
+            </a:p>
+          </p:txBody>
+        </p:sp>
+        <p:pic>
+          <p:nvPicPr>
+            <p:cNvPr id="86" name="Graphic 85" descr="Bar chart">
+              <a:extLst>
+                <a:ext uri="{FF2B5EF4-FFF2-40B4-BE49-F238E27FC236}">
+                  <a16:creationId xmlns:a16="http://schemas.microsoft.com/office/drawing/2014/main" id="{5DFD3D91-AC59-2247-A2FC-7FC9321F98C1}"/>
+                </a:ext>
+              </a:extLst>
+            </p:cNvPr>
+            <p:cNvPicPr>
+              <a:picLocks noChangeAspect="1"/>
+            </p:cNvPicPr>
+            <p:nvPr/>
+          </p:nvPicPr>
+          <p:blipFill>
+            <a:blip r:embed="rId47" cstate="print">
+              <a:extLst>
+                <a:ext uri="{28A0092B-C50C-407E-A947-70E740481C1C}">
+                  <a14:useLocalDpi xmlns:a14="http://schemas.microsoft.com/office/drawing/2010/main" val="0"/>
+                </a:ext>
+                <a:ext uri="{96DAC541-7B7A-43D3-8B79-37D633B846F1}">
+                  <asvg:svgBlip xmlns:asvg="http://schemas.microsoft.com/office/drawing/2016/SVG/main" r:embed="rId48"/>
+                </a:ext>
+              </a:extLst>
+            </a:blip>
+            <a:stretch>
+              <a:fillRect/>
+            </a:stretch>
+          </p:blipFill>
+          <p:spPr>
+            <a:xfrm>
+              <a:off x="31099044" y="3030471"/>
+              <a:ext cx="457200" cy="457200"/>
+            </a:xfrm>
+            <a:prstGeom prst="rect">
+              <a:avLst/>
+            </a:prstGeom>
+          </p:spPr>
+        </p:pic>
+      </p:grpSp>
+      <p:pic>
+        <p:nvPicPr>
+          <p:cNvPr id="17" name="Graphic 16" descr="Magnifying glass">
+            <a:extLst>
+              <a:ext uri="{FF2B5EF4-FFF2-40B4-BE49-F238E27FC236}">
+                <a16:creationId xmlns:a16="http://schemas.microsoft.com/office/drawing/2014/main" id="{399D9892-5DB0-E142-9FB5-C4216DF11A0A}"/>
+              </a:ext>
+            </a:extLst>
+          </p:cNvPr>
+          <p:cNvPicPr>
+            <a:picLocks noChangeAspect="1"/>
+          </p:cNvPicPr>
+          <p:nvPr/>
+        </p:nvPicPr>
+        <p:blipFill>
+          <a:blip r:embed="rId49">
+            <a:extLst>
+              <a:ext uri="{28A0092B-C50C-407E-A947-70E740481C1C}">
+                <a14:useLocalDpi xmlns:a14="http://schemas.microsoft.com/office/drawing/2010/main" val="0"/>
+              </a:ext>
+              <a:ext uri="{96DAC541-7B7A-43D3-8B79-37D633B846F1}">
+                <asvg:svgBlip xmlns:asvg="http://schemas.microsoft.com/office/drawing/2016/SVG/main" r:embed="rId50"/>
+              </a:ext>
+            </a:extLst>
+          </a:blip>
+          <a:stretch>
+            <a:fillRect/>
+          </a:stretch>
+        </p:blipFill>
+        <p:spPr>
+          <a:xfrm>
+            <a:off x="29337000" y="3029607"/>
+            <a:ext cx="457200" cy="457200"/>
+          </a:xfrm>
+          <a:prstGeom prst="rect">
+            <a:avLst/>
+          </a:prstGeom>
+        </p:spPr>
+      </p:pic>
     </p:spTree>
     <p:extLst>
       <p:ext uri="{BB962C8B-B14F-4D97-AF65-F5344CB8AC3E}">

--- a/PPTX-Genigraphics-Poster-Template-24x36.pptx
+++ b/PPTX-Genigraphics-Poster-Template-24x36.pptx
@@ -17413,7 +17413,7 @@
           <p:nvPr>
             <p:extLst>
               <p:ext uri="{D42A27DB-BD31-4B8C-83A1-F6EECF244321}">
-                <p14:modId xmlns:p14="http://schemas.microsoft.com/office/powerpoint/2010/main" val="3680056996"/>
+                <p14:modId xmlns:p14="http://schemas.microsoft.com/office/powerpoint/2010/main" val="3433846684"/>
               </p:ext>
             </p:extLst>
           </p:nvPr>
@@ -17492,8 +17492,8 @@
         </p:blipFill>
         <p:spPr>
           <a:xfrm>
-            <a:off x="1348186" y="6294069"/>
-            <a:ext cx="6613947" cy="4870610"/>
+            <a:off x="1302193" y="6203294"/>
+            <a:ext cx="6742287" cy="4919555"/>
           </a:xfrm>
           <a:prstGeom prst="rect">
             <a:avLst/>
@@ -17673,7 +17673,7 @@
         </p:nvSpPr>
         <p:spPr bwMode="auto">
           <a:xfrm>
-            <a:off x="25131524" y="15957850"/>
+            <a:off x="25034901" y="17868410"/>
             <a:ext cx="6910063" cy="2660009"/>
           </a:xfrm>
           <a:prstGeom prst="rect">
@@ -18358,7 +18358,7 @@
                 </a:solidFill>
                 <a:latin typeface="Calibri" pitchFamily="34" charset="0"/>
               </a:rPr>
-              <a:t>Once trained, we use it to extract food entities from unannotated reviews. Gives a list of food/menu items.</a:t>
+              <a:t>Once trained, we use it to extract food entities from unannotated reviews. The output is a list of food/menu items.</a:t>
             </a:r>
           </a:p>
           <a:p>
@@ -18638,7 +18638,7 @@
             </p:nvSpPr>
             <p:spPr bwMode="auto">
               <a:xfrm>
-                <a:off x="16247280" y="17546159"/>
+                <a:off x="16247280" y="17819774"/>
                 <a:ext cx="8419909" cy="3831036"/>
               </a:xfrm>
               <a:prstGeom prst="rect">
@@ -19699,7 +19699,7 @@
             </p:nvSpPr>
             <p:spPr bwMode="auto">
               <a:xfrm>
-                <a:off x="16247280" y="17546159"/>
+                <a:off x="16247280" y="17819774"/>
                 <a:ext cx="8419909" cy="3831036"/>
               </a:xfrm>
               <a:prstGeom prst="rect">
@@ -19708,7 +19708,7 @@
               <a:blipFill>
                 <a:blip r:embed="rId26"/>
                 <a:stretch>
-                  <a:fillRect l="-451" t="-11221" b="-55446"/>
+                  <a:fillRect l="-451" t="-10855" b="-54934"/>
                 </a:stretch>
               </a:blipFill>
               <a:ln w="12700">
@@ -20120,7 +20120,7 @@
         </p:nvGrpSpPr>
         <p:grpSpPr>
           <a:xfrm>
-            <a:off x="25119641" y="15210599"/>
+            <a:off x="25039406" y="17062225"/>
             <a:ext cx="6959789" cy="505573"/>
             <a:chOff x="25162964" y="16233555"/>
             <a:chExt cx="7178365" cy="505573"/>
@@ -20929,37 +20929,37 @@
           <p:nvPr>
             <p:extLst>
               <p:ext uri="{D42A27DB-BD31-4B8C-83A1-F6EECF244321}">
-                <p14:modId xmlns:p14="http://schemas.microsoft.com/office/powerpoint/2010/main" val="526641881"/>
+                <p14:modId xmlns:p14="http://schemas.microsoft.com/office/powerpoint/2010/main" val="3216312012"/>
               </p:ext>
             </p:extLst>
           </p:nvPr>
         </p:nvGraphicFramePr>
         <p:xfrm>
-          <a:off x="25141051" y="8735425"/>
-          <a:ext cx="3864768" cy="1525394"/>
+          <a:off x="25141051" y="9066984"/>
+          <a:ext cx="4195949" cy="2124036"/>
         </p:xfrm>
         <a:graphic>
           <a:graphicData uri="http://schemas.openxmlformats.org/drawingml/2006/table">
             <a:tbl>
               <a:tblPr firstRow="1" bandRow="1">
-                <a:tableStyleId>{69C7853C-536D-4A76-A0AE-DD22124D55A5}</a:tableStyleId>
+                <a:tableStyleId>{F5AB1C69-6EDB-4FF4-983F-18BD219EF322}</a:tableStyleId>
               </a:tblPr>
               <a:tblGrid>
-                <a:gridCol w="1739494">
+                <a:gridCol w="1888555">
                   <a:extLst>
                     <a:ext uri="{9D8B030D-6E8A-4147-A177-3AD203B41FA5}">
                       <a16:colId xmlns:a16="http://schemas.microsoft.com/office/drawing/2014/main" val="20000"/>
                     </a:ext>
                   </a:extLst>
                 </a:gridCol>
-                <a:gridCol w="1300556">
+                <a:gridCol w="1412004">
                   <a:extLst>
                     <a:ext uri="{9D8B030D-6E8A-4147-A177-3AD203B41FA5}">
                       <a16:colId xmlns:a16="http://schemas.microsoft.com/office/drawing/2014/main" val="20001"/>
                     </a:ext>
                   </a:extLst>
                 </a:gridCol>
-                <a:gridCol w="824718">
+                <a:gridCol w="895390">
                   <a:extLst>
                     <a:ext uri="{9D8B030D-6E8A-4147-A177-3AD203B41FA5}">
                       <a16:colId xmlns:a16="http://schemas.microsoft.com/office/drawing/2014/main" val="20002"/>
@@ -20967,7 +20967,7 @@
                   </a:extLst>
                 </a:gridCol>
               </a:tblGrid>
-              <a:tr h="388864">
+              <a:tr h="541474">
                 <a:tc>
                   <a:txBody>
                     <a:bodyPr/>
@@ -20984,7 +20984,7 @@
                     </a:p>
                   </a:txBody>
                   <a:tcPr marL="9525" marR="9525" marT="9525" marB="0">
-                    <a:lnL w="12700" cap="flat" cmpd="sng" algn="ctr">
+                    <a:lnL w="28575" cap="flat" cmpd="sng" algn="ctr">
                       <a:solidFill>
                         <a:schemeClr val="tx1"/>
                       </a:solidFill>
@@ -20993,7 +20993,7 @@
                       <a:headEnd type="none" w="med" len="med"/>
                       <a:tailEnd type="none" w="med" len="med"/>
                     </a:lnL>
-                    <a:lnT w="12700" cap="flat" cmpd="sng" algn="ctr">
+                    <a:lnT w="28575" cap="flat" cmpd="sng" algn="ctr">
                       <a:solidFill>
                         <a:schemeClr val="tx1"/>
                       </a:solidFill>
@@ -21026,7 +21026,7 @@
                     </a:p>
                   </a:txBody>
                   <a:tcPr marL="9525" marR="9525" marT="9525" marB="0">
-                    <a:lnT w="12700" cap="flat" cmpd="sng" algn="ctr">
+                    <a:lnT w="28575" cap="flat" cmpd="sng" algn="ctr">
                       <a:solidFill>
                         <a:schemeClr val="tx1"/>
                       </a:solidFill>
@@ -21059,7 +21059,7 @@
                     </a:p>
                   </a:txBody>
                   <a:tcPr marL="9525" marR="9525" marT="9525" marB="0">
-                    <a:lnR w="12700" cap="flat" cmpd="sng" algn="ctr">
+                    <a:lnR w="28575" cap="flat" cmpd="sng" algn="ctr">
                       <a:solidFill>
                         <a:schemeClr val="tx1"/>
                       </a:solidFill>
@@ -21068,7 +21068,7 @@
                       <a:headEnd type="none" w="med" len="med"/>
                       <a:tailEnd type="none" w="med" len="med"/>
                     </a:lnR>
-                    <a:lnT w="12700" cap="flat" cmpd="sng" algn="ctr">
+                    <a:lnT w="28575" cap="flat" cmpd="sng" algn="ctr">
                       <a:solidFill>
                         <a:schemeClr val="tx1"/>
                       </a:solidFill>
@@ -21085,7 +21085,7 @@
                   </a:ext>
                 </a:extLst>
               </a:tr>
-              <a:tr h="560967">
+              <a:tr h="781119">
                 <a:tc>
                   <a:txBody>
                     <a:bodyPr/>
@@ -21093,10 +21093,7 @@
                     <a:p>
                       <a:pPr algn="l" fontAlgn="b"/>
                       <a:r>
-                        <a:rPr lang="en-US" sz="1800" b="1" u="none" strike="noStrike" dirty="0">
-                          <a:solidFill>
-                            <a:schemeClr val="accent1"/>
-                          </a:solidFill>
+                        <a:rPr lang="en-US" sz="1800" u="none" strike="noStrike" dirty="0">
                           <a:effectLst/>
                         </a:rPr>
                         <a:t> Absolute Match</a:t>
@@ -21111,7 +21108,7 @@
                     </a:p>
                   </a:txBody>
                   <a:tcPr marL="9525" marR="9525" marT="9525" marB="0">
-                    <a:lnL w="12700" cap="flat" cmpd="sng" algn="ctr">
+                    <a:lnL w="28575" cap="flat" cmpd="sng" algn="ctr">
                       <a:solidFill>
                         <a:schemeClr val="tx1"/>
                       </a:solidFill>
@@ -21130,9 +21127,6 @@
                       <a:pPr algn="l" fontAlgn="b"/>
                       <a:r>
                         <a:rPr lang="en-US" sz="1800" u="none" strike="noStrike" dirty="0">
-                          <a:solidFill>
-                            <a:schemeClr val="accent1"/>
-                          </a:solidFill>
                           <a:effectLst/>
                         </a:rPr>
                         <a:t> 40%</a:t>
@@ -21156,9 +21150,6 @@
                       <a:pPr algn="l" fontAlgn="b"/>
                       <a:r>
                         <a:rPr lang="en-US" sz="1800" u="none" strike="noStrike" dirty="0">
-                          <a:solidFill>
-                            <a:schemeClr val="accent1"/>
-                          </a:solidFill>
                           <a:effectLst/>
                         </a:rPr>
                         <a:t> 50%</a:t>
@@ -21173,7 +21164,7 @@
                     </a:p>
                   </a:txBody>
                   <a:tcPr marL="9525" marR="9525" marT="9525" marB="0">
-                    <a:lnR w="12700" cap="flat" cmpd="sng" algn="ctr">
+                    <a:lnR w="28575" cap="flat" cmpd="sng" algn="ctr">
                       <a:solidFill>
                         <a:schemeClr val="tx1"/>
                       </a:solidFill>
@@ -21190,7 +21181,7 @@
                   </a:ext>
                 </a:extLst>
               </a:tr>
-              <a:tr h="575563">
+              <a:tr h="801443">
                 <a:tc>
                   <a:txBody>
                     <a:bodyPr/>
@@ -21198,10 +21189,7 @@
                     <a:p>
                       <a:pPr algn="l" fontAlgn="b"/>
                       <a:r>
-                        <a:rPr lang="en-US" sz="1800" b="1" u="none" strike="noStrike" dirty="0">
-                          <a:solidFill>
-                            <a:schemeClr val="accent1"/>
-                          </a:solidFill>
+                        <a:rPr lang="en-US" sz="1800" u="none" strike="noStrike" dirty="0">
                           <a:effectLst/>
                         </a:rPr>
                         <a:t> Substring Match</a:t>
@@ -21216,7 +21204,7 @@
                     </a:p>
                   </a:txBody>
                   <a:tcPr marL="9525" marR="9525" marT="9525" marB="0">
-                    <a:lnL w="12700" cap="flat" cmpd="sng" algn="ctr">
+                    <a:lnL w="28575" cap="flat" cmpd="sng" algn="ctr">
                       <a:solidFill>
                         <a:schemeClr val="tx1"/>
                       </a:solidFill>
@@ -21225,7 +21213,7 @@
                       <a:headEnd type="none" w="med" len="med"/>
                       <a:tailEnd type="none" w="med" len="med"/>
                     </a:lnL>
-                    <a:lnB w="12700" cap="flat" cmpd="sng" algn="ctr">
+                    <a:lnB w="28575" cap="flat" cmpd="sng" algn="ctr">
                       <a:solidFill>
                         <a:schemeClr val="tx1"/>
                       </a:solidFill>
@@ -21244,9 +21232,6 @@
                       <a:pPr algn="l" fontAlgn="b"/>
                       <a:r>
                         <a:rPr lang="en-US" sz="1800" u="none" strike="noStrike" dirty="0">
-                          <a:solidFill>
-                            <a:schemeClr val="accent1"/>
-                          </a:solidFill>
                           <a:effectLst/>
                         </a:rPr>
                         <a:t> 80%</a:t>
@@ -21261,7 +21246,7 @@
                     </a:p>
                   </a:txBody>
                   <a:tcPr marL="9525" marR="9525" marT="9525" marB="0">
-                    <a:lnB w="12700" cap="flat" cmpd="sng" algn="ctr">
+                    <a:lnB w="28575" cap="flat" cmpd="sng" algn="ctr">
                       <a:solidFill>
                         <a:schemeClr val="tx1"/>
                       </a:solidFill>
@@ -21280,9 +21265,6 @@
                       <a:pPr algn="l" fontAlgn="b"/>
                       <a:r>
                         <a:rPr lang="en-US" sz="1800" u="none" strike="noStrike" dirty="0">
-                          <a:solidFill>
-                            <a:schemeClr val="accent1"/>
-                          </a:solidFill>
                           <a:effectLst/>
                         </a:rPr>
                         <a:t> 100%</a:t>
@@ -21297,7 +21279,7 @@
                     </a:p>
                   </a:txBody>
                   <a:tcPr marL="9525" marR="9525" marT="9525" marB="0">
-                    <a:lnR w="12700" cap="flat" cmpd="sng" algn="ctr">
+                    <a:lnR w="28575" cap="flat" cmpd="sng" algn="ctr">
                       <a:solidFill>
                         <a:schemeClr val="tx1"/>
                       </a:solidFill>
@@ -21306,7 +21288,7 @@
                       <a:headEnd type="none" w="med" len="med"/>
                       <a:tailEnd type="none" w="med" len="med"/>
                     </a:lnR>
-                    <a:lnB w="12700" cap="flat" cmpd="sng" algn="ctr">
+                    <a:lnB w="28575" cap="flat" cmpd="sng" algn="ctr">
                       <a:solidFill>
                         <a:schemeClr val="tx1"/>
                       </a:solidFill>
@@ -21336,13 +21318,13 @@
           <p:nvPr>
             <p:extLst>
               <p:ext uri="{D42A27DB-BD31-4B8C-83A1-F6EECF244321}">
-                <p14:modId xmlns:p14="http://schemas.microsoft.com/office/powerpoint/2010/main" val="74924610"/>
+                <p14:modId xmlns:p14="http://schemas.microsoft.com/office/powerpoint/2010/main" val="495460450"/>
               </p:ext>
             </p:extLst>
           </p:nvPr>
         </p:nvGraphicFramePr>
         <p:xfrm>
-          <a:off x="25131525" y="4904786"/>
+          <a:off x="25131525" y="5197574"/>
           <a:ext cx="6906299" cy="3340799"/>
         </p:xfrm>
         <a:graphic>
@@ -22346,7 +22328,7 @@
         </p:nvSpPr>
         <p:spPr bwMode="auto">
           <a:xfrm>
-            <a:off x="16252778" y="15981917"/>
+            <a:off x="16252141" y="16138895"/>
             <a:ext cx="8419909" cy="1428903"/>
           </a:xfrm>
           <a:prstGeom prst="rect">
@@ -22493,7 +22475,7 @@
                 </a:solidFill>
                 <a:latin typeface="Calibri" pitchFamily="34" charset="0"/>
               </a:rPr>
-              <a:t>Takes into account sentiment, rating and number of times the model outputs, as well as how recent the review has been posted on the website.</a:t>
+              <a:t>The formula takes into account sentiment, rating and number of times the model outputs, as well as how recent the review has been posted.</a:t>
             </a:r>
           </a:p>
         </p:txBody>
@@ -22664,7 +22646,7 @@
         </p:nvSpPr>
         <p:spPr bwMode="auto">
           <a:xfrm>
-            <a:off x="25119642" y="10526721"/>
+            <a:off x="25092896" y="11902101"/>
             <a:ext cx="6906299" cy="3891116"/>
           </a:xfrm>
           <a:prstGeom prst="rect">

--- a/PPTX-Genigraphics-Poster-Template-24x36.pptx
+++ b/PPTX-Genigraphics-Poster-Template-24x36.pptx
@@ -17673,8 +17673,8 @@
         </p:nvSpPr>
         <p:spPr bwMode="auto">
           <a:xfrm>
-            <a:off x="25034901" y="17868410"/>
-            <a:ext cx="6910063" cy="2660009"/>
+            <a:off x="25032204" y="18445131"/>
+            <a:ext cx="6910064" cy="2660009"/>
           </a:xfrm>
           <a:prstGeom prst="rect">
             <a:avLst/>
@@ -20120,10 +20120,10 @@
         </p:nvGrpSpPr>
         <p:grpSpPr>
           <a:xfrm>
-            <a:off x="25039406" y="17062225"/>
-            <a:ext cx="6959789" cy="505573"/>
+            <a:off x="25032204" y="17668126"/>
+            <a:ext cx="6906299" cy="505573"/>
             <a:chOff x="25162964" y="16233555"/>
-            <a:chExt cx="7178365" cy="505573"/>
+            <a:chExt cx="7123195" cy="505573"/>
           </a:xfrm>
         </p:grpSpPr>
         <p:sp>
@@ -20135,7 +20135,7 @@
           <p:spPr>
             <a:xfrm>
               <a:off x="25162964" y="16233555"/>
-              <a:ext cx="7178365" cy="505573"/>
+              <a:ext cx="7123195" cy="505573"/>
             </a:xfrm>
             <a:prstGeom prst="rect">
               <a:avLst/>
@@ -20816,9 +20816,9 @@
         <p:grpSpPr>
           <a:xfrm>
             <a:off x="16247280" y="15236436"/>
-            <a:ext cx="8425407" cy="505573"/>
+            <a:ext cx="8430356" cy="505573"/>
             <a:chOff x="16236658" y="14818532"/>
-            <a:chExt cx="8425407" cy="505573"/>
+            <a:chExt cx="8430356" cy="505573"/>
           </a:xfrm>
         </p:grpSpPr>
         <p:sp>
@@ -20836,7 +20836,7 @@
           <p:spPr>
             <a:xfrm>
               <a:off x="16236658" y="14818532"/>
-              <a:ext cx="8425407" cy="505573"/>
+              <a:ext cx="8430356" cy="505573"/>
             </a:xfrm>
             <a:prstGeom prst="rect">
               <a:avLst/>
@@ -20929,13 +20929,13 @@
           <p:nvPr>
             <p:extLst>
               <p:ext uri="{D42A27DB-BD31-4B8C-83A1-F6EECF244321}">
-                <p14:modId xmlns:p14="http://schemas.microsoft.com/office/powerpoint/2010/main" val="3216312012"/>
+                <p14:modId xmlns:p14="http://schemas.microsoft.com/office/powerpoint/2010/main" val="3281420689"/>
               </p:ext>
             </p:extLst>
           </p:nvPr>
         </p:nvGraphicFramePr>
         <p:xfrm>
-          <a:off x="25141051" y="9066984"/>
+          <a:off x="26391957" y="10205688"/>
           <a:ext cx="4195949" cy="2124036"/>
         </p:xfrm>
         <a:graphic>
@@ -21318,13 +21318,13 @@
           <p:nvPr>
             <p:extLst>
               <p:ext uri="{D42A27DB-BD31-4B8C-83A1-F6EECF244321}">
-                <p14:modId xmlns:p14="http://schemas.microsoft.com/office/powerpoint/2010/main" val="495460450"/>
+                <p14:modId xmlns:p14="http://schemas.microsoft.com/office/powerpoint/2010/main" val="942098397"/>
               </p:ext>
             </p:extLst>
           </p:nvPr>
         </p:nvGraphicFramePr>
         <p:xfrm>
-          <a:off x="25131525" y="5197574"/>
+          <a:off x="25088728" y="5116968"/>
           <a:ext cx="6906299" cy="3340799"/>
         </p:xfrm>
         <a:graphic>
@@ -22329,7 +22329,7 @@
         <p:spPr bwMode="auto">
           <a:xfrm>
             <a:off x="16252141" y="16138895"/>
-            <a:ext cx="8419909" cy="1428903"/>
+            <a:ext cx="8425495" cy="1428903"/>
           </a:xfrm>
           <a:prstGeom prst="rect">
             <a:avLst/>
@@ -22496,8 +22496,8 @@
         </p:nvSpPr>
         <p:spPr bwMode="auto">
           <a:xfrm>
-            <a:off x="25141051" y="3776857"/>
-            <a:ext cx="6927573" cy="813350"/>
+            <a:off x="25141052" y="3776857"/>
+            <a:ext cx="6887248" cy="813350"/>
           </a:xfrm>
           <a:prstGeom prst="rect">
             <a:avLst/>
@@ -22646,8 +22646,8 @@
         </p:nvSpPr>
         <p:spPr bwMode="auto">
           <a:xfrm>
-            <a:off x="25092896" y="11902101"/>
-            <a:ext cx="6906299" cy="3891116"/>
+            <a:off x="25131526" y="12824496"/>
+            <a:ext cx="6810742" cy="3891116"/>
           </a:xfrm>
           <a:prstGeom prst="rect">
             <a:avLst/>
@@ -23037,6 +23037,156 @@
           </a:prstGeom>
         </p:spPr>
       </p:pic>
+      <p:sp>
+        <p:nvSpPr>
+          <p:cNvPr id="90" name="Text Box 193">
+            <a:extLst>
+              <a:ext uri="{FF2B5EF4-FFF2-40B4-BE49-F238E27FC236}">
+                <a16:creationId xmlns:a16="http://schemas.microsoft.com/office/drawing/2014/main" id="{AA56E3A0-7336-544C-814D-0258A1231499}"/>
+              </a:ext>
+            </a:extLst>
+          </p:cNvPr>
+          <p:cNvSpPr txBox="1">
+            <a:spLocks noChangeArrowheads="1"/>
+          </p:cNvSpPr>
+          <p:nvPr/>
+        </p:nvSpPr>
+        <p:spPr bwMode="auto">
+          <a:xfrm>
+            <a:off x="25141052" y="9050793"/>
+            <a:ext cx="6850942" cy="813350"/>
+          </a:xfrm>
+          <a:prstGeom prst="rect">
+            <a:avLst/>
+          </a:prstGeom>
+          <a:solidFill>
+            <a:schemeClr val="accent2"/>
+          </a:solidFill>
+          <a:ln w="12700">
+            <a:solidFill>
+              <a:schemeClr val="accent1">
+                <a:lumMod val="75000"/>
+              </a:schemeClr>
+            </a:solidFill>
+          </a:ln>
+          <a:effectLst/>
+        </p:spPr>
+        <p:txBody>
+          <a:bodyPr wrap="square" lIns="97942" tIns="97942" rIns="97942" bIns="97942">
+            <a:spAutoFit/>
+          </a:bodyPr>
+          <a:lstStyle>
+            <a:lvl1pPr eaLnBrk="0" hangingPunct="0">
+              <a:defRPr sz="2200">
+                <a:solidFill>
+                  <a:schemeClr val="tx1"/>
+                </a:solidFill>
+                <a:latin typeface="Arial" charset="0"/>
+              </a:defRPr>
+            </a:lvl1pPr>
+            <a:lvl2pPr marL="742950" indent="-285750" eaLnBrk="0" hangingPunct="0">
+              <a:defRPr sz="2200">
+                <a:solidFill>
+                  <a:schemeClr val="tx1"/>
+                </a:solidFill>
+                <a:latin typeface="Arial" charset="0"/>
+              </a:defRPr>
+            </a:lvl2pPr>
+            <a:lvl3pPr marL="1143000" indent="-228600" eaLnBrk="0" hangingPunct="0">
+              <a:defRPr sz="2200">
+                <a:solidFill>
+                  <a:schemeClr val="tx1"/>
+                </a:solidFill>
+                <a:latin typeface="Arial" charset="0"/>
+              </a:defRPr>
+            </a:lvl3pPr>
+            <a:lvl4pPr marL="1600200" indent="-228600" eaLnBrk="0" hangingPunct="0">
+              <a:defRPr sz="2200">
+                <a:solidFill>
+                  <a:schemeClr val="tx1"/>
+                </a:solidFill>
+                <a:latin typeface="Arial" charset="0"/>
+              </a:defRPr>
+            </a:lvl4pPr>
+            <a:lvl5pPr marL="2057400" indent="-228600" eaLnBrk="0" hangingPunct="0">
+              <a:defRPr sz="2200">
+                <a:solidFill>
+                  <a:schemeClr val="tx1"/>
+                </a:solidFill>
+                <a:latin typeface="Arial" charset="0"/>
+              </a:defRPr>
+            </a:lvl5pPr>
+            <a:lvl6pPr marL="2514600" indent="-228600" eaLnBrk="0" fontAlgn="base" hangingPunct="0">
+              <a:spcBef>
+                <a:spcPct val="0"/>
+              </a:spcBef>
+              <a:spcAft>
+                <a:spcPct val="0"/>
+              </a:spcAft>
+              <a:defRPr sz="2200">
+                <a:solidFill>
+                  <a:schemeClr val="tx1"/>
+                </a:solidFill>
+                <a:latin typeface="Arial" charset="0"/>
+              </a:defRPr>
+            </a:lvl6pPr>
+            <a:lvl7pPr marL="2971800" indent="-228600" eaLnBrk="0" fontAlgn="base" hangingPunct="0">
+              <a:spcBef>
+                <a:spcPct val="0"/>
+              </a:spcBef>
+              <a:spcAft>
+                <a:spcPct val="0"/>
+              </a:spcAft>
+              <a:defRPr sz="2200">
+                <a:solidFill>
+                  <a:schemeClr val="tx1"/>
+                </a:solidFill>
+                <a:latin typeface="Arial" charset="0"/>
+              </a:defRPr>
+            </a:lvl7pPr>
+            <a:lvl8pPr marL="3429000" indent="-228600" eaLnBrk="0" fontAlgn="base" hangingPunct="0">
+              <a:spcBef>
+                <a:spcPct val="0"/>
+              </a:spcBef>
+              <a:spcAft>
+                <a:spcPct val="0"/>
+              </a:spcAft>
+              <a:defRPr sz="2200">
+                <a:solidFill>
+                  <a:schemeClr val="tx1"/>
+                </a:solidFill>
+                <a:latin typeface="Arial" charset="0"/>
+              </a:defRPr>
+            </a:lvl8pPr>
+            <a:lvl9pPr marL="3886200" indent="-228600" eaLnBrk="0" fontAlgn="base" hangingPunct="0">
+              <a:spcBef>
+                <a:spcPct val="0"/>
+              </a:spcBef>
+              <a:spcAft>
+                <a:spcPct val="0"/>
+              </a:spcAft>
+              <a:defRPr sz="2200">
+                <a:solidFill>
+                  <a:schemeClr val="tx1"/>
+                </a:solidFill>
+                <a:latin typeface="Arial" charset="0"/>
+              </a:defRPr>
+            </a:lvl9pPr>
+          </a:lstStyle>
+          <a:p>
+            <a:pPr algn="just" eaLnBrk="1" hangingPunct="1"/>
+            <a:r>
+              <a:rPr lang="en-US" sz="2000" dirty="0">
+                <a:solidFill>
+                  <a:schemeClr val="bg1"/>
+                </a:solidFill>
+                <a:latin typeface="Calibri" pitchFamily="34" charset="0"/>
+              </a:rPr>
+              <a:t>Overall Precision and Recall score comparison between the two similarity  metrics used:</a:t>
+            </a:r>
+          </a:p>
+        </p:txBody>
+      </p:sp>
     </p:spTree>
     <p:extLst>
       <p:ext uri="{BB962C8B-B14F-4D97-AF65-F5344CB8AC3E}">
